--- a/graduation_design/my_paper/计算机-雷明-毕业答辩.pptx
+++ b/graduation_design/my_paper/计算机-雷明-毕业答辩.pptx
@@ -1,11 +1,22 @@
 
 <file path=ppt/presentation.xml><?xml version="1.0" encoding="utf-8"?>
-<p:presentation xmlns:a="http://schemas.openxmlformats.org/drawingml/2006/main" xmlns:r="http://schemas.openxmlformats.org/officeDocument/2006/relationships" xmlns:p="http://schemas.openxmlformats.org/presentationml/2006/main" saveSubsetFonts="1" autoCompressPictures="0">
+<p:presentation xmlns:a="http://schemas.openxmlformats.org/drawingml/2006/main" xmlns:r="http://schemas.openxmlformats.org/officeDocument/2006/relationships" xmlns:p="http://schemas.openxmlformats.org/presentationml/2006/main" saveSubsetFonts="1" autoCompressPictures="0" bookmarkIdSeed="2">
   <p:sldMasterIdLst>
     <p:sldMasterId id="2147483648" r:id="rId1"/>
   </p:sldMasterIdLst>
   <p:sldIdLst>
     <p:sldId id="256" r:id="rId2"/>
+    <p:sldId id="257" r:id="rId3"/>
+    <p:sldId id="258" r:id="rId4"/>
+    <p:sldId id="259" r:id="rId5"/>
+    <p:sldId id="260" r:id="rId6"/>
+    <p:sldId id="261" r:id="rId7"/>
+    <p:sldId id="262" r:id="rId8"/>
+    <p:sldId id="263" r:id="rId9"/>
+    <p:sldId id="264" r:id="rId10"/>
+    <p:sldId id="265" r:id="rId11"/>
+    <p:sldId id="266" r:id="rId12"/>
+    <p:sldId id="267" r:id="rId13"/>
   </p:sldIdLst>
   <p:sldSz cx="12192000" cy="6858000"/>
   <p:notesSz cx="6858000" cy="9144000"/>
@@ -104,6 +115,11 @@
       </a:defRPr>
     </a:lvl9pPr>
   </p:defaultTextStyle>
+  <p:extLst>
+    <p:ext uri="{EFAFB233-063F-42B5-8137-9DF3F51BA10A}">
+      <p15:sldGuideLst xmlns:p15="http://schemas.microsoft.com/office/powerpoint/2012/main"/>
+    </p:ext>
+  </p:extLst>
 </p:presentation>
 </file>
 
@@ -278,7 +294,7 @@
           <a:p>
             <a:fld id="{48A87A34-81AB-432B-8DAE-1953F412C126}" type="datetimeFigureOut">
               <a:rPr lang="en-US" dirty="0"/>
-              <a:t>10/30/18</a:t>
+              <a:t>2018-11-03</a:t>
             </a:fld>
             <a:endParaRPr lang="en-US" dirty="0"/>
           </a:p>
@@ -585,7 +601,7 @@
           <a:p>
             <a:fld id="{48A87A34-81AB-432B-8DAE-1953F412C126}" type="datetimeFigureOut">
               <a:rPr lang="en-US" dirty="0"/>
-              <a:t>10/30/18</a:t>
+              <a:t>2018-11-03</a:t>
             </a:fld>
             <a:endParaRPr lang="en-US" dirty="0"/>
           </a:p>
@@ -802,7 +818,7 @@
           <a:p>
             <a:fld id="{48A87A34-81AB-432B-8DAE-1953F412C126}" type="datetimeFigureOut">
               <a:rPr lang="en-US" dirty="0"/>
-              <a:t>10/30/18</a:t>
+              <a:t>2018-11-03</a:t>
             </a:fld>
             <a:endParaRPr lang="en-US" dirty="0"/>
           </a:p>
@@ -1088,7 +1104,7 @@
           <a:p>
             <a:fld id="{48A87A34-81AB-432B-8DAE-1953F412C126}" type="datetimeFigureOut">
               <a:rPr lang="en-US" dirty="0"/>
-              <a:t>10/30/18</a:t>
+              <a:t>2018-11-03</a:t>
             </a:fld>
             <a:endParaRPr lang="en-US" dirty="0"/>
           </a:p>
@@ -1537,7 +1553,7 @@
           <a:p>
             <a:fld id="{48A87A34-81AB-432B-8DAE-1953F412C126}" type="datetimeFigureOut">
               <a:rPr lang="en-US" dirty="0"/>
-              <a:t>10/30/18</a:t>
+              <a:t>2018-11-03</a:t>
             </a:fld>
             <a:endParaRPr lang="en-US" dirty="0"/>
           </a:p>
@@ -2108,7 +2124,7 @@
           <a:p>
             <a:fld id="{48A87A34-81AB-432B-8DAE-1953F412C126}" type="datetimeFigureOut">
               <a:rPr lang="en-US" dirty="0"/>
-              <a:t>10/30/18</a:t>
+              <a:t>2018-11-03</a:t>
             </a:fld>
             <a:endParaRPr lang="en-US" dirty="0"/>
           </a:p>
@@ -2955,7 +2971,7 @@
           <a:p>
             <a:fld id="{48A87A34-81AB-432B-8DAE-1953F412C126}" type="datetimeFigureOut">
               <a:rPr lang="en-US" dirty="0"/>
-              <a:t>10/30/18</a:t>
+              <a:t>2018-11-03</a:t>
             </a:fld>
             <a:endParaRPr lang="en-US" dirty="0"/>
           </a:p>
@@ -3155,7 +3171,7 @@
           <a:p>
             <a:fld id="{48A87A34-81AB-432B-8DAE-1953F412C126}" type="datetimeFigureOut">
               <a:rPr lang="en-US" dirty="0"/>
-              <a:t>10/30/18</a:t>
+              <a:t>2018-11-03</a:t>
             </a:fld>
             <a:endParaRPr lang="en-US" dirty="0"/>
           </a:p>
@@ -3364,7 +3380,7 @@
           <a:p>
             <a:fld id="{48A87A34-81AB-432B-8DAE-1953F412C126}" type="datetimeFigureOut">
               <a:rPr lang="en-US" dirty="0"/>
-              <a:t>10/30/18</a:t>
+              <a:t>2018-11-03</a:t>
             </a:fld>
             <a:endParaRPr lang="en-US" dirty="0"/>
           </a:p>
@@ -3564,7 +3580,7 @@
           <a:p>
             <a:fld id="{48A87A34-81AB-432B-8DAE-1953F412C126}" type="datetimeFigureOut">
               <a:rPr lang="en-US" dirty="0"/>
-              <a:t>10/30/18</a:t>
+              <a:t>2018-11-03</a:t>
             </a:fld>
             <a:endParaRPr lang="en-US" dirty="0"/>
           </a:p>
@@ -3839,7 +3855,7 @@
           <a:p>
             <a:fld id="{48A87A34-81AB-432B-8DAE-1953F412C126}" type="datetimeFigureOut">
               <a:rPr lang="en-US" dirty="0"/>
-              <a:t>10/30/18</a:t>
+              <a:t>2018-11-03</a:t>
             </a:fld>
             <a:endParaRPr lang="en-US" dirty="0"/>
           </a:p>
@@ -4101,7 +4117,7 @@
           <a:p>
             <a:fld id="{48A87A34-81AB-432B-8DAE-1953F412C126}" type="datetimeFigureOut">
               <a:rPr lang="en-US" dirty="0"/>
-              <a:t>10/30/18</a:t>
+              <a:t>2018-11-03</a:t>
             </a:fld>
             <a:endParaRPr lang="en-US" dirty="0"/>
           </a:p>
@@ -4511,7 +4527,7 @@
           <a:p>
             <a:fld id="{48A87A34-81AB-432B-8DAE-1953F412C126}" type="datetimeFigureOut">
               <a:rPr lang="en-US" dirty="0"/>
-              <a:t>10/30/18</a:t>
+              <a:t>2018-11-03</a:t>
             </a:fld>
             <a:endParaRPr lang="en-US" dirty="0"/>
           </a:p>
@@ -4654,7 +4670,7 @@
           <a:p>
             <a:fld id="{48A87A34-81AB-432B-8DAE-1953F412C126}" type="datetimeFigureOut">
               <a:rPr lang="en-US" dirty="0"/>
-              <a:t>10/30/18</a:t>
+              <a:t>2018-11-03</a:t>
             </a:fld>
             <a:endParaRPr lang="en-US" dirty="0"/>
           </a:p>
@@ -4774,7 +4790,7 @@
           <a:p>
             <a:fld id="{48A87A34-81AB-432B-8DAE-1953F412C126}" type="datetimeFigureOut">
               <a:rPr lang="en-US" dirty="0"/>
-              <a:t>10/30/18</a:t>
+              <a:t>2018-11-03</a:t>
             </a:fld>
             <a:endParaRPr lang="en-US" dirty="0"/>
           </a:p>
@@ -5048,7 +5064,7 @@
           <a:p>
             <a:fld id="{48A87A34-81AB-432B-8DAE-1953F412C126}" type="datetimeFigureOut">
               <a:rPr lang="en-US" dirty="0"/>
-              <a:t>10/30/18</a:t>
+              <a:t>2018-11-03</a:t>
             </a:fld>
             <a:endParaRPr lang="en-US" dirty="0"/>
           </a:p>
@@ -5355,7 +5371,7 @@
           <a:p>
             <a:fld id="{48A87A34-81AB-432B-8DAE-1953F412C126}" type="datetimeFigureOut">
               <a:rPr lang="en-US" dirty="0"/>
-              <a:t>10/30/18</a:t>
+              <a:t>2018-11-03</a:t>
             </a:fld>
             <a:endParaRPr lang="en-US" dirty="0"/>
           </a:p>
@@ -5604,7 +5620,7 @@
             <a:fld id="{48A87A34-81AB-432B-8DAE-1953F412C126}" type="datetimeFigureOut">
               <a:rPr lang="en-US" dirty="0"/>
               <a:pPr/>
-              <a:t>10/30/18</a:t>
+              <a:t>2018-11-03</a:t>
             </a:fld>
             <a:endParaRPr lang="en-US" dirty="0"/>
           </a:p>
@@ -6054,34 +6070,223 @@
             <p:ph type="ctrTitle"/>
           </p:nvPr>
         </p:nvSpPr>
-        <p:spPr/>
+        <p:spPr>
+          <a:xfrm>
+            <a:off x="1596776" y="1488071"/>
+            <a:ext cx="8689976" cy="803437"/>
+          </a:xfrm>
+        </p:spPr>
         <p:txBody>
           <a:bodyPr/>
           <a:lstStyle/>
           <a:p>
-            <a:endParaRPr lang="en-US"/>
-          </a:p>
-        </p:txBody>
-      </p:sp>
-      <p:sp>
-        <p:nvSpPr>
-          <p:cNvPr id="3" name="Subtitle 2"/>
-          <p:cNvSpPr>
-            <a:spLocks noGrp="1"/>
-          </p:cNvSpPr>
-          <p:nvPr>
-            <p:ph type="subTitle" idx="1"/>
-          </p:nvPr>
-        </p:nvSpPr>
-        <p:spPr/>
-        <p:txBody>
-          <a:bodyPr/>
-          <a:lstStyle/>
-          <a:p>
-            <a:endParaRPr lang="en-US"/>
-          </a:p>
-        </p:txBody>
-      </p:sp>
+            <a:r>
+              <a:rPr lang="zh-CN" altLang="en-US" dirty="0"/>
+              <a:t>准妈妈孕期信息管理服务系统</a:t>
+            </a:r>
+            <a:endParaRPr lang="en-US" dirty="0"/>
+          </a:p>
+        </p:txBody>
+      </p:sp>
+      <p:graphicFrame>
+        <p:nvGraphicFramePr>
+          <p:cNvPr id="22" name="Table 21"/>
+          <p:cNvGraphicFramePr>
+            <a:graphicFrameLocks noGrp="1"/>
+          </p:cNvGraphicFramePr>
+          <p:nvPr>
+            <p:extLst>
+              <p:ext uri="{D42A27DB-BD31-4B8C-83A1-F6EECF244321}">
+                <p14:modId xmlns:p14="http://schemas.microsoft.com/office/powerpoint/2010/main" val="2636290461"/>
+              </p:ext>
+            </p:extLst>
+          </p:nvPr>
+        </p:nvGraphicFramePr>
+        <p:xfrm>
+          <a:off x="1877764" y="3363714"/>
+          <a:ext cx="8128000" cy="1483360"/>
+        </p:xfrm>
+        <a:graphic>
+          <a:graphicData uri="http://schemas.openxmlformats.org/drawingml/2006/table">
+            <a:tbl>
+              <a:tblPr firstRow="1" bandRow="1">
+                <a:tableStyleId>{9D7B26C5-4107-4FEC-AEDC-1716B250A1EF}</a:tableStyleId>
+              </a:tblPr>
+              <a:tblGrid>
+                <a:gridCol w="4064000">
+                  <a:extLst>
+                    <a:ext uri="{9D8B030D-6E8A-4147-A177-3AD203B41FA5}">
+                      <a16:colId xmlns:a16="http://schemas.microsoft.com/office/drawing/2014/main" val="2419921925"/>
+                    </a:ext>
+                  </a:extLst>
+                </a:gridCol>
+                <a:gridCol w="4064000">
+                  <a:extLst>
+                    <a:ext uri="{9D8B030D-6E8A-4147-A177-3AD203B41FA5}">
+                      <a16:colId xmlns:a16="http://schemas.microsoft.com/office/drawing/2014/main" val="2243509427"/>
+                    </a:ext>
+                  </a:extLst>
+                </a:gridCol>
+              </a:tblGrid>
+              <a:tr h="370840">
+                <a:tc>
+                  <a:txBody>
+                    <a:bodyPr/>
+                    <a:lstStyle/>
+                    <a:p>
+                      <a:pPr marL="0" algn="ctr" defTabSz="914400" rtl="0" eaLnBrk="1" latinLnBrk="0" hangingPunct="1"/>
+                      <a:r>
+                        <a:rPr lang="zh-CN" altLang="en-US" sz="1800" b="0" kern="1200" dirty="0" smtClean="0"/>
+                        <a:t>类别</a:t>
+                      </a:r>
+                      <a:endParaRPr lang="en-US" sz="1800" b="0" kern="1200" dirty="0">
+                        <a:solidFill>
+                          <a:schemeClr val="tx1"/>
+                        </a:solidFill>
+                        <a:latin typeface="+mn-lt"/>
+                        <a:ea typeface="+mn-ea"/>
+                        <a:cs typeface="+mn-cs"/>
+                      </a:endParaRPr>
+                    </a:p>
+                  </a:txBody>
+                  <a:tcPr/>
+                </a:tc>
+                <a:tc>
+                  <a:txBody>
+                    <a:bodyPr/>
+                    <a:lstStyle/>
+                    <a:p>
+                      <a:pPr algn="ctr"/>
+                      <a:r>
+                        <a:rPr lang="zh-CN" altLang="en-US" b="0" dirty="0" smtClean="0"/>
+                        <a:t>专升本</a:t>
+                      </a:r>
+                      <a:endParaRPr lang="en-US" b="0" dirty="0"/>
+                    </a:p>
+                  </a:txBody>
+                  <a:tcPr/>
+                </a:tc>
+                <a:extLst>
+                  <a:ext uri="{0D108BD9-81ED-4DB2-BD59-A6C34878D82A}">
+                    <a16:rowId xmlns:a16="http://schemas.microsoft.com/office/drawing/2014/main" val="4147310124"/>
+                  </a:ext>
+                </a:extLst>
+              </a:tr>
+              <a:tr h="370840">
+                <a:tc>
+                  <a:txBody>
+                    <a:bodyPr/>
+                    <a:lstStyle/>
+                    <a:p>
+                      <a:pPr algn="ctr"/>
+                      <a:r>
+                        <a:rPr lang="zh-CN" altLang="en-US" dirty="0" smtClean="0"/>
+                        <a:t>专业</a:t>
+                      </a:r>
+                      <a:endParaRPr lang="en-US" dirty="0"/>
+                    </a:p>
+                  </a:txBody>
+                  <a:tcPr/>
+                </a:tc>
+                <a:tc>
+                  <a:txBody>
+                    <a:bodyPr/>
+                    <a:lstStyle/>
+                    <a:p>
+                      <a:pPr algn="ctr"/>
+                      <a:r>
+                        <a:rPr lang="zh-CN" altLang="en-US" dirty="0" smtClean="0"/>
+                        <a:t>计算机科学与技术</a:t>
+                      </a:r>
+                      <a:endParaRPr lang="en-US" dirty="0"/>
+                    </a:p>
+                  </a:txBody>
+                  <a:tcPr/>
+                </a:tc>
+                <a:extLst>
+                  <a:ext uri="{0D108BD9-81ED-4DB2-BD59-A6C34878D82A}">
+                    <a16:rowId xmlns:a16="http://schemas.microsoft.com/office/drawing/2014/main" val="1090463524"/>
+                  </a:ext>
+                </a:extLst>
+              </a:tr>
+              <a:tr h="370840">
+                <a:tc>
+                  <a:txBody>
+                    <a:bodyPr/>
+                    <a:lstStyle/>
+                    <a:p>
+                      <a:pPr algn="ctr"/>
+                      <a:r>
+                        <a:rPr lang="zh-CN" altLang="en-US" dirty="0" smtClean="0"/>
+                        <a:t>班级</a:t>
+                      </a:r>
+                      <a:endParaRPr lang="en-US" dirty="0"/>
+                    </a:p>
+                  </a:txBody>
+                  <a:tcPr/>
+                </a:tc>
+                <a:tc>
+                  <a:txBody>
+                    <a:bodyPr/>
+                    <a:lstStyle/>
+                    <a:p>
+                      <a:pPr algn="ctr"/>
+                      <a:r>
+                        <a:rPr lang="zh-CN" altLang="en-US" dirty="0" smtClean="0"/>
+                        <a:t>北京理工大学校本部</a:t>
+                      </a:r>
+                      <a:endParaRPr lang="en-US" dirty="0"/>
+                    </a:p>
+                  </a:txBody>
+                  <a:tcPr/>
+                </a:tc>
+                <a:extLst>
+                  <a:ext uri="{0D108BD9-81ED-4DB2-BD59-A6C34878D82A}">
+                    <a16:rowId xmlns:a16="http://schemas.microsoft.com/office/drawing/2014/main" val="363472524"/>
+                  </a:ext>
+                </a:extLst>
+              </a:tr>
+              <a:tr h="370840">
+                <a:tc>
+                  <a:txBody>
+                    <a:bodyPr/>
+                    <a:lstStyle/>
+                    <a:p>
+                      <a:pPr algn="ctr"/>
+                      <a:r>
+                        <a:rPr lang="zh-CN" altLang="en-US" dirty="0" smtClean="0"/>
+                        <a:t>姓名</a:t>
+                      </a:r>
+                      <a:endParaRPr lang="en-US" dirty="0"/>
+                    </a:p>
+                  </a:txBody>
+                  <a:tcPr/>
+                </a:tc>
+                <a:tc>
+                  <a:txBody>
+                    <a:bodyPr/>
+                    <a:lstStyle/>
+                    <a:p>
+                      <a:pPr algn="ctr"/>
+                      <a:r>
+                        <a:rPr lang="zh-CN" altLang="en-US" dirty="0" smtClean="0"/>
+                        <a:t>雷明</a:t>
+                      </a:r>
+                      <a:endParaRPr lang="en-US" dirty="0"/>
+                    </a:p>
+                  </a:txBody>
+                  <a:tcPr/>
+                </a:tc>
+                <a:extLst>
+                  <a:ext uri="{0D108BD9-81ED-4DB2-BD59-A6C34878D82A}">
+                    <a16:rowId xmlns:a16="http://schemas.microsoft.com/office/drawing/2014/main" val="232697873"/>
+                  </a:ext>
+                </a:extLst>
+              </a:tr>
+            </a:tbl>
+          </a:graphicData>
+        </a:graphic>
+      </p:graphicFrame>
     </p:spTree>
     <p:extLst>
       <p:ext uri="{BB962C8B-B14F-4D97-AF65-F5344CB8AC3E}">
@@ -6092,6 +6297,1945 @@
   <p:clrMapOvr>
     <a:masterClrMapping/>
   </p:clrMapOvr>
+  <p:timing>
+    <p:tnLst>
+      <p:par>
+        <p:cTn id="1" dur="indefinite" restart="never" nodeType="tmRoot"/>
+      </p:par>
+    </p:tnLst>
+  </p:timing>
+</p:sld>
+</file>
+
+<file path=ppt/slides/slide10.xml><?xml version="1.0" encoding="utf-8"?>
+<p:sld xmlns:a="http://schemas.openxmlformats.org/drawingml/2006/main" xmlns:r="http://schemas.openxmlformats.org/officeDocument/2006/relationships" xmlns:p="http://schemas.openxmlformats.org/presentationml/2006/main">
+  <p:cSld>
+    <p:spTree>
+      <p:nvGrpSpPr>
+        <p:cNvPr id="1" name=""/>
+        <p:cNvGrpSpPr/>
+        <p:nvPr/>
+      </p:nvGrpSpPr>
+      <p:grpSpPr>
+        <a:xfrm>
+          <a:off x="0" y="0"/>
+          <a:ext cx="0" cy="0"/>
+          <a:chOff x="0" y="0"/>
+          <a:chExt cx="0" cy="0"/>
+        </a:xfrm>
+      </p:grpSpPr>
+      <p:sp>
+        <p:nvSpPr>
+          <p:cNvPr id="2" name="Title 1"/>
+          <p:cNvSpPr>
+            <a:spLocks noGrp="1"/>
+          </p:cNvSpPr>
+          <p:nvPr>
+            <p:ph type="title"/>
+          </p:nvPr>
+        </p:nvSpPr>
+        <p:spPr>
+          <a:xfrm>
+            <a:off x="913775" y="618517"/>
+            <a:ext cx="10364451" cy="571305"/>
+          </a:xfrm>
+        </p:spPr>
+        <p:txBody>
+          <a:bodyPr>
+            <a:normAutofit fontScale="90000"/>
+          </a:bodyPr>
+          <a:lstStyle/>
+          <a:p>
+            <a:r>
+              <a:rPr lang="zh-CN" altLang="en-US" dirty="0" smtClean="0"/>
+              <a:t>发展前景</a:t>
+            </a:r>
+            <a:endParaRPr lang="en-US" dirty="0"/>
+          </a:p>
+        </p:txBody>
+      </p:sp>
+      <p:sp>
+        <p:nvSpPr>
+          <p:cNvPr id="3" name="Content Placeholder 2"/>
+          <p:cNvSpPr>
+            <a:spLocks noGrp="1"/>
+          </p:cNvSpPr>
+          <p:nvPr>
+            <p:ph sz="quarter" idx="13"/>
+          </p:nvPr>
+        </p:nvSpPr>
+        <p:spPr>
+          <a:xfrm>
+            <a:off x="913774" y="1463710"/>
+            <a:ext cx="10363826" cy="3424107"/>
+          </a:xfrm>
+        </p:spPr>
+        <p:txBody>
+          <a:bodyPr>
+            <a:normAutofit/>
+          </a:bodyPr>
+          <a:lstStyle/>
+          <a:p>
+            <a:r>
+              <a:rPr lang="zh-CN" altLang="en-US" dirty="0" smtClean="0"/>
+              <a:t>一、</a:t>
+            </a:r>
+            <a:r>
+              <a:rPr lang="zh-CN" altLang="en-US" dirty="0"/>
+              <a:t>建立以医疗大数据应用技术为基础的准妈妈孕检创新研发平</a:t>
+            </a:r>
+            <a:r>
+              <a:rPr lang="zh-CN" altLang="en-US" dirty="0" smtClean="0"/>
+              <a:t>台</a:t>
+            </a:r>
+            <a:endParaRPr lang="en-US" altLang="zh-CN" dirty="0" smtClean="0"/>
+          </a:p>
+          <a:p>
+            <a:r>
+              <a:rPr lang="zh-CN" altLang="en-US" dirty="0" smtClean="0"/>
+              <a:t>二、</a:t>
+            </a:r>
+            <a:r>
+              <a:rPr lang="zh-CN" altLang="en-US" dirty="0"/>
+              <a:t>建立微服务、大数据和机器学习应用技术的人才培养平</a:t>
+            </a:r>
+            <a:r>
+              <a:rPr lang="zh-CN" altLang="en-US" dirty="0" smtClean="0"/>
+              <a:t>台</a:t>
+            </a:r>
+            <a:endParaRPr lang="en-US" altLang="zh-CN" dirty="0" smtClean="0"/>
+          </a:p>
+          <a:p>
+            <a:r>
+              <a:rPr lang="zh-CN" altLang="en-US" dirty="0" smtClean="0"/>
+              <a:t>三、</a:t>
+            </a:r>
+            <a:r>
+              <a:rPr lang="zh-CN" altLang="en-US" dirty="0"/>
+              <a:t>利用微服务、大数据和机器学习技术，面向行业共性问题和需求，研发一系列医疗服务产品</a:t>
+            </a:r>
+            <a:endParaRPr lang="en-US" altLang="zh-CN" dirty="0" smtClean="0"/>
+          </a:p>
+        </p:txBody>
+      </p:sp>
+    </p:spTree>
+    <p:extLst>
+      <p:ext uri="{BB962C8B-B14F-4D97-AF65-F5344CB8AC3E}">
+        <p14:creationId xmlns:p14="http://schemas.microsoft.com/office/powerpoint/2010/main" val="648508078"/>
+      </p:ext>
+    </p:extLst>
+  </p:cSld>
+  <p:clrMapOvr>
+    <a:masterClrMapping/>
+  </p:clrMapOvr>
+  <p:timing>
+    <p:tnLst>
+      <p:par>
+        <p:cTn id="1" dur="indefinite" restart="never" nodeType="tmRoot"/>
+      </p:par>
+    </p:tnLst>
+  </p:timing>
+</p:sld>
+</file>
+
+<file path=ppt/slides/slide11.xml><?xml version="1.0" encoding="utf-8"?>
+<p:sld xmlns:a="http://schemas.openxmlformats.org/drawingml/2006/main" xmlns:r="http://schemas.openxmlformats.org/officeDocument/2006/relationships" xmlns:p="http://schemas.openxmlformats.org/presentationml/2006/main">
+  <p:cSld>
+    <p:spTree>
+      <p:nvGrpSpPr>
+        <p:cNvPr id="1" name=""/>
+        <p:cNvGrpSpPr/>
+        <p:nvPr/>
+      </p:nvGrpSpPr>
+      <p:grpSpPr>
+        <a:xfrm>
+          <a:off x="0" y="0"/>
+          <a:ext cx="0" cy="0"/>
+          <a:chOff x="0" y="0"/>
+          <a:chExt cx="0" cy="0"/>
+        </a:xfrm>
+      </p:grpSpPr>
+      <p:sp>
+        <p:nvSpPr>
+          <p:cNvPr id="2" name="Title 1"/>
+          <p:cNvSpPr>
+            <a:spLocks noGrp="1"/>
+          </p:cNvSpPr>
+          <p:nvPr>
+            <p:ph type="title"/>
+          </p:nvPr>
+        </p:nvSpPr>
+        <p:spPr>
+          <a:xfrm>
+            <a:off x="913775" y="618517"/>
+            <a:ext cx="10364451" cy="571305"/>
+          </a:xfrm>
+        </p:spPr>
+        <p:txBody>
+          <a:bodyPr>
+            <a:normAutofit fontScale="90000"/>
+          </a:bodyPr>
+          <a:lstStyle/>
+          <a:p>
+            <a:r>
+              <a:rPr lang="zh-CN" altLang="en-US" dirty="0"/>
+              <a:t>结论</a:t>
+            </a:r>
+            <a:endParaRPr lang="en-US" dirty="0"/>
+          </a:p>
+        </p:txBody>
+      </p:sp>
+      <p:sp>
+        <p:nvSpPr>
+          <p:cNvPr id="3" name="Content Placeholder 2"/>
+          <p:cNvSpPr>
+            <a:spLocks noGrp="1"/>
+          </p:cNvSpPr>
+          <p:nvPr>
+            <p:ph sz="quarter" idx="13"/>
+          </p:nvPr>
+        </p:nvSpPr>
+        <p:spPr>
+          <a:xfrm>
+            <a:off x="913774" y="1463710"/>
+            <a:ext cx="10363826" cy="3424107"/>
+          </a:xfrm>
+        </p:spPr>
+        <p:txBody>
+          <a:bodyPr>
+            <a:normAutofit/>
+          </a:bodyPr>
+          <a:lstStyle/>
+          <a:p>
+            <a:r>
+              <a:rPr lang="zh-CN" altLang="en-US" dirty="0" smtClean="0"/>
+              <a:t>一、</a:t>
+            </a:r>
+            <a:r>
+              <a:rPr lang="zh-CN" altLang="en-US" dirty="0"/>
+              <a:t>深入地接触微服务架构的搭建、大数据平台环境的搭建和机器学习的深入学习。最终，设计并制件出本服务系统，体验到移动互联网技术应用于医疗行业所带给我们的便利</a:t>
+            </a:r>
+            <a:r>
+              <a:rPr lang="zh-CN" altLang="en-US" dirty="0" smtClean="0"/>
+              <a:t>。</a:t>
+            </a:r>
+            <a:endParaRPr lang="en-US" altLang="zh-CN" dirty="0" smtClean="0"/>
+          </a:p>
+          <a:p>
+            <a:r>
+              <a:rPr lang="zh-CN" altLang="en-US" dirty="0" smtClean="0"/>
+              <a:t>二、孕</a:t>
+            </a:r>
+            <a:r>
+              <a:rPr lang="zh-CN" altLang="en-US" dirty="0"/>
+              <a:t>期检查是国内各大妇产医院面临的最大问题，而以互联网化为手段，优化就诊流程，提升患者的就医体验，将会成为未来</a:t>
+            </a:r>
+            <a:r>
+              <a:rPr lang="en-US" dirty="0"/>
+              <a:t>“</a:t>
+            </a:r>
+            <a:r>
+              <a:rPr lang="zh-CN" altLang="en-US" dirty="0"/>
+              <a:t>互联网</a:t>
+            </a:r>
+            <a:r>
+              <a:rPr lang="en-US" dirty="0"/>
+              <a:t>+</a:t>
+            </a:r>
+            <a:r>
+              <a:rPr lang="zh-CN" altLang="en-US" dirty="0"/>
+              <a:t>医疗</a:t>
+            </a:r>
+            <a:r>
+              <a:rPr lang="en-US" dirty="0"/>
+              <a:t>”</a:t>
+            </a:r>
+            <a:r>
+              <a:rPr lang="zh-CN" altLang="en-US" dirty="0"/>
+              <a:t>一直关注的问题</a:t>
+            </a:r>
+            <a:r>
+              <a:rPr lang="zh-CN" altLang="en-US" dirty="0" smtClean="0"/>
+              <a:t>。</a:t>
+            </a:r>
+            <a:endParaRPr lang="en-US" altLang="zh-CN" dirty="0" smtClean="0"/>
+          </a:p>
+          <a:p>
+            <a:r>
+              <a:rPr lang="zh-CN" altLang="en-US" dirty="0" smtClean="0"/>
+              <a:t>三、</a:t>
+            </a:r>
+            <a:r>
+              <a:rPr lang="zh-CN" altLang="en-US" dirty="0"/>
+              <a:t>在</a:t>
+            </a:r>
+            <a:r>
+              <a:rPr lang="en-US" dirty="0"/>
+              <a:t>“</a:t>
+            </a:r>
+            <a:r>
+              <a:rPr lang="zh-CN" altLang="en-US" dirty="0"/>
+              <a:t>互联网</a:t>
+            </a:r>
+            <a:r>
+              <a:rPr lang="en-US" dirty="0"/>
+              <a:t>+</a:t>
+            </a:r>
+            <a:r>
+              <a:rPr lang="zh-CN" altLang="en-US" dirty="0"/>
+              <a:t>医疗</a:t>
+            </a:r>
+            <a:r>
+              <a:rPr lang="en-US" dirty="0"/>
+              <a:t>”</a:t>
+            </a:r>
+            <a:r>
+              <a:rPr lang="zh-CN" altLang="en-US" dirty="0"/>
+              <a:t>的驱动下，医疗机构将建立起以患者为中心的全新医疗服务模式，以改善就医体验为目的，逐步实现医疗诊治精准化、医疗组织协同化、医疗服务个性化，将医疗服务扩展到更大范围</a:t>
+            </a:r>
+            <a:r>
+              <a:rPr lang="zh-CN" altLang="en-US" dirty="0" smtClean="0"/>
+              <a:t>。</a:t>
+            </a:r>
+            <a:endParaRPr lang="en-US" altLang="zh-CN" dirty="0" smtClean="0"/>
+          </a:p>
+          <a:p>
+            <a:pPr marL="0" indent="0">
+              <a:buNone/>
+            </a:pPr>
+            <a:endParaRPr lang="en-US" altLang="zh-CN" dirty="0" smtClean="0"/>
+          </a:p>
+        </p:txBody>
+      </p:sp>
+    </p:spTree>
+    <p:extLst>
+      <p:ext uri="{BB962C8B-B14F-4D97-AF65-F5344CB8AC3E}">
+        <p14:creationId xmlns:p14="http://schemas.microsoft.com/office/powerpoint/2010/main" val="2061192684"/>
+      </p:ext>
+    </p:extLst>
+  </p:cSld>
+  <p:clrMapOvr>
+    <a:masterClrMapping/>
+  </p:clrMapOvr>
+  <p:timing>
+    <p:tnLst>
+      <p:par>
+        <p:cTn id="1" dur="indefinite" restart="never" nodeType="tmRoot"/>
+      </p:par>
+    </p:tnLst>
+  </p:timing>
+</p:sld>
+</file>
+
+<file path=ppt/slides/slide12.xml><?xml version="1.0" encoding="utf-8"?>
+<p:sld xmlns:a="http://schemas.openxmlformats.org/drawingml/2006/main" xmlns:r="http://schemas.openxmlformats.org/officeDocument/2006/relationships" xmlns:p="http://schemas.openxmlformats.org/presentationml/2006/main">
+  <p:cSld>
+    <p:spTree>
+      <p:nvGrpSpPr>
+        <p:cNvPr id="1" name=""/>
+        <p:cNvGrpSpPr/>
+        <p:nvPr/>
+      </p:nvGrpSpPr>
+      <p:grpSpPr>
+        <a:xfrm>
+          <a:off x="0" y="0"/>
+          <a:ext cx="0" cy="0"/>
+          <a:chOff x="0" y="0"/>
+          <a:chExt cx="0" cy="0"/>
+        </a:xfrm>
+      </p:grpSpPr>
+      <p:sp>
+        <p:nvSpPr>
+          <p:cNvPr id="2" name="Title 1"/>
+          <p:cNvSpPr>
+            <a:spLocks noGrp="1"/>
+          </p:cNvSpPr>
+          <p:nvPr>
+            <p:ph type="title"/>
+          </p:nvPr>
+        </p:nvSpPr>
+        <p:spPr>
+          <a:xfrm>
+            <a:off x="913775" y="618517"/>
+            <a:ext cx="10364451" cy="571305"/>
+          </a:xfrm>
+        </p:spPr>
+        <p:txBody>
+          <a:bodyPr>
+            <a:normAutofit fontScale="90000"/>
+          </a:bodyPr>
+          <a:lstStyle/>
+          <a:p>
+            <a:r>
+              <a:rPr lang="zh-CN" altLang="en-US" dirty="0" smtClean="0"/>
+              <a:t>致谢</a:t>
+            </a:r>
+            <a:endParaRPr lang="en-US" dirty="0"/>
+          </a:p>
+        </p:txBody>
+      </p:sp>
+      <p:sp>
+        <p:nvSpPr>
+          <p:cNvPr id="3" name="Content Placeholder 2"/>
+          <p:cNvSpPr>
+            <a:spLocks noGrp="1"/>
+          </p:cNvSpPr>
+          <p:nvPr>
+            <p:ph sz="quarter" idx="13"/>
+          </p:nvPr>
+        </p:nvSpPr>
+        <p:spPr>
+          <a:xfrm>
+            <a:off x="913774" y="1463710"/>
+            <a:ext cx="10363826" cy="3424107"/>
+          </a:xfrm>
+        </p:spPr>
+        <p:txBody>
+          <a:bodyPr>
+            <a:normAutofit/>
+          </a:bodyPr>
+          <a:lstStyle/>
+          <a:p>
+            <a:r>
+              <a:rPr lang="zh-CN" altLang="en-US" dirty="0" smtClean="0"/>
+              <a:t>一、</a:t>
+            </a:r>
+            <a:r>
+              <a:rPr lang="zh-CN" altLang="en-US" dirty="0"/>
+              <a:t>衷</a:t>
+            </a:r>
+            <a:r>
+              <a:rPr lang="zh-CN" altLang="en-US" dirty="0" smtClean="0"/>
+              <a:t>心感谢我</a:t>
+            </a:r>
+            <a:r>
+              <a:rPr lang="zh-CN" altLang="en-US" dirty="0"/>
+              <a:t>的指导老师张丽</a:t>
+            </a:r>
+            <a:r>
+              <a:rPr lang="zh-CN" altLang="en-US" dirty="0" smtClean="0"/>
+              <a:t>娜，</a:t>
+            </a:r>
+            <a:r>
+              <a:rPr lang="zh-CN" altLang="en-US" dirty="0"/>
+              <a:t>课题的设计以及论文的撰写自始至终都是在张丽娜老师的悉心指导下进行。张丽娜老师在学习和科研过程中给予我无微不至的关怀和指导，使我能够迅速地掌握本专业知识，并解决一个个实际的工程问题，能够迅速地给出处理流程和分析思路，对各方向知识的涉猎。</a:t>
+            </a:r>
+            <a:endParaRPr lang="en-US" dirty="0"/>
+          </a:p>
+          <a:p>
+            <a:r>
+              <a:rPr lang="zh-CN" altLang="en-US" dirty="0" smtClean="0"/>
+              <a:t>二、特别感</a:t>
+            </a:r>
+            <a:r>
+              <a:rPr lang="zh-CN" altLang="en-US" dirty="0"/>
+              <a:t>谢我的家人，尤其是我的爱人宋晓鹏能够提供孕期数据，并抽出时间给予我在论文上的帮助。</a:t>
+            </a:r>
+            <a:endParaRPr lang="en-US" dirty="0"/>
+          </a:p>
+        </p:txBody>
+      </p:sp>
+    </p:spTree>
+    <p:extLst>
+      <p:ext uri="{BB962C8B-B14F-4D97-AF65-F5344CB8AC3E}">
+        <p14:creationId xmlns:p14="http://schemas.microsoft.com/office/powerpoint/2010/main" val="1873025872"/>
+      </p:ext>
+    </p:extLst>
+  </p:cSld>
+  <p:clrMapOvr>
+    <a:masterClrMapping/>
+  </p:clrMapOvr>
+  <p:timing>
+    <p:tnLst>
+      <p:par>
+        <p:cTn id="1" dur="indefinite" restart="never" nodeType="tmRoot"/>
+      </p:par>
+    </p:tnLst>
+  </p:timing>
+</p:sld>
+</file>
+
+<file path=ppt/slides/slide2.xml><?xml version="1.0" encoding="utf-8"?>
+<p:sld xmlns:a="http://schemas.openxmlformats.org/drawingml/2006/main" xmlns:r="http://schemas.openxmlformats.org/officeDocument/2006/relationships" xmlns:p="http://schemas.openxmlformats.org/presentationml/2006/main">
+  <p:cSld>
+    <p:spTree>
+      <p:nvGrpSpPr>
+        <p:cNvPr id="1" name=""/>
+        <p:cNvGrpSpPr/>
+        <p:nvPr/>
+      </p:nvGrpSpPr>
+      <p:grpSpPr>
+        <a:xfrm>
+          <a:off x="0" y="0"/>
+          <a:ext cx="0" cy="0"/>
+          <a:chOff x="0" y="0"/>
+          <a:chExt cx="0" cy="0"/>
+        </a:xfrm>
+      </p:grpSpPr>
+      <p:sp>
+        <p:nvSpPr>
+          <p:cNvPr id="2" name="Title 1"/>
+          <p:cNvSpPr>
+            <a:spLocks noGrp="1"/>
+          </p:cNvSpPr>
+          <p:nvPr>
+            <p:ph type="title"/>
+          </p:nvPr>
+        </p:nvSpPr>
+        <p:spPr>
+          <a:xfrm>
+            <a:off x="913775" y="618518"/>
+            <a:ext cx="10364451" cy="593338"/>
+          </a:xfrm>
+        </p:spPr>
+        <p:txBody>
+          <a:bodyPr/>
+          <a:lstStyle/>
+          <a:p>
+            <a:r>
+              <a:rPr lang="zh-CN" altLang="en-US" dirty="0" smtClean="0"/>
+              <a:t>概述</a:t>
+            </a:r>
+            <a:endParaRPr lang="en-US" dirty="0"/>
+          </a:p>
+        </p:txBody>
+      </p:sp>
+      <p:sp>
+        <p:nvSpPr>
+          <p:cNvPr id="3" name="Content Placeholder 2"/>
+          <p:cNvSpPr>
+            <a:spLocks noGrp="1"/>
+          </p:cNvSpPr>
+          <p:nvPr>
+            <p:ph sz="quarter" idx="13"/>
+          </p:nvPr>
+        </p:nvSpPr>
+        <p:spPr>
+          <a:xfrm>
+            <a:off x="913774" y="1474725"/>
+            <a:ext cx="10363826" cy="3424107"/>
+          </a:xfrm>
+        </p:spPr>
+        <p:txBody>
+          <a:bodyPr/>
+          <a:lstStyle/>
+          <a:p>
+            <a:r>
+              <a:rPr lang="zh-CN" altLang="en-US" dirty="0" smtClean="0"/>
+              <a:t>一</a:t>
+            </a:r>
+            <a:r>
+              <a:rPr lang="zh-CN" altLang="en-US" b="1" dirty="0" smtClean="0"/>
+              <a:t>、前言</a:t>
+            </a:r>
+            <a:endParaRPr lang="en-US" altLang="zh-CN" b="1" dirty="0" smtClean="0"/>
+          </a:p>
+          <a:p>
+            <a:r>
+              <a:rPr lang="zh-CN" altLang="en-US" b="1" dirty="0" smtClean="0"/>
+              <a:t>二、行业发展现状</a:t>
+            </a:r>
+            <a:endParaRPr lang="en-US" b="1" dirty="0"/>
+          </a:p>
+        </p:txBody>
+      </p:sp>
+    </p:spTree>
+    <p:extLst>
+      <p:ext uri="{BB962C8B-B14F-4D97-AF65-F5344CB8AC3E}">
+        <p14:creationId xmlns:p14="http://schemas.microsoft.com/office/powerpoint/2010/main" val="3714667670"/>
+      </p:ext>
+    </p:extLst>
+  </p:cSld>
+  <p:clrMapOvr>
+    <a:masterClrMapping/>
+  </p:clrMapOvr>
+  <p:timing>
+    <p:tnLst>
+      <p:par>
+        <p:cTn id="1" dur="indefinite" restart="never" nodeType="tmRoot"/>
+      </p:par>
+    </p:tnLst>
+  </p:timing>
+</p:sld>
+</file>
+
+<file path=ppt/slides/slide3.xml><?xml version="1.0" encoding="utf-8"?>
+<p:sld xmlns:a="http://schemas.openxmlformats.org/drawingml/2006/main" xmlns:r="http://schemas.openxmlformats.org/officeDocument/2006/relationships" xmlns:p="http://schemas.openxmlformats.org/presentationml/2006/main">
+  <p:cSld>
+    <p:spTree>
+      <p:nvGrpSpPr>
+        <p:cNvPr id="1" name=""/>
+        <p:cNvGrpSpPr/>
+        <p:nvPr/>
+      </p:nvGrpSpPr>
+      <p:grpSpPr>
+        <a:xfrm>
+          <a:off x="0" y="0"/>
+          <a:ext cx="0" cy="0"/>
+          <a:chOff x="0" y="0"/>
+          <a:chExt cx="0" cy="0"/>
+        </a:xfrm>
+      </p:grpSpPr>
+      <p:sp>
+        <p:nvSpPr>
+          <p:cNvPr id="2" name="Title 1"/>
+          <p:cNvSpPr>
+            <a:spLocks noGrp="1"/>
+          </p:cNvSpPr>
+          <p:nvPr>
+            <p:ph type="title"/>
+          </p:nvPr>
+        </p:nvSpPr>
+        <p:spPr>
+          <a:xfrm>
+            <a:off x="913775" y="618517"/>
+            <a:ext cx="10364451" cy="648423"/>
+          </a:xfrm>
+        </p:spPr>
+        <p:txBody>
+          <a:bodyPr/>
+          <a:lstStyle/>
+          <a:p>
+            <a:pPr lvl="0"/>
+            <a:r>
+              <a:rPr lang="zh-CN" altLang="en-US" b="1" dirty="0"/>
+              <a:t>系统技术架构设计与层次分析</a:t>
+            </a:r>
+            <a:endParaRPr lang="en-US" b="1" dirty="0"/>
+          </a:p>
+        </p:txBody>
+      </p:sp>
+      <p:sp>
+        <p:nvSpPr>
+          <p:cNvPr id="3" name="Content Placeholder 2"/>
+          <p:cNvSpPr>
+            <a:spLocks noGrp="1"/>
+          </p:cNvSpPr>
+          <p:nvPr>
+            <p:ph sz="quarter" idx="13"/>
+          </p:nvPr>
+        </p:nvSpPr>
+        <p:spPr>
+          <a:xfrm>
+            <a:off x="913774" y="1474726"/>
+            <a:ext cx="10363826" cy="3424107"/>
+          </a:xfrm>
+        </p:spPr>
+        <p:txBody>
+          <a:bodyPr/>
+          <a:lstStyle/>
+          <a:p>
+            <a:pPr lvl="0"/>
+            <a:r>
+              <a:rPr lang="zh-CN" altLang="en-US" dirty="0" smtClean="0"/>
+              <a:t>一、</a:t>
+            </a:r>
+            <a:r>
+              <a:rPr lang="zh-CN" altLang="en-US" b="1" dirty="0"/>
+              <a:t>系统技术架构设计</a:t>
+            </a:r>
+            <a:endParaRPr lang="en-US" b="1" dirty="0"/>
+          </a:p>
+          <a:p>
+            <a:r>
+              <a:rPr lang="zh-CN" altLang="en-US" dirty="0" smtClean="0"/>
+              <a:t>二、</a:t>
+            </a:r>
+            <a:r>
+              <a:rPr lang="zh-CN" altLang="en-US" b="1" dirty="0"/>
+              <a:t>系统技术架构层次分析</a:t>
+            </a:r>
+            <a:endParaRPr lang="en-US" b="1" dirty="0"/>
+          </a:p>
+          <a:p>
+            <a:r>
+              <a:rPr lang="zh-CN" altLang="en-US" dirty="0" smtClean="0"/>
+              <a:t>三、</a:t>
+            </a:r>
+            <a:r>
+              <a:rPr lang="zh-CN" altLang="en-US" b="1" dirty="0"/>
+              <a:t>核心技术在系统中应</a:t>
+            </a:r>
+            <a:r>
+              <a:rPr lang="zh-CN" altLang="en-US" b="1" dirty="0" smtClean="0"/>
+              <a:t>用</a:t>
+            </a:r>
+            <a:endParaRPr lang="en-US" b="1" dirty="0"/>
+          </a:p>
+        </p:txBody>
+      </p:sp>
+    </p:spTree>
+    <p:extLst>
+      <p:ext uri="{BB962C8B-B14F-4D97-AF65-F5344CB8AC3E}">
+        <p14:creationId xmlns:p14="http://schemas.microsoft.com/office/powerpoint/2010/main" val="1616430178"/>
+      </p:ext>
+    </p:extLst>
+  </p:cSld>
+  <p:clrMapOvr>
+    <a:masterClrMapping/>
+  </p:clrMapOvr>
+  <p:timing>
+    <p:tnLst>
+      <p:par>
+        <p:cTn id="1" dur="indefinite" restart="never" nodeType="tmRoot"/>
+      </p:par>
+    </p:tnLst>
+  </p:timing>
+</p:sld>
+</file>
+
+<file path=ppt/slides/slide4.xml><?xml version="1.0" encoding="utf-8"?>
+<p:sld xmlns:a="http://schemas.openxmlformats.org/drawingml/2006/main" xmlns:r="http://schemas.openxmlformats.org/officeDocument/2006/relationships" xmlns:p="http://schemas.openxmlformats.org/presentationml/2006/main">
+  <p:cSld>
+    <p:spTree>
+      <p:nvGrpSpPr>
+        <p:cNvPr id="1" name=""/>
+        <p:cNvGrpSpPr/>
+        <p:nvPr/>
+      </p:nvGrpSpPr>
+      <p:grpSpPr>
+        <a:xfrm>
+          <a:off x="0" y="0"/>
+          <a:ext cx="0" cy="0"/>
+          <a:chOff x="0" y="0"/>
+          <a:chExt cx="0" cy="0"/>
+        </a:xfrm>
+      </p:grpSpPr>
+      <p:sp>
+        <p:nvSpPr>
+          <p:cNvPr id="2" name="Title 1"/>
+          <p:cNvSpPr>
+            <a:spLocks noGrp="1"/>
+          </p:cNvSpPr>
+          <p:nvPr>
+            <p:ph type="title"/>
+          </p:nvPr>
+        </p:nvSpPr>
+        <p:spPr>
+          <a:xfrm>
+            <a:off x="913775" y="618518"/>
+            <a:ext cx="10364451" cy="538254"/>
+          </a:xfrm>
+        </p:spPr>
+        <p:txBody>
+          <a:bodyPr>
+            <a:normAutofit fontScale="90000"/>
+          </a:bodyPr>
+          <a:lstStyle/>
+          <a:p>
+            <a:r>
+              <a:rPr lang="zh-CN" altLang="en-US" b="1" dirty="0"/>
+              <a:t>系统技术架构设计</a:t>
+            </a:r>
+            <a:endParaRPr lang="en-US" dirty="0"/>
+          </a:p>
+        </p:txBody>
+      </p:sp>
+      <p:pic>
+        <p:nvPicPr>
+          <p:cNvPr id="4" name="Content Placeholder 3"/>
+          <p:cNvPicPr>
+            <a:picLocks noGrp="1"/>
+          </p:cNvPicPr>
+          <p:nvPr>
+            <p:ph sz="quarter" idx="13"/>
+          </p:nvPr>
+        </p:nvPicPr>
+        <p:blipFill>
+          <a:blip r:embed="rId2"/>
+          <a:stretch>
+            <a:fillRect/>
+          </a:stretch>
+        </p:blipFill>
+        <p:spPr>
+          <a:xfrm>
+            <a:off x="2478791" y="1388121"/>
+            <a:ext cx="7271131" cy="4880472"/>
+          </a:xfrm>
+          <a:prstGeom prst="rect">
+            <a:avLst/>
+          </a:prstGeom>
+        </p:spPr>
+      </p:pic>
+    </p:spTree>
+    <p:extLst>
+      <p:ext uri="{BB962C8B-B14F-4D97-AF65-F5344CB8AC3E}">
+        <p14:creationId xmlns:p14="http://schemas.microsoft.com/office/powerpoint/2010/main" val="4111052191"/>
+      </p:ext>
+    </p:extLst>
+  </p:cSld>
+  <p:clrMapOvr>
+    <a:masterClrMapping/>
+  </p:clrMapOvr>
+  <p:timing>
+    <p:tnLst>
+      <p:par>
+        <p:cTn id="1" dur="indefinite" restart="never" nodeType="tmRoot"/>
+      </p:par>
+    </p:tnLst>
+  </p:timing>
+</p:sld>
+</file>
+
+<file path=ppt/slides/slide5.xml><?xml version="1.0" encoding="utf-8"?>
+<p:sld xmlns:a="http://schemas.openxmlformats.org/drawingml/2006/main" xmlns:r="http://schemas.openxmlformats.org/officeDocument/2006/relationships" xmlns:p="http://schemas.openxmlformats.org/presentationml/2006/main">
+  <p:cSld>
+    <p:spTree>
+      <p:nvGrpSpPr>
+        <p:cNvPr id="1" name=""/>
+        <p:cNvGrpSpPr/>
+        <p:nvPr/>
+      </p:nvGrpSpPr>
+      <p:grpSpPr>
+        <a:xfrm>
+          <a:off x="0" y="0"/>
+          <a:ext cx="0" cy="0"/>
+          <a:chOff x="0" y="0"/>
+          <a:chExt cx="0" cy="0"/>
+        </a:xfrm>
+      </p:grpSpPr>
+      <p:sp>
+        <p:nvSpPr>
+          <p:cNvPr id="2" name="Title 1"/>
+          <p:cNvSpPr>
+            <a:spLocks noGrp="1"/>
+          </p:cNvSpPr>
+          <p:nvPr>
+            <p:ph type="title"/>
+          </p:nvPr>
+        </p:nvSpPr>
+        <p:spPr>
+          <a:xfrm>
+            <a:off x="913775" y="618517"/>
+            <a:ext cx="10364451" cy="626389"/>
+          </a:xfrm>
+        </p:spPr>
+        <p:txBody>
+          <a:bodyPr/>
+          <a:lstStyle/>
+          <a:p>
+            <a:r>
+              <a:rPr lang="zh-CN" altLang="en-US" b="1" dirty="0"/>
+              <a:t>系统技术架构层次分析</a:t>
+            </a:r>
+            <a:endParaRPr lang="en-US" dirty="0"/>
+          </a:p>
+        </p:txBody>
+      </p:sp>
+      <p:sp>
+        <p:nvSpPr>
+          <p:cNvPr id="3" name="Content Placeholder 2"/>
+          <p:cNvSpPr>
+            <a:spLocks noGrp="1"/>
+          </p:cNvSpPr>
+          <p:nvPr>
+            <p:ph sz="quarter" idx="13"/>
+          </p:nvPr>
+        </p:nvSpPr>
+        <p:spPr>
+          <a:xfrm>
+            <a:off x="913774" y="1432193"/>
+            <a:ext cx="10363826" cy="4175392"/>
+          </a:xfrm>
+        </p:spPr>
+        <p:txBody>
+          <a:bodyPr>
+            <a:normAutofit/>
+          </a:bodyPr>
+          <a:lstStyle/>
+          <a:p>
+            <a:r>
+              <a:rPr lang="zh-CN" altLang="en-US" dirty="0" smtClean="0"/>
+              <a:t>一、网络层</a:t>
+            </a:r>
+            <a:endParaRPr lang="en-US" altLang="zh-CN" dirty="0" smtClean="0"/>
+          </a:p>
+          <a:p>
+            <a:r>
+              <a:rPr lang="zh-CN" altLang="en-US" dirty="0" smtClean="0"/>
+              <a:t>二、缓存层</a:t>
+            </a:r>
+            <a:endParaRPr lang="en-US" altLang="zh-CN" dirty="0" smtClean="0"/>
+          </a:p>
+          <a:p>
+            <a:r>
+              <a:rPr lang="zh-CN" altLang="en-US" dirty="0" smtClean="0"/>
+              <a:t>三、应用层</a:t>
+            </a:r>
+            <a:endParaRPr lang="en-US" altLang="zh-CN" dirty="0" smtClean="0"/>
+          </a:p>
+          <a:p>
+            <a:r>
+              <a:rPr lang="zh-CN" altLang="en-US" dirty="0" smtClean="0"/>
+              <a:t>四、数据计算层</a:t>
+            </a:r>
+            <a:endParaRPr lang="en-US" altLang="zh-CN" dirty="0" smtClean="0"/>
+          </a:p>
+          <a:p>
+            <a:pPr lvl="1"/>
+            <a:r>
+              <a:rPr lang="en-US" dirty="0" smtClean="0"/>
+              <a:t>1</a:t>
+            </a:r>
+            <a:r>
+              <a:rPr lang="zh-CN" altLang="en-US" dirty="0" smtClean="0"/>
+              <a:t>、实时计算</a:t>
+            </a:r>
+            <a:endParaRPr lang="en-US" altLang="zh-CN" dirty="0" smtClean="0"/>
+          </a:p>
+          <a:p>
+            <a:pPr lvl="1"/>
+            <a:r>
+              <a:rPr lang="en-US" altLang="zh-CN" dirty="0" smtClean="0"/>
+              <a:t>2</a:t>
+            </a:r>
+            <a:r>
+              <a:rPr lang="zh-CN" altLang="en-US" dirty="0" smtClean="0"/>
+              <a:t>、离线计算</a:t>
+            </a:r>
+            <a:endParaRPr lang="en-US" altLang="zh-CN" dirty="0" smtClean="0"/>
+          </a:p>
+          <a:p>
+            <a:r>
+              <a:rPr lang="zh-CN" altLang="en-US" dirty="0" smtClean="0"/>
+              <a:t>五、算法层</a:t>
+            </a:r>
+            <a:endParaRPr lang="en-US" altLang="zh-CN" dirty="0"/>
+          </a:p>
+          <a:p>
+            <a:r>
+              <a:rPr lang="zh-CN" altLang="en-US" dirty="0" smtClean="0"/>
+              <a:t>六、数据存储层</a:t>
+            </a:r>
+            <a:endParaRPr lang="en-US" altLang="zh-CN" dirty="0" smtClean="0"/>
+          </a:p>
+          <a:p>
+            <a:endParaRPr lang="en-US" altLang="zh-CN" dirty="0" smtClean="0"/>
+          </a:p>
+        </p:txBody>
+      </p:sp>
+    </p:spTree>
+    <p:extLst>
+      <p:ext uri="{BB962C8B-B14F-4D97-AF65-F5344CB8AC3E}">
+        <p14:creationId xmlns:p14="http://schemas.microsoft.com/office/powerpoint/2010/main" val="2636365021"/>
+      </p:ext>
+    </p:extLst>
+  </p:cSld>
+  <p:clrMapOvr>
+    <a:masterClrMapping/>
+  </p:clrMapOvr>
+  <p:timing>
+    <p:tnLst>
+      <p:par>
+        <p:cTn id="1" dur="indefinite" restart="never" nodeType="tmRoot"/>
+      </p:par>
+    </p:tnLst>
+  </p:timing>
+</p:sld>
+</file>
+
+<file path=ppt/slides/slide6.xml><?xml version="1.0" encoding="utf-8"?>
+<p:sld xmlns:a="http://schemas.openxmlformats.org/drawingml/2006/main" xmlns:r="http://schemas.openxmlformats.org/officeDocument/2006/relationships" xmlns:p="http://schemas.openxmlformats.org/presentationml/2006/main">
+  <p:cSld>
+    <p:spTree>
+      <p:nvGrpSpPr>
+        <p:cNvPr id="1" name=""/>
+        <p:cNvGrpSpPr/>
+        <p:nvPr/>
+      </p:nvGrpSpPr>
+      <p:grpSpPr>
+        <a:xfrm>
+          <a:off x="0" y="0"/>
+          <a:ext cx="0" cy="0"/>
+          <a:chOff x="0" y="0"/>
+          <a:chExt cx="0" cy="0"/>
+        </a:xfrm>
+      </p:grpSpPr>
+      <p:sp>
+        <p:nvSpPr>
+          <p:cNvPr id="2" name="Title 1"/>
+          <p:cNvSpPr>
+            <a:spLocks noGrp="1"/>
+          </p:cNvSpPr>
+          <p:nvPr>
+            <p:ph type="title"/>
+          </p:nvPr>
+        </p:nvSpPr>
+        <p:spPr>
+          <a:xfrm>
+            <a:off x="913775" y="618517"/>
+            <a:ext cx="10364451" cy="571305"/>
+          </a:xfrm>
+        </p:spPr>
+        <p:txBody>
+          <a:bodyPr>
+            <a:normAutofit fontScale="90000"/>
+          </a:bodyPr>
+          <a:lstStyle/>
+          <a:p>
+            <a:r>
+              <a:rPr lang="zh-CN" altLang="en-US" b="1" dirty="0"/>
+              <a:t>核心技术在系统中应</a:t>
+            </a:r>
+            <a:r>
+              <a:rPr lang="zh-CN" altLang="en-US" b="1" dirty="0" smtClean="0"/>
+              <a:t>用</a:t>
+            </a:r>
+            <a:endParaRPr lang="en-US" dirty="0"/>
+          </a:p>
+        </p:txBody>
+      </p:sp>
+      <p:sp>
+        <p:nvSpPr>
+          <p:cNvPr id="3" name="Content Placeholder 2"/>
+          <p:cNvSpPr>
+            <a:spLocks noGrp="1"/>
+          </p:cNvSpPr>
+          <p:nvPr>
+            <p:ph sz="quarter" idx="13"/>
+          </p:nvPr>
+        </p:nvSpPr>
+        <p:spPr>
+          <a:xfrm>
+            <a:off x="913775" y="1441676"/>
+            <a:ext cx="10363826" cy="3424107"/>
+          </a:xfrm>
+        </p:spPr>
+        <p:txBody>
+          <a:bodyPr/>
+          <a:lstStyle/>
+          <a:p>
+            <a:r>
+              <a:rPr lang="zh-CN" altLang="en-US" dirty="0" smtClean="0"/>
+              <a:t>一、微服务</a:t>
+            </a:r>
+            <a:endParaRPr lang="en-US" altLang="zh-CN" dirty="0" smtClean="0"/>
+          </a:p>
+          <a:p>
+            <a:pPr lvl="1"/>
+            <a:r>
+              <a:rPr lang="zh-CN" altLang="en-US" dirty="0"/>
+              <a:t>技</a:t>
+            </a:r>
+            <a:r>
+              <a:rPr lang="zh-CN" altLang="en-US" dirty="0" smtClean="0"/>
+              <a:t>术特点</a:t>
+            </a:r>
+            <a:endParaRPr lang="en-US" altLang="zh-CN" dirty="0" smtClean="0"/>
+          </a:p>
+          <a:p>
+            <a:pPr lvl="1"/>
+            <a:r>
+              <a:rPr lang="zh-CN" altLang="en-US" dirty="0"/>
+              <a:t>实战</a:t>
+            </a:r>
+            <a:endParaRPr lang="en-US" dirty="0"/>
+          </a:p>
+        </p:txBody>
+      </p:sp>
+      <p:pic>
+        <p:nvPicPr>
+          <p:cNvPr id="4" name="Picture 3"/>
+          <p:cNvPicPr/>
+          <p:nvPr/>
+        </p:nvPicPr>
+        <p:blipFill>
+          <a:blip r:embed="rId2"/>
+          <a:stretch>
+            <a:fillRect/>
+          </a:stretch>
+        </p:blipFill>
+        <p:spPr>
+          <a:xfrm>
+            <a:off x="1450086" y="2710266"/>
+            <a:ext cx="9324409" cy="2837026"/>
+          </a:xfrm>
+          <a:prstGeom prst="rect">
+            <a:avLst/>
+          </a:prstGeom>
+        </p:spPr>
+      </p:pic>
+    </p:spTree>
+    <p:extLst>
+      <p:ext uri="{BB962C8B-B14F-4D97-AF65-F5344CB8AC3E}">
+        <p14:creationId xmlns:p14="http://schemas.microsoft.com/office/powerpoint/2010/main" val="2199461400"/>
+      </p:ext>
+    </p:extLst>
+  </p:cSld>
+  <p:clrMapOvr>
+    <a:masterClrMapping/>
+  </p:clrMapOvr>
+  <p:timing>
+    <p:tnLst>
+      <p:par>
+        <p:cTn id="1" dur="indefinite" restart="never" nodeType="tmRoot"/>
+      </p:par>
+    </p:tnLst>
+  </p:timing>
+</p:sld>
+</file>
+
+<file path=ppt/slides/slide7.xml><?xml version="1.0" encoding="utf-8"?>
+<p:sld xmlns:a="http://schemas.openxmlformats.org/drawingml/2006/main" xmlns:r="http://schemas.openxmlformats.org/officeDocument/2006/relationships" xmlns:p="http://schemas.openxmlformats.org/presentationml/2006/main">
+  <p:cSld>
+    <p:spTree>
+      <p:nvGrpSpPr>
+        <p:cNvPr id="1" name=""/>
+        <p:cNvGrpSpPr/>
+        <p:nvPr/>
+      </p:nvGrpSpPr>
+      <p:grpSpPr>
+        <a:xfrm>
+          <a:off x="0" y="0"/>
+          <a:ext cx="0" cy="0"/>
+          <a:chOff x="0" y="0"/>
+          <a:chExt cx="0" cy="0"/>
+        </a:xfrm>
+      </p:grpSpPr>
+      <p:sp>
+        <p:nvSpPr>
+          <p:cNvPr id="2" name="Title 1"/>
+          <p:cNvSpPr>
+            <a:spLocks noGrp="1"/>
+          </p:cNvSpPr>
+          <p:nvPr>
+            <p:ph type="title"/>
+          </p:nvPr>
+        </p:nvSpPr>
+        <p:spPr>
+          <a:xfrm>
+            <a:off x="913775" y="618517"/>
+            <a:ext cx="10364451" cy="571305"/>
+          </a:xfrm>
+        </p:spPr>
+        <p:txBody>
+          <a:bodyPr>
+            <a:normAutofit fontScale="90000"/>
+          </a:bodyPr>
+          <a:lstStyle/>
+          <a:p>
+            <a:r>
+              <a:rPr lang="zh-CN" altLang="en-US" b="1" dirty="0"/>
+              <a:t>核心技术在系统中应</a:t>
+            </a:r>
+            <a:r>
+              <a:rPr lang="zh-CN" altLang="en-US" b="1" dirty="0" smtClean="0"/>
+              <a:t>用</a:t>
+            </a:r>
+            <a:endParaRPr lang="en-US" dirty="0"/>
+          </a:p>
+        </p:txBody>
+      </p:sp>
+      <p:sp>
+        <p:nvSpPr>
+          <p:cNvPr id="3" name="Content Placeholder 2"/>
+          <p:cNvSpPr>
+            <a:spLocks noGrp="1"/>
+          </p:cNvSpPr>
+          <p:nvPr>
+            <p:ph sz="quarter" idx="13"/>
+          </p:nvPr>
+        </p:nvSpPr>
+        <p:spPr>
+          <a:xfrm>
+            <a:off x="913775" y="1430659"/>
+            <a:ext cx="10363826" cy="3424107"/>
+          </a:xfrm>
+        </p:spPr>
+        <p:txBody>
+          <a:bodyPr/>
+          <a:lstStyle/>
+          <a:p>
+            <a:r>
+              <a:rPr lang="zh-CN" altLang="en-US" dirty="0" smtClean="0"/>
+              <a:t>二、大数据</a:t>
+            </a:r>
+            <a:endParaRPr lang="en-US" altLang="zh-CN" dirty="0" smtClean="0"/>
+          </a:p>
+          <a:p>
+            <a:pPr lvl="1"/>
+            <a:r>
+              <a:rPr lang="en-US" dirty="0"/>
+              <a:t>Kafka</a:t>
+            </a:r>
+            <a:r>
+              <a:rPr lang="zh-CN" altLang="en-US" dirty="0"/>
+              <a:t>和</a:t>
+            </a:r>
+            <a:r>
+              <a:rPr lang="en-US" dirty="0"/>
+              <a:t>Storm</a:t>
+            </a:r>
+            <a:r>
+              <a:rPr lang="zh-CN" altLang="en-US" dirty="0"/>
+              <a:t>技术特点</a:t>
+            </a:r>
+            <a:r>
+              <a:rPr lang="zh-CN" altLang="en-US" dirty="0" smtClean="0"/>
+              <a:t>实战</a:t>
+            </a:r>
+            <a:endParaRPr lang="en-US" altLang="zh-CN" dirty="0" smtClean="0"/>
+          </a:p>
+          <a:p>
+            <a:pPr lvl="1"/>
+            <a:r>
+              <a:rPr lang="zh-CN" altLang="en-US" dirty="0"/>
+              <a:t>实</a:t>
+            </a:r>
+            <a:r>
+              <a:rPr lang="zh-CN" altLang="en-US" dirty="0" smtClean="0"/>
+              <a:t>践应用</a:t>
+            </a:r>
+            <a:endParaRPr lang="en-US" dirty="0"/>
+          </a:p>
+        </p:txBody>
+      </p:sp>
+    </p:spTree>
+    <p:extLst>
+      <p:ext uri="{BB962C8B-B14F-4D97-AF65-F5344CB8AC3E}">
+        <p14:creationId xmlns:p14="http://schemas.microsoft.com/office/powerpoint/2010/main" val="1987023577"/>
+      </p:ext>
+    </p:extLst>
+  </p:cSld>
+  <p:clrMapOvr>
+    <a:masterClrMapping/>
+  </p:clrMapOvr>
+  <p:timing>
+    <p:tnLst>
+      <p:par>
+        <p:cTn id="1" dur="indefinite" restart="never" nodeType="tmRoot"/>
+      </p:par>
+    </p:tnLst>
+  </p:timing>
+</p:sld>
+</file>
+
+<file path=ppt/slides/slide8.xml><?xml version="1.0" encoding="utf-8"?>
+<p:sld xmlns:a="http://schemas.openxmlformats.org/drawingml/2006/main" xmlns:r="http://schemas.openxmlformats.org/officeDocument/2006/relationships" xmlns:p="http://schemas.openxmlformats.org/presentationml/2006/main">
+  <p:cSld>
+    <p:spTree>
+      <p:nvGrpSpPr>
+        <p:cNvPr id="1" name=""/>
+        <p:cNvGrpSpPr/>
+        <p:nvPr/>
+      </p:nvGrpSpPr>
+      <p:grpSpPr>
+        <a:xfrm>
+          <a:off x="0" y="0"/>
+          <a:ext cx="0" cy="0"/>
+          <a:chOff x="0" y="0"/>
+          <a:chExt cx="0" cy="0"/>
+        </a:xfrm>
+      </p:grpSpPr>
+      <p:sp>
+        <p:nvSpPr>
+          <p:cNvPr id="2" name="Title 1"/>
+          <p:cNvSpPr>
+            <a:spLocks noGrp="1"/>
+          </p:cNvSpPr>
+          <p:nvPr>
+            <p:ph type="title"/>
+          </p:nvPr>
+        </p:nvSpPr>
+        <p:spPr>
+          <a:xfrm>
+            <a:off x="913775" y="618517"/>
+            <a:ext cx="10364451" cy="571305"/>
+          </a:xfrm>
+        </p:spPr>
+        <p:txBody>
+          <a:bodyPr>
+            <a:normAutofit fontScale="90000"/>
+          </a:bodyPr>
+          <a:lstStyle/>
+          <a:p>
+            <a:r>
+              <a:rPr lang="zh-CN" altLang="en-US" b="1" dirty="0"/>
+              <a:t>核心技术在系统中应</a:t>
+            </a:r>
+            <a:r>
+              <a:rPr lang="zh-CN" altLang="en-US" b="1" dirty="0" smtClean="0"/>
+              <a:t>用</a:t>
+            </a:r>
+            <a:endParaRPr lang="en-US" dirty="0"/>
+          </a:p>
+        </p:txBody>
+      </p:sp>
+      <mc:AlternateContent xmlns:mc="http://schemas.openxmlformats.org/markup-compatibility/2006">
+        <mc:Choice xmlns:a14="http://schemas.microsoft.com/office/drawing/2010/main" Requires="a14">
+          <p:sp>
+            <p:nvSpPr>
+              <p:cNvPr id="3" name="Content Placeholder 2"/>
+              <p:cNvSpPr>
+                <a:spLocks noGrp="1"/>
+              </p:cNvSpPr>
+              <p:nvPr>
+                <p:ph sz="quarter" idx="13"/>
+              </p:nvPr>
+            </p:nvSpPr>
+            <p:spPr>
+              <a:xfrm>
+                <a:off x="913774" y="1452692"/>
+                <a:ext cx="10363826" cy="3424107"/>
+              </a:xfrm>
+            </p:spPr>
+            <p:txBody>
+              <a:bodyPr>
+                <a:normAutofit fontScale="92500" lnSpcReduction="10000"/>
+              </a:bodyPr>
+              <a:lstStyle/>
+              <a:p>
+                <a:r>
+                  <a:rPr lang="zh-CN" altLang="en-US" dirty="0"/>
+                  <a:t>三</a:t>
+                </a:r>
+                <a:r>
+                  <a:rPr lang="zh-CN" altLang="en-US" dirty="0" smtClean="0"/>
+                  <a:t>、机器学习</a:t>
+                </a:r>
+                <a:endParaRPr lang="en-US" altLang="zh-CN" dirty="0" smtClean="0"/>
+              </a:p>
+              <a:p>
+                <a:pPr marL="457200" lvl="1" indent="0">
+                  <a:buNone/>
+                </a:pPr>
+                <a:r>
+                  <a:rPr lang="zh-CN" altLang="en-US" dirty="0" smtClean="0"/>
+                  <a:t>主成分分析法</a:t>
+                </a:r>
+                <a:endParaRPr lang="en-US" altLang="zh-CN" dirty="0" smtClean="0"/>
+              </a:p>
+              <a:p>
+                <a:pPr marL="457200" lvl="1" indent="0">
+                  <a:buNone/>
+                </a:pPr>
+                <a14:m>
+                  <m:oMathPara xmlns:m="http://schemas.openxmlformats.org/officeDocument/2006/math">
+                    <m:oMathParaPr>
+                      <m:jc m:val="centerGroup"/>
+                    </m:oMathParaPr>
+                    <m:oMath xmlns:m="http://schemas.openxmlformats.org/officeDocument/2006/math">
+                      <m:r>
+                        <a:rPr lang="en-US" i="1"/>
+                        <m:t>𝑃</m:t>
+                      </m:r>
+                      <m:d>
+                        <m:dPr>
+                          <m:ctrlPr>
+                            <a:rPr lang="en-US" i="1"/>
+                          </m:ctrlPr>
+                        </m:dPr>
+                        <m:e>
+                          <m:sSub>
+                            <m:sSubPr>
+                              <m:ctrlPr>
+                                <a:rPr lang="en-US" i="1"/>
+                              </m:ctrlPr>
+                            </m:sSubPr>
+                            <m:e>
+                              <m:r>
+                                <a:rPr lang="en-US" i="1"/>
+                                <m:t>𝑥</m:t>
+                              </m:r>
+                            </m:e>
+                            <m:sub>
+                              <m:r>
+                                <a:rPr lang="en-US" i="1"/>
+                                <m:t>𝑖</m:t>
+                              </m:r>
+                            </m:sub>
+                          </m:sSub>
+                        </m:e>
+                      </m:d>
+                      <m:r>
+                        <a:rPr lang="en-US" i="1"/>
+                        <m:t>=</m:t>
+                      </m:r>
+                      <m:nary>
+                        <m:naryPr>
+                          <m:chr m:val="∑"/>
+                          <m:limLoc m:val="undOvr"/>
+                          <m:ctrlPr>
+                            <a:rPr lang="en-US" i="1"/>
+                          </m:ctrlPr>
+                        </m:naryPr>
+                        <m:sub>
+                          <m:r>
+                            <a:rPr lang="en-US" i="1"/>
+                            <m:t>𝑖</m:t>
+                          </m:r>
+                          <m:r>
+                            <a:rPr lang="en-US" i="1"/>
+                            <m:t>=1</m:t>
+                          </m:r>
+                        </m:sub>
+                        <m:sup>
+                          <m:r>
+                            <a:rPr lang="en-US" i="1"/>
+                            <m:t>𝑛</m:t>
+                          </m:r>
+                        </m:sup>
+                        <m:e>
+                          <m:sSub>
+                            <m:sSubPr>
+                              <m:ctrlPr>
+                                <a:rPr lang="en-US" i="1"/>
+                              </m:ctrlPr>
+                            </m:sSubPr>
+                            <m:e>
+                              <m:r>
+                                <a:rPr lang="en-US" i="1"/>
+                                <m:t>𝑊</m:t>
+                              </m:r>
+                            </m:e>
+                            <m:sub>
+                              <m:r>
+                                <a:rPr lang="en-US" i="1"/>
+                                <m:t>𝑖</m:t>
+                              </m:r>
+                            </m:sub>
+                          </m:sSub>
+                          <m:r>
+                            <a:rPr lang="en-US" i="1"/>
+                            <m:t>∗(</m:t>
+                          </m:r>
+                          <m:sSub>
+                            <m:sSubPr>
+                              <m:ctrlPr>
+                                <a:rPr lang="en-US" i="1"/>
+                              </m:ctrlPr>
+                            </m:sSubPr>
+                            <m:e>
+                              <m:r>
+                                <a:rPr lang="en-US" i="1"/>
+                                <m:t>𝑋</m:t>
+                              </m:r>
+                            </m:e>
+                            <m:sub>
+                              <m:r>
+                                <a:rPr lang="en-US" i="1"/>
+                                <m:t>𝑖</m:t>
+                              </m:r>
+                            </m:sub>
+                          </m:sSub>
+                          <m:r>
+                            <a:rPr lang="en-US" i="1"/>
+                            <m:t>−</m:t>
+                          </m:r>
+                          <m:sSub>
+                            <m:sSubPr>
+                              <m:ctrlPr>
+                                <a:rPr lang="en-US" i="1"/>
+                              </m:ctrlPr>
+                            </m:sSubPr>
+                            <m:e>
+                              <m:r>
+                                <a:rPr lang="en-US" i="1"/>
+                                <m:t>𝑌</m:t>
+                              </m:r>
+                            </m:e>
+                            <m:sub>
+                              <m:r>
+                                <a:rPr lang="en-US" i="1"/>
+                                <m:t>𝑖</m:t>
+                              </m:r>
+                            </m:sub>
+                          </m:sSub>
+                        </m:e>
+                      </m:nary>
+                      <m:r>
+                        <a:rPr lang="en-US" i="1"/>
+                        <m:t>)</m:t>
+                      </m:r>
+                    </m:oMath>
+                  </m:oMathPara>
+                </a14:m>
+                <a:endParaRPr lang="en-US" dirty="0"/>
+              </a:p>
+              <a:p>
+                <a:pPr marL="457200" lvl="1" indent="0">
+                  <a:buNone/>
+                </a:pPr>
+                <a:r>
+                  <a:rPr lang="zh-CN" altLang="en-US" dirty="0"/>
+                  <a:t>参数说明如下：</a:t>
+                </a:r>
+                <a:endParaRPr lang="en-US" dirty="0"/>
+              </a:p>
+              <a:p>
+                <a:pPr marL="457200" lvl="1" indent="0">
+                  <a:buNone/>
+                </a:pPr>
+                <a14:m>
+                  <m:oMath xmlns:m="http://schemas.openxmlformats.org/officeDocument/2006/math">
+                    <m:sSub>
+                      <m:sSubPr>
+                        <m:ctrlPr>
+                          <a:rPr lang="en-US" i="1"/>
+                        </m:ctrlPr>
+                      </m:sSubPr>
+                      <m:e>
+                        <m:r>
+                          <a:rPr lang="en-US" i="1"/>
+                          <m:t>𝑥</m:t>
+                        </m:r>
+                      </m:e>
+                      <m:sub>
+                        <m:r>
+                          <a:rPr lang="en-US" i="1"/>
+                          <m:t>𝑖</m:t>
+                        </m:r>
+                      </m:sub>
+                    </m:sSub>
+                  </m:oMath>
+                </a14:m>
+                <a:r>
+                  <a:rPr lang="zh-CN" altLang="en-US" dirty="0"/>
+                  <a:t>为</a:t>
+                </a:r>
+                <a:r>
+                  <a:rPr lang="zh-CN" altLang="en-US" dirty="0" smtClean="0"/>
+                  <a:t>第</a:t>
+                </a:r>
+                <a:r>
+                  <a:rPr lang="en-US" altLang="zh-CN" dirty="0" err="1" smtClean="0">
+                    <a:latin typeface="Consolas" panose="020B0609020204030204" pitchFamily="49" charset="0"/>
+                  </a:rPr>
+                  <a:t>i</a:t>
+                </a:r>
+                <a:r>
+                  <a:rPr lang="zh-CN" altLang="en-US" dirty="0" smtClean="0"/>
+                  <a:t>个</a:t>
+                </a:r>
+                <a:r>
+                  <a:rPr lang="zh-CN" altLang="en-US" dirty="0"/>
+                  <a:t>检测样本报告</a:t>
+                </a:r>
+                <a:endParaRPr lang="en-US" dirty="0"/>
+              </a:p>
+              <a:p>
+                <a:pPr marL="457200" lvl="1" indent="0">
+                  <a:buNone/>
+                </a:pPr>
+                <a14:m>
+                  <m:oMath xmlns:m="http://schemas.openxmlformats.org/officeDocument/2006/math">
+                    <m:sSub>
+                      <m:sSubPr>
+                        <m:ctrlPr>
+                          <a:rPr lang="en-US" i="1"/>
+                        </m:ctrlPr>
+                      </m:sSubPr>
+                      <m:e>
+                        <m:r>
+                          <a:rPr lang="en-US" i="1"/>
+                          <m:t>𝑊</m:t>
+                        </m:r>
+                      </m:e>
+                      <m:sub>
+                        <m:r>
+                          <a:rPr lang="en-US" i="1"/>
+                          <m:t>𝑖</m:t>
+                        </m:r>
+                      </m:sub>
+                    </m:sSub>
+                  </m:oMath>
+                </a14:m>
+                <a:r>
+                  <a:rPr lang="zh-CN" altLang="en-US" dirty="0"/>
+                  <a:t>为第</a:t>
+                </a:r>
+                <a:r>
+                  <a:rPr lang="en-US" dirty="0" err="1"/>
+                  <a:t>i</a:t>
+                </a:r>
+                <a:r>
+                  <a:rPr lang="zh-CN" altLang="en-US" dirty="0"/>
+                  <a:t>个测试项的权重，取值范围为</a:t>
+                </a:r>
+                <a:r>
+                  <a:rPr lang="en-US" dirty="0"/>
+                  <a:t>0–1</a:t>
+                </a:r>
+                <a:r>
+                  <a:rPr lang="zh-CN" altLang="en-US" dirty="0"/>
+                  <a:t>，即所有测试项权重总和为</a:t>
+                </a:r>
+                <a:r>
+                  <a:rPr lang="en-US" dirty="0"/>
+                  <a:t>1</a:t>
+                </a:r>
+                <a:r>
+                  <a:rPr lang="zh-CN" altLang="en-US" dirty="0"/>
+                  <a:t>。</a:t>
+                </a:r>
+                <a:endParaRPr lang="en-US" dirty="0"/>
+              </a:p>
+              <a:p>
+                <a:pPr marL="457200" lvl="1" indent="0">
+                  <a:buNone/>
+                </a:pPr>
+                <a14:m>
+                  <m:oMath xmlns:m="http://schemas.openxmlformats.org/officeDocument/2006/math">
+                    <m:sSub>
+                      <m:sSubPr>
+                        <m:ctrlPr>
+                          <a:rPr lang="en-US" i="1"/>
+                        </m:ctrlPr>
+                      </m:sSubPr>
+                      <m:e>
+                        <m:r>
+                          <a:rPr lang="en-US" i="1"/>
+                          <m:t>𝑋</m:t>
+                        </m:r>
+                      </m:e>
+                      <m:sub>
+                        <m:r>
+                          <a:rPr lang="en-US" i="1"/>
+                          <m:t>𝑖</m:t>
+                        </m:r>
+                      </m:sub>
+                    </m:sSub>
+                  </m:oMath>
+                </a14:m>
+                <a:r>
+                  <a:rPr lang="zh-CN" altLang="en-US" dirty="0"/>
+                  <a:t>为第</a:t>
+                </a:r>
+                <a:r>
+                  <a:rPr lang="en-US" dirty="0" err="1"/>
+                  <a:t>i</a:t>
+                </a:r>
+                <a:r>
+                  <a:rPr lang="zh-CN" altLang="en-US" dirty="0"/>
+                  <a:t>个测试项的标准值，即为正常范围</a:t>
+                </a:r>
+                <a:endParaRPr lang="en-US" dirty="0"/>
+              </a:p>
+              <a:p>
+                <a:pPr marL="457200" lvl="1" indent="0">
+                  <a:buNone/>
+                </a:pPr>
+                <a14:m>
+                  <m:oMath xmlns:m="http://schemas.openxmlformats.org/officeDocument/2006/math">
+                    <m:sSub>
+                      <m:sSubPr>
+                        <m:ctrlPr>
+                          <a:rPr lang="en-US" i="1"/>
+                        </m:ctrlPr>
+                      </m:sSubPr>
+                      <m:e>
+                        <m:r>
+                          <a:rPr lang="en-US" i="1"/>
+                          <m:t>𝑌</m:t>
+                        </m:r>
+                      </m:e>
+                      <m:sub>
+                        <m:r>
+                          <a:rPr lang="en-US" i="1"/>
+                          <m:t>𝑖</m:t>
+                        </m:r>
+                      </m:sub>
+                    </m:sSub>
+                  </m:oMath>
+                </a14:m>
+                <a:r>
+                  <a:rPr lang="zh-CN" altLang="en-US" dirty="0"/>
+                  <a:t>为第</a:t>
+                </a:r>
+                <a:r>
+                  <a:rPr lang="en-US" dirty="0" err="1"/>
+                  <a:t>i</a:t>
+                </a:r>
+                <a:r>
+                  <a:rPr lang="zh-CN" altLang="en-US" dirty="0"/>
+                  <a:t>个测试项的结果值，即为实际检查结果</a:t>
+                </a:r>
+                <a:endParaRPr lang="en-US" dirty="0"/>
+              </a:p>
+              <a:p>
+                <a:pPr marL="457200" lvl="1" indent="0">
+                  <a:buNone/>
+                </a:pPr>
+                <a:endParaRPr lang="en-US" altLang="zh-CN" dirty="0" smtClean="0"/>
+              </a:p>
+            </p:txBody>
+          </p:sp>
+        </mc:Choice>
+        <mc:Fallback>
+          <p:sp>
+            <p:nvSpPr>
+              <p:cNvPr id="3" name="Content Placeholder 2"/>
+              <p:cNvSpPr>
+                <a:spLocks noGrp="1" noRot="1" noChangeAspect="1" noMove="1" noResize="1" noEditPoints="1" noAdjustHandles="1" noChangeArrowheads="1" noChangeShapeType="1" noTextEdit="1"/>
+              </p:cNvSpPr>
+              <p:nvPr>
+                <p:ph sz="quarter" idx="13"/>
+              </p:nvPr>
+            </p:nvSpPr>
+            <p:spPr>
+              <a:xfrm>
+                <a:off x="913774" y="1452692"/>
+                <a:ext cx="10363826" cy="3424107"/>
+              </a:xfrm>
+              <a:blipFill>
+                <a:blip r:embed="rId2"/>
+                <a:stretch>
+                  <a:fillRect l="-471" t="-1246"/>
+                </a:stretch>
+              </a:blipFill>
+            </p:spPr>
+            <p:txBody>
+              <a:bodyPr/>
+              <a:lstStyle/>
+              <a:p>
+                <a:r>
+                  <a:rPr lang="en-US">
+                    <a:noFill/>
+                  </a:rPr>
+                  <a:t> </a:t>
+                </a:r>
+              </a:p>
+            </p:txBody>
+          </p:sp>
+        </mc:Fallback>
+      </mc:AlternateContent>
+    </p:spTree>
+    <p:extLst>
+      <p:ext uri="{BB962C8B-B14F-4D97-AF65-F5344CB8AC3E}">
+        <p14:creationId xmlns:p14="http://schemas.microsoft.com/office/powerpoint/2010/main" val="758231470"/>
+      </p:ext>
+    </p:extLst>
+  </p:cSld>
+  <p:clrMapOvr>
+    <a:masterClrMapping/>
+  </p:clrMapOvr>
+  <p:timing>
+    <p:tnLst>
+      <p:par>
+        <p:cTn id="1" dur="indefinite" restart="never" nodeType="tmRoot"/>
+      </p:par>
+    </p:tnLst>
+  </p:timing>
+</p:sld>
+</file>
+
+<file path=ppt/slides/slide9.xml><?xml version="1.0" encoding="utf-8"?>
+<p:sld xmlns:a="http://schemas.openxmlformats.org/drawingml/2006/main" xmlns:r="http://schemas.openxmlformats.org/officeDocument/2006/relationships" xmlns:p="http://schemas.openxmlformats.org/presentationml/2006/main">
+  <p:cSld>
+    <p:spTree>
+      <p:nvGrpSpPr>
+        <p:cNvPr id="1" name=""/>
+        <p:cNvGrpSpPr/>
+        <p:nvPr/>
+      </p:nvGrpSpPr>
+      <p:grpSpPr>
+        <a:xfrm>
+          <a:off x="0" y="0"/>
+          <a:ext cx="0" cy="0"/>
+          <a:chOff x="0" y="0"/>
+          <a:chExt cx="0" cy="0"/>
+        </a:xfrm>
+      </p:grpSpPr>
+      <p:sp>
+        <p:nvSpPr>
+          <p:cNvPr id="2" name="Title 1"/>
+          <p:cNvSpPr>
+            <a:spLocks noGrp="1"/>
+          </p:cNvSpPr>
+          <p:nvPr>
+            <p:ph type="title"/>
+          </p:nvPr>
+        </p:nvSpPr>
+        <p:spPr>
+          <a:xfrm>
+            <a:off x="913775" y="618517"/>
+            <a:ext cx="10364451" cy="571305"/>
+          </a:xfrm>
+        </p:spPr>
+        <p:txBody>
+          <a:bodyPr>
+            <a:normAutofit fontScale="90000"/>
+          </a:bodyPr>
+          <a:lstStyle/>
+          <a:p>
+            <a:r>
+              <a:rPr lang="zh-CN" altLang="en-US" b="1" dirty="0"/>
+              <a:t>核心技术在系统中应</a:t>
+            </a:r>
+            <a:r>
+              <a:rPr lang="zh-CN" altLang="en-US" b="1" dirty="0" smtClean="0"/>
+              <a:t>用</a:t>
+            </a:r>
+            <a:endParaRPr lang="en-US" dirty="0"/>
+          </a:p>
+        </p:txBody>
+      </p:sp>
+      <mc:AlternateContent xmlns:mc="http://schemas.openxmlformats.org/markup-compatibility/2006">
+        <mc:Choice xmlns:a14="http://schemas.microsoft.com/office/drawing/2010/main" Requires="a14">
+          <p:sp>
+            <p:nvSpPr>
+              <p:cNvPr id="3" name="Content Placeholder 2"/>
+              <p:cNvSpPr>
+                <a:spLocks noGrp="1"/>
+              </p:cNvSpPr>
+              <p:nvPr>
+                <p:ph sz="quarter" idx="13"/>
+              </p:nvPr>
+            </p:nvSpPr>
+            <p:spPr>
+              <a:xfrm>
+                <a:off x="913774" y="1463710"/>
+                <a:ext cx="10363826" cy="3424107"/>
+              </a:xfrm>
+            </p:spPr>
+            <p:txBody>
+              <a:bodyPr>
+                <a:normAutofit/>
+              </a:bodyPr>
+              <a:lstStyle/>
+              <a:p>
+                <a:r>
+                  <a:rPr lang="zh-CN" altLang="en-US" dirty="0" smtClean="0"/>
+                  <a:t>三、机器学习</a:t>
+                </a:r>
+                <a:endParaRPr lang="en-US" altLang="zh-CN" dirty="0" smtClean="0"/>
+              </a:p>
+              <a:p>
+                <a:pPr marL="457200" lvl="1" indent="0">
+                  <a:buNone/>
+                </a:pPr>
+                <a:r>
+                  <a:rPr lang="zh-CN" altLang="en-US" dirty="0" smtClean="0"/>
+                  <a:t>实践</a:t>
+                </a:r>
+                <a14:m>
+                  <m:oMath xmlns:m="http://schemas.openxmlformats.org/officeDocument/2006/math">
+                    <m:r>
+                      <a:rPr lang="zh-CN" altLang="en-US" i="1" dirty="0">
+                        <a:latin typeface="Cambria Math" panose="02040503050406030204" pitchFamily="18" charset="0"/>
+                      </a:rPr>
+                      <m:t>应用</m:t>
+                    </m:r>
+                    <m:r>
+                      <a:rPr lang="en-US" altLang="zh-CN" b="0" i="1" dirty="0" smtClean="0">
+                        <a:latin typeface="Cambria Math" panose="02040503050406030204" pitchFamily="18" charset="0"/>
+                      </a:rPr>
+                      <m:t> </m:t>
+                    </m:r>
+                    <m:r>
+                      <a:rPr lang="en-US" altLang="zh-CN" i="1" dirty="0" smtClean="0">
+                        <a:latin typeface="Cambria Math" panose="02040503050406030204" pitchFamily="18" charset="0"/>
+                      </a:rPr>
+                      <m:t>–</m:t>
+                    </m:r>
+                  </m:oMath>
+                </a14:m>
+                <a:r>
+                  <a:rPr lang="zh-CN" altLang="en-US" dirty="0" smtClean="0"/>
+                  <a:t> </a:t>
+                </a:r>
+                <a:r>
+                  <a:rPr lang="zh-CN" altLang="en-US" dirty="0"/>
+                  <a:t>显示为我爱人从怀孕</a:t>
+                </a:r>
+                <a:r>
+                  <a:rPr lang="en-US" dirty="0"/>
+                  <a:t>4.5</a:t>
+                </a:r>
+                <a:r>
+                  <a:rPr lang="zh-CN" altLang="en-US" dirty="0"/>
+                  <a:t>个月至</a:t>
+                </a:r>
+                <a:r>
+                  <a:rPr lang="en-US" dirty="0"/>
+                  <a:t>6</a:t>
+                </a:r>
+                <a:r>
+                  <a:rPr lang="zh-CN" altLang="en-US" dirty="0"/>
+                  <a:t>个月每次血常规检查报告结果的综合值趋势</a:t>
+                </a:r>
+                <a:endParaRPr lang="en-US" altLang="zh-CN" dirty="0" smtClean="0"/>
+              </a:p>
+            </p:txBody>
+          </p:sp>
+        </mc:Choice>
+        <mc:Fallback>
+          <p:sp>
+            <p:nvSpPr>
+              <p:cNvPr id="3" name="Content Placeholder 2"/>
+              <p:cNvSpPr>
+                <a:spLocks noGrp="1" noRot="1" noChangeAspect="1" noMove="1" noResize="1" noEditPoints="1" noAdjustHandles="1" noChangeArrowheads="1" noChangeShapeType="1" noTextEdit="1"/>
+              </p:cNvSpPr>
+              <p:nvPr>
+                <p:ph sz="quarter" idx="13"/>
+              </p:nvPr>
+            </p:nvSpPr>
+            <p:spPr>
+              <a:xfrm>
+                <a:off x="913774" y="1463710"/>
+                <a:ext cx="10363826" cy="3424107"/>
+              </a:xfrm>
+              <a:blipFill>
+                <a:blip r:embed="rId2"/>
+                <a:stretch>
+                  <a:fillRect l="-529" t="-534"/>
+                </a:stretch>
+              </a:blipFill>
+            </p:spPr>
+            <p:txBody>
+              <a:bodyPr/>
+              <a:lstStyle/>
+              <a:p>
+                <a:r>
+                  <a:rPr lang="en-US">
+                    <a:noFill/>
+                  </a:rPr>
+                  <a:t> </a:t>
+                </a:r>
+              </a:p>
+            </p:txBody>
+          </p:sp>
+        </mc:Fallback>
+      </mc:AlternateContent>
+      <p:pic>
+        <p:nvPicPr>
+          <p:cNvPr id="4" name="Picture 3"/>
+          <p:cNvPicPr/>
+          <p:nvPr/>
+        </p:nvPicPr>
+        <p:blipFill>
+          <a:blip r:embed="rId3"/>
+          <a:stretch>
+            <a:fillRect/>
+          </a:stretch>
+        </p:blipFill>
+        <p:spPr>
+          <a:xfrm>
+            <a:off x="3985723" y="2300991"/>
+            <a:ext cx="4219927" cy="4161709"/>
+          </a:xfrm>
+          <a:prstGeom prst="rect">
+            <a:avLst/>
+          </a:prstGeom>
+        </p:spPr>
+      </p:pic>
+    </p:spTree>
+    <p:extLst>
+      <p:ext uri="{BB962C8B-B14F-4D97-AF65-F5344CB8AC3E}">
+        <p14:creationId xmlns:p14="http://schemas.microsoft.com/office/powerpoint/2010/main" val="1934513238"/>
+      </p:ext>
+    </p:extLst>
+  </p:cSld>
+  <p:clrMapOvr>
+    <a:masterClrMapping/>
+  </p:clrMapOvr>
+  <p:timing>
+    <p:tnLst>
+      <p:par>
+        <p:cTn id="1" dur="indefinite" restart="never" nodeType="tmRoot"/>
+      </p:par>
+    </p:tnLst>
+  </p:timing>
 </p:sld>
 </file>
 

--- a/graduation_design/my_paper/计算机-雷明-毕业答辩.pptx
+++ b/graduation_design/my_paper/计算机-雷明-毕业答辩.pptx
@@ -6,10 +6,10 @@
   </p:sldMasterIdLst>
   <p:sldIdLst>
     <p:sldId id="256" r:id="rId2"/>
-    <p:sldId id="257" r:id="rId3"/>
-    <p:sldId id="258" r:id="rId4"/>
-    <p:sldId id="259" r:id="rId5"/>
-    <p:sldId id="260" r:id="rId6"/>
+    <p:sldId id="268" r:id="rId3"/>
+    <p:sldId id="259" r:id="rId4"/>
+    <p:sldId id="269" r:id="rId5"/>
+    <p:sldId id="270" r:id="rId6"/>
     <p:sldId id="261" r:id="rId7"/>
     <p:sldId id="262" r:id="rId8"/>
     <p:sldId id="263" r:id="rId9"/>
@@ -294,7 +294,7 @@
           <a:p>
             <a:fld id="{48A87A34-81AB-432B-8DAE-1953F412C126}" type="datetimeFigureOut">
               <a:rPr lang="en-US" dirty="0"/>
-              <a:t>2018-11-03</a:t>
+              <a:t>11/7/18</a:t>
             </a:fld>
             <a:endParaRPr lang="en-US" dirty="0"/>
           </a:p>
@@ -601,7 +601,7 @@
           <a:p>
             <a:fld id="{48A87A34-81AB-432B-8DAE-1953F412C126}" type="datetimeFigureOut">
               <a:rPr lang="en-US" dirty="0"/>
-              <a:t>2018-11-03</a:t>
+              <a:t>11/7/18</a:t>
             </a:fld>
             <a:endParaRPr lang="en-US" dirty="0"/>
           </a:p>
@@ -818,7 +818,7 @@
           <a:p>
             <a:fld id="{48A87A34-81AB-432B-8DAE-1953F412C126}" type="datetimeFigureOut">
               <a:rPr lang="en-US" dirty="0"/>
-              <a:t>2018-11-03</a:t>
+              <a:t>11/7/18</a:t>
             </a:fld>
             <a:endParaRPr lang="en-US" dirty="0"/>
           </a:p>
@@ -1104,7 +1104,7 @@
           <a:p>
             <a:fld id="{48A87A34-81AB-432B-8DAE-1953F412C126}" type="datetimeFigureOut">
               <a:rPr lang="en-US" dirty="0"/>
-              <a:t>2018-11-03</a:t>
+              <a:t>11/7/18</a:t>
             </a:fld>
             <a:endParaRPr lang="en-US" dirty="0"/>
           </a:p>
@@ -1553,7 +1553,7 @@
           <a:p>
             <a:fld id="{48A87A34-81AB-432B-8DAE-1953F412C126}" type="datetimeFigureOut">
               <a:rPr lang="en-US" dirty="0"/>
-              <a:t>2018-11-03</a:t>
+              <a:t>11/7/18</a:t>
             </a:fld>
             <a:endParaRPr lang="en-US" dirty="0"/>
           </a:p>
@@ -2124,7 +2124,7 @@
           <a:p>
             <a:fld id="{48A87A34-81AB-432B-8DAE-1953F412C126}" type="datetimeFigureOut">
               <a:rPr lang="en-US" dirty="0"/>
-              <a:t>2018-11-03</a:t>
+              <a:t>11/7/18</a:t>
             </a:fld>
             <a:endParaRPr lang="en-US" dirty="0"/>
           </a:p>
@@ -2971,7 +2971,7 @@
           <a:p>
             <a:fld id="{48A87A34-81AB-432B-8DAE-1953F412C126}" type="datetimeFigureOut">
               <a:rPr lang="en-US" dirty="0"/>
-              <a:t>2018-11-03</a:t>
+              <a:t>11/7/18</a:t>
             </a:fld>
             <a:endParaRPr lang="en-US" dirty="0"/>
           </a:p>
@@ -3171,7 +3171,7 @@
           <a:p>
             <a:fld id="{48A87A34-81AB-432B-8DAE-1953F412C126}" type="datetimeFigureOut">
               <a:rPr lang="en-US" dirty="0"/>
-              <a:t>2018-11-03</a:t>
+              <a:t>11/7/18</a:t>
             </a:fld>
             <a:endParaRPr lang="en-US" dirty="0"/>
           </a:p>
@@ -3380,7 +3380,7 @@
           <a:p>
             <a:fld id="{48A87A34-81AB-432B-8DAE-1953F412C126}" type="datetimeFigureOut">
               <a:rPr lang="en-US" dirty="0"/>
-              <a:t>2018-11-03</a:t>
+              <a:t>11/7/18</a:t>
             </a:fld>
             <a:endParaRPr lang="en-US" dirty="0"/>
           </a:p>
@@ -3580,7 +3580,7 @@
           <a:p>
             <a:fld id="{48A87A34-81AB-432B-8DAE-1953F412C126}" type="datetimeFigureOut">
               <a:rPr lang="en-US" dirty="0"/>
-              <a:t>2018-11-03</a:t>
+              <a:t>11/7/18</a:t>
             </a:fld>
             <a:endParaRPr lang="en-US" dirty="0"/>
           </a:p>
@@ -3855,7 +3855,7 @@
           <a:p>
             <a:fld id="{48A87A34-81AB-432B-8DAE-1953F412C126}" type="datetimeFigureOut">
               <a:rPr lang="en-US" dirty="0"/>
-              <a:t>2018-11-03</a:t>
+              <a:t>11/7/18</a:t>
             </a:fld>
             <a:endParaRPr lang="en-US" dirty="0"/>
           </a:p>
@@ -4117,7 +4117,7 @@
           <a:p>
             <a:fld id="{48A87A34-81AB-432B-8DAE-1953F412C126}" type="datetimeFigureOut">
               <a:rPr lang="en-US" dirty="0"/>
-              <a:t>2018-11-03</a:t>
+              <a:t>11/7/18</a:t>
             </a:fld>
             <a:endParaRPr lang="en-US" dirty="0"/>
           </a:p>
@@ -4527,7 +4527,7 @@
           <a:p>
             <a:fld id="{48A87A34-81AB-432B-8DAE-1953F412C126}" type="datetimeFigureOut">
               <a:rPr lang="en-US" dirty="0"/>
-              <a:t>2018-11-03</a:t>
+              <a:t>11/7/18</a:t>
             </a:fld>
             <a:endParaRPr lang="en-US" dirty="0"/>
           </a:p>
@@ -4670,7 +4670,7 @@
           <a:p>
             <a:fld id="{48A87A34-81AB-432B-8DAE-1953F412C126}" type="datetimeFigureOut">
               <a:rPr lang="en-US" dirty="0"/>
-              <a:t>2018-11-03</a:t>
+              <a:t>11/7/18</a:t>
             </a:fld>
             <a:endParaRPr lang="en-US" dirty="0"/>
           </a:p>
@@ -4790,7 +4790,7 @@
           <a:p>
             <a:fld id="{48A87A34-81AB-432B-8DAE-1953F412C126}" type="datetimeFigureOut">
               <a:rPr lang="en-US" dirty="0"/>
-              <a:t>2018-11-03</a:t>
+              <a:t>11/7/18</a:t>
             </a:fld>
             <a:endParaRPr lang="en-US" dirty="0"/>
           </a:p>
@@ -5064,7 +5064,7 @@
           <a:p>
             <a:fld id="{48A87A34-81AB-432B-8DAE-1953F412C126}" type="datetimeFigureOut">
               <a:rPr lang="en-US" dirty="0"/>
-              <a:t>2018-11-03</a:t>
+              <a:t>11/7/18</a:t>
             </a:fld>
             <a:endParaRPr lang="en-US" dirty="0"/>
           </a:p>
@@ -5371,7 +5371,7 @@
           <a:p>
             <a:fld id="{48A87A34-81AB-432B-8DAE-1953F412C126}" type="datetimeFigureOut">
               <a:rPr lang="en-US" dirty="0"/>
-              <a:t>2018-11-03</a:t>
+              <a:t>11/7/18</a:t>
             </a:fld>
             <a:endParaRPr lang="en-US" dirty="0"/>
           </a:p>
@@ -5620,7 +5620,7 @@
             <a:fld id="{48A87A34-81AB-432B-8DAE-1953F412C126}" type="datetimeFigureOut">
               <a:rPr lang="en-US" dirty="0"/>
               <a:pPr/>
-              <a:t>2018-11-03</a:t>
+              <a:t>11/7/18</a:t>
             </a:fld>
             <a:endParaRPr lang="en-US" dirty="0"/>
           </a:p>
@@ -6116,14 +6116,14 @@
                 <a:gridCol w="4064000">
                   <a:extLst>
                     <a:ext uri="{9D8B030D-6E8A-4147-A177-3AD203B41FA5}">
-                      <a16:colId xmlns:a16="http://schemas.microsoft.com/office/drawing/2014/main" val="2419921925"/>
+                      <a16:colId xmlns:a16="http://schemas.microsoft.com/office/drawing/2014/main" xmlns="" val="2419921925"/>
                     </a:ext>
                   </a:extLst>
                 </a:gridCol>
                 <a:gridCol w="4064000">
                   <a:extLst>
                     <a:ext uri="{9D8B030D-6E8A-4147-A177-3AD203B41FA5}">
-                      <a16:colId xmlns:a16="http://schemas.microsoft.com/office/drawing/2014/main" val="2243509427"/>
+                      <a16:colId xmlns:a16="http://schemas.microsoft.com/office/drawing/2014/main" xmlns="" val="2243509427"/>
                     </a:ext>
                   </a:extLst>
                 </a:gridCol>
@@ -6168,7 +6168,7 @@
                 </a:tc>
                 <a:extLst>
                   <a:ext uri="{0D108BD9-81ED-4DB2-BD59-A6C34878D82A}">
-                    <a16:rowId xmlns:a16="http://schemas.microsoft.com/office/drawing/2014/main" val="4147310124"/>
+                    <a16:rowId xmlns:a16="http://schemas.microsoft.com/office/drawing/2014/main" xmlns="" val="4147310124"/>
                   </a:ext>
                 </a:extLst>
               </a:tr>
@@ -6205,7 +6205,7 @@
                 </a:tc>
                 <a:extLst>
                   <a:ext uri="{0D108BD9-81ED-4DB2-BD59-A6C34878D82A}">
-                    <a16:rowId xmlns:a16="http://schemas.microsoft.com/office/drawing/2014/main" val="1090463524"/>
+                    <a16:rowId xmlns:a16="http://schemas.microsoft.com/office/drawing/2014/main" xmlns="" val="1090463524"/>
                   </a:ext>
                 </a:extLst>
               </a:tr>
@@ -6242,7 +6242,7 @@
                 </a:tc>
                 <a:extLst>
                   <a:ext uri="{0D108BD9-81ED-4DB2-BD59-A6C34878D82A}">
-                    <a16:rowId xmlns:a16="http://schemas.microsoft.com/office/drawing/2014/main" val="363472524"/>
+                    <a16:rowId xmlns:a16="http://schemas.microsoft.com/office/drawing/2014/main" xmlns="" val="363472524"/>
                   </a:ext>
                 </a:extLst>
               </a:tr>
@@ -6279,7 +6279,7 @@
                 </a:tc>
                 <a:extLst>
                   <a:ext uri="{0D108BD9-81ED-4DB2-BD59-A6C34878D82A}">
-                    <a16:rowId xmlns:a16="http://schemas.microsoft.com/office/drawing/2014/main" val="232697873"/>
+                    <a16:rowId xmlns:a16="http://schemas.microsoft.com/office/drawing/2014/main" xmlns="" val="232697873"/>
                   </a:ext>
                 </a:extLst>
               </a:tr>
@@ -6367,7 +6367,7 @@
         <p:spPr>
           <a:xfrm>
             <a:off x="913774" y="1463710"/>
-            <a:ext cx="10363826" cy="3424107"/>
+            <a:ext cx="10363826" cy="4162649"/>
           </a:xfrm>
         </p:spPr>
         <p:txBody>
@@ -6382,12 +6382,15 @@
             </a:r>
             <a:r>
               <a:rPr lang="zh-CN" altLang="en-US" dirty="0"/>
-              <a:t>建立以医疗大数据应用技术为基础的准妈妈孕检创新研发平</a:t>
+              <a:t>建立以医疗大数据应用技术为基础的准妈妈孕检创新研发</a:t>
             </a:r>
             <a:r>
               <a:rPr lang="zh-CN" altLang="en-US" dirty="0" smtClean="0"/>
-              <a:t>台</a:t>
-            </a:r>
+              <a:t>平台</a:t>
+            </a:r>
+            <a:endParaRPr lang="en-US" altLang="zh-CN" dirty="0" smtClean="0"/>
+          </a:p>
+          <a:p>
             <a:endParaRPr lang="en-US" altLang="zh-CN" dirty="0" smtClean="0"/>
           </a:p>
           <a:p>
@@ -6397,12 +6400,15 @@
             </a:r>
             <a:r>
               <a:rPr lang="zh-CN" altLang="en-US" dirty="0"/>
-              <a:t>建立微服务、大数据和机器学习应用技术的人才培养平</a:t>
+              <a:t>建立微服务、大数据和机器学习应用技术的人才培养</a:t>
             </a:r>
             <a:r>
               <a:rPr lang="zh-CN" altLang="en-US" dirty="0" smtClean="0"/>
-              <a:t>台</a:t>
-            </a:r>
+              <a:t>平台</a:t>
+            </a:r>
+            <a:endParaRPr lang="en-US" altLang="zh-CN" dirty="0" smtClean="0"/>
+          </a:p>
+          <a:p>
             <a:endParaRPr lang="en-US" altLang="zh-CN" dirty="0" smtClean="0"/>
           </a:p>
           <a:p>
@@ -6498,7 +6504,7 @@
         <p:spPr>
           <a:xfrm>
             <a:off x="913774" y="1463710"/>
-            <a:ext cx="10363826" cy="3424107"/>
+            <a:ext cx="10363826" cy="4442568"/>
           </a:xfrm>
         </p:spPr>
         <p:txBody>
@@ -6522,37 +6528,40 @@
             <a:endParaRPr lang="en-US" altLang="zh-CN" dirty="0" smtClean="0"/>
           </a:p>
           <a:p>
+            <a:endParaRPr lang="en-US" altLang="zh-CN" dirty="0" smtClean="0"/>
+          </a:p>
+          <a:p>
             <a:r>
               <a:rPr lang="zh-CN" altLang="en-US" dirty="0" smtClean="0"/>
               <a:t>二、孕</a:t>
             </a:r>
             <a:r>
               <a:rPr lang="zh-CN" altLang="en-US" dirty="0"/>
-              <a:t>期检查是国内各大妇产医院面临的最大问题，而以互联网化为手段，优化就诊流程，提升患者的就医体验，将会成为未来</a:t>
-            </a:r>
-            <a:r>
-              <a:rPr lang="en-US" dirty="0"/>
-              <a:t>“</a:t>
-            </a:r>
-            <a:r>
-              <a:rPr lang="zh-CN" altLang="en-US" dirty="0"/>
-              <a:t>互联网</a:t>
+              <a:t>期检查是国内各大妇产医院面临的最大问题，而以互联网化为手段，优化就诊流程，提升患者的就医体验，将会成为</a:t>
+            </a:r>
+            <a:r>
+              <a:rPr lang="zh-CN" altLang="en-US" dirty="0" smtClean="0"/>
+              <a:t>未来“互联网</a:t>
             </a:r>
             <a:r>
               <a:rPr lang="en-US" dirty="0"/>
               <a:t>+</a:t>
             </a:r>
             <a:r>
+              <a:rPr lang="zh-CN" altLang="en-US" dirty="0" smtClean="0"/>
+              <a:t>医疗</a:t>
+            </a:r>
+            <a:r>
               <a:rPr lang="zh-CN" altLang="en-US" dirty="0"/>
-              <a:t>医疗</a:t>
-            </a:r>
-            <a:r>
-              <a:rPr lang="en-US" dirty="0"/>
               <a:t>”</a:t>
             </a:r>
             <a:r>
+              <a:rPr lang="zh-CN" altLang="en-US" dirty="0" smtClean="0"/>
+              <a:t>一直</a:t>
+            </a:r>
+            <a:r>
               <a:rPr lang="zh-CN" altLang="en-US" dirty="0"/>
-              <a:t>一直关注的问题</a:t>
+              <a:t>关注的问题</a:t>
             </a:r>
             <a:r>
               <a:rPr lang="zh-CN" altLang="en-US" dirty="0" smtClean="0"/>
@@ -6561,20 +6570,19 @@
             <a:endParaRPr lang="en-US" altLang="zh-CN" dirty="0" smtClean="0"/>
           </a:p>
           <a:p>
+            <a:endParaRPr lang="en-US" altLang="zh-CN" dirty="0" smtClean="0"/>
+          </a:p>
+          <a:p>
             <a:r>
               <a:rPr lang="zh-CN" altLang="en-US" dirty="0" smtClean="0"/>
-              <a:t>三、</a:t>
+              <a:t>三、在</a:t>
             </a:r>
             <a:r>
               <a:rPr lang="zh-CN" altLang="en-US" dirty="0"/>
-              <a:t>在</a:t>
-            </a:r>
-            <a:r>
-              <a:rPr lang="en-US" dirty="0"/>
               <a:t>“</a:t>
             </a:r>
             <a:r>
-              <a:rPr lang="zh-CN" altLang="en-US" dirty="0"/>
+              <a:rPr lang="zh-CN" altLang="en-US" dirty="0" smtClean="0"/>
               <a:t>互联网</a:t>
             </a:r>
             <a:r>
@@ -6582,16 +6590,20 @@
               <a:t>+</a:t>
             </a:r>
             <a:r>
+              <a:rPr lang="zh-CN" altLang="en-US" dirty="0" smtClean="0"/>
+              <a:t>医疗</a:t>
+            </a:r>
+            <a:r>
               <a:rPr lang="zh-CN" altLang="en-US" dirty="0"/>
-              <a:t>医疗</a:t>
-            </a:r>
-            <a:r>
-              <a:rPr lang="en-US" dirty="0"/>
               <a:t>”</a:t>
             </a:r>
             <a:r>
+              <a:rPr lang="zh-CN" altLang="en-US" dirty="0" smtClean="0"/>
+              <a:t>的</a:t>
+            </a:r>
+            <a:r>
               <a:rPr lang="zh-CN" altLang="en-US" dirty="0"/>
-              <a:t>的驱动下，医疗机构将建立起以患者为中心的全新医疗服务模式，以改善就医体验为目的，逐步实现医疗诊治精准化、医疗组织协同化、医疗服务个性化，将医疗服务扩展到更大范围</a:t>
+              <a:t>驱动下，医疗机构将建立起以患者为中心的全新医疗服务模式，以改善就医体验为目的，逐步实现医疗诊治精准化、医疗组织协同化、医疗服务个性化，将医疗服务扩展到更大范围</a:t>
             </a:r>
             <a:r>
               <a:rPr lang="zh-CN" altLang="en-US" dirty="0" smtClean="0"/>
@@ -6687,7 +6699,7 @@
         <p:spPr>
           <a:xfrm>
             <a:off x="913774" y="1463710"/>
-            <a:ext cx="10363826" cy="3424107"/>
+            <a:ext cx="10363826" cy="3985368"/>
           </a:xfrm>
         </p:spPr>
         <p:txBody>
@@ -6718,8 +6730,15 @@
             </a:r>
             <a:r>
               <a:rPr lang="zh-CN" altLang="en-US" dirty="0"/>
-              <a:t>课题的设计以及论文的撰写自始至终都是在张丽娜老师的悉心指导下进行。张丽娜老师在学习和科研过程中给予我无微不至的关怀和指导，使我能够迅速地掌握本专业知识，并解决一个个实际的工程问题，能够迅速地给出处理流程和分析思路，对各方向知识的涉猎。</a:t>
-            </a:r>
+              <a:t>课题的设计以及论文的撰写自始至终都是在张丽娜老师的悉心指导下进行。张丽娜老师在学习和科研过程中给予我无微不至的关怀和指导，使我能够迅速地掌握本专业知识，并解决一个个实际的工程问题，能够迅速地给出处理流程和分析思路，对各方向知识的涉猎</a:t>
+            </a:r>
+            <a:r>
+              <a:rPr lang="zh-CN" altLang="en-US" dirty="0" smtClean="0"/>
+              <a:t>。</a:t>
+            </a:r>
+            <a:endParaRPr lang="en-US" altLang="zh-CN" dirty="0" smtClean="0"/>
+          </a:p>
+          <a:p>
             <a:endParaRPr lang="en-US" dirty="0"/>
           </a:p>
           <a:p>
@@ -6784,19 +6803,20 @@
         </p:nvSpPr>
         <p:spPr>
           <a:xfrm>
-            <a:off x="913775" y="618518"/>
-            <a:ext cx="10364451" cy="593338"/>
+            <a:off x="913775" y="618517"/>
+            <a:ext cx="10364451" cy="648423"/>
           </a:xfrm>
         </p:spPr>
         <p:txBody>
           <a:bodyPr/>
           <a:lstStyle/>
           <a:p>
-            <a:r>
-              <a:rPr lang="zh-CN" altLang="en-US" dirty="0" smtClean="0"/>
-              <a:t>概述</a:t>
-            </a:r>
-            <a:endParaRPr lang="en-US" dirty="0"/>
+            <a:pPr lvl="0"/>
+            <a:r>
+              <a:rPr lang="zh-CN" altLang="en-US" b="1" dirty="0"/>
+              <a:t>系统技术架构设计与层次分析</a:t>
+            </a:r>
+            <a:endParaRPr lang="en-US" b="1" dirty="0"/>
           </a:p>
         </p:txBody>
       </p:sp>
@@ -6812,37 +6832,56 @@
         </p:nvSpPr>
         <p:spPr>
           <a:xfrm>
-            <a:off x="913774" y="1474725"/>
+            <a:off x="913774" y="1474726"/>
             <a:ext cx="10363826" cy="3424107"/>
           </a:xfrm>
         </p:spPr>
         <p:txBody>
-          <a:bodyPr/>
+          <a:bodyPr>
+            <a:normAutofit/>
+          </a:bodyPr>
           <a:lstStyle/>
           <a:p>
-            <a:r>
-              <a:rPr lang="zh-CN" altLang="en-US" dirty="0" smtClean="0"/>
-              <a:t>一</a:t>
-            </a:r>
-            <a:r>
-              <a:rPr lang="zh-CN" altLang="en-US" b="1" dirty="0" smtClean="0"/>
-              <a:t>、前言</a:t>
-            </a:r>
-            <a:endParaRPr lang="en-US" altLang="zh-CN" b="1" dirty="0" smtClean="0"/>
-          </a:p>
-          <a:p>
-            <a:r>
-              <a:rPr lang="zh-CN" altLang="en-US" b="1" dirty="0" smtClean="0"/>
-              <a:t>二、行业发展现状</a:t>
-            </a:r>
-            <a:endParaRPr lang="en-US" b="1" dirty="0"/>
+            <a:pPr lvl="0"/>
+            <a:r>
+              <a:rPr lang="zh-CN" altLang="en-US" sz="2400" dirty="0" smtClean="0"/>
+              <a:t>一、</a:t>
+            </a:r>
+            <a:r>
+              <a:rPr lang="zh-CN" altLang="en-US" sz="2400" dirty="0"/>
+              <a:t>系统技术架构</a:t>
+            </a:r>
+            <a:r>
+              <a:rPr lang="zh-CN" altLang="en-US" sz="2400" dirty="0" smtClean="0"/>
+              <a:t>设计与分析</a:t>
+            </a:r>
+            <a:endParaRPr lang="en-US" altLang="zh-CN" sz="2400" dirty="0" smtClean="0"/>
+          </a:p>
+          <a:p>
+            <a:pPr lvl="0"/>
+            <a:endParaRPr lang="en-US" sz="2400" b="1" dirty="0"/>
+          </a:p>
+          <a:p>
+            <a:r>
+              <a:rPr lang="zh-CN" altLang="en-US" sz="2400" dirty="0" smtClean="0"/>
+              <a:t>二、</a:t>
+            </a:r>
+            <a:r>
+              <a:rPr lang="zh-CN" altLang="en-US" sz="2400" dirty="0"/>
+              <a:t>核心技术在系统中应</a:t>
+            </a:r>
+            <a:r>
+              <a:rPr lang="zh-CN" altLang="en-US" sz="2400" dirty="0" smtClean="0"/>
+              <a:t>用</a:t>
+            </a:r>
+            <a:endParaRPr lang="en-US" sz="2400" dirty="0"/>
           </a:p>
         </p:txBody>
       </p:sp>
     </p:spTree>
     <p:extLst>
       <p:ext uri="{BB962C8B-B14F-4D97-AF65-F5344CB8AC3E}">
-        <p14:creationId xmlns:p14="http://schemas.microsoft.com/office/powerpoint/2010/main" val="3714667670"/>
+        <p14:creationId xmlns:p14="http://schemas.microsoft.com/office/powerpoint/2010/main" val="456459552"/>
       </p:ext>
     </p:extLst>
   </p:cSld>
@@ -6888,86 +6927,58 @@
         </p:nvSpPr>
         <p:spPr>
           <a:xfrm>
-            <a:off x="913775" y="618517"/>
-            <a:ext cx="10364451" cy="648423"/>
-          </a:xfrm>
-        </p:spPr>
-        <p:txBody>
-          <a:bodyPr/>
+            <a:off x="913775" y="618518"/>
+            <a:ext cx="10364451" cy="538254"/>
+          </a:xfrm>
+        </p:spPr>
+        <p:txBody>
+          <a:bodyPr>
+            <a:normAutofit fontScale="90000"/>
+          </a:bodyPr>
           <a:lstStyle/>
           <a:p>
-            <a:pPr lvl="0"/>
             <a:r>
               <a:rPr lang="zh-CN" altLang="en-US" b="1" dirty="0"/>
-              <a:t>系统技术架构设计与层次分析</a:t>
-            </a:r>
-            <a:endParaRPr lang="en-US" b="1" dirty="0"/>
-          </a:p>
-        </p:txBody>
-      </p:sp>
-      <p:sp>
-        <p:nvSpPr>
-          <p:cNvPr id="3" name="Content Placeholder 2"/>
-          <p:cNvSpPr>
-            <a:spLocks noGrp="1"/>
-          </p:cNvSpPr>
+              <a:t>系统技术架构</a:t>
+            </a:r>
+            <a:r>
+              <a:rPr lang="zh-CN" altLang="en-US" b="1" dirty="0" smtClean="0"/>
+              <a:t>设计与分析</a:t>
+            </a:r>
+            <a:endParaRPr lang="en-US" dirty="0"/>
+          </a:p>
+        </p:txBody>
+      </p:sp>
+      <p:pic>
+        <p:nvPicPr>
+          <p:cNvPr id="4" name="Content Placeholder 3"/>
+          <p:cNvPicPr>
+            <a:picLocks noGrp="1"/>
+          </p:cNvPicPr>
           <p:nvPr>
             <p:ph sz="quarter" idx="13"/>
           </p:nvPr>
-        </p:nvSpPr>
-        <p:spPr>
-          <a:xfrm>
-            <a:off x="913774" y="1474726"/>
-            <a:ext cx="10363826" cy="3424107"/>
-          </a:xfrm>
-        </p:spPr>
-        <p:txBody>
-          <a:bodyPr/>
-          <a:lstStyle/>
-          <a:p>
-            <a:pPr lvl="0"/>
-            <a:r>
-              <a:rPr lang="zh-CN" altLang="en-US" dirty="0" smtClean="0"/>
-              <a:t>一、</a:t>
-            </a:r>
-            <a:r>
-              <a:rPr lang="zh-CN" altLang="en-US" b="1" dirty="0"/>
-              <a:t>系统技术架构设计</a:t>
-            </a:r>
-            <a:endParaRPr lang="en-US" b="1" dirty="0"/>
-          </a:p>
-          <a:p>
-            <a:r>
-              <a:rPr lang="zh-CN" altLang="en-US" dirty="0" smtClean="0"/>
-              <a:t>二、</a:t>
-            </a:r>
-            <a:r>
-              <a:rPr lang="zh-CN" altLang="en-US" b="1" dirty="0"/>
-              <a:t>系统技术架构层次分析</a:t>
-            </a:r>
-            <a:endParaRPr lang="en-US" b="1" dirty="0"/>
-          </a:p>
-          <a:p>
-            <a:r>
-              <a:rPr lang="zh-CN" altLang="en-US" dirty="0" smtClean="0"/>
-              <a:t>三、</a:t>
-            </a:r>
-            <a:r>
-              <a:rPr lang="zh-CN" altLang="en-US" b="1" dirty="0"/>
-              <a:t>核心技术在系统中应</a:t>
-            </a:r>
-            <a:r>
-              <a:rPr lang="zh-CN" altLang="en-US" b="1" dirty="0" smtClean="0"/>
-              <a:t>用</a:t>
-            </a:r>
-            <a:endParaRPr lang="en-US" b="1" dirty="0"/>
-          </a:p>
-        </p:txBody>
-      </p:sp>
+        </p:nvPicPr>
+        <p:blipFill>
+          <a:blip r:embed="rId2"/>
+          <a:stretch>
+            <a:fillRect/>
+          </a:stretch>
+        </p:blipFill>
+        <p:spPr>
+          <a:xfrm>
+            <a:off x="2478791" y="1388121"/>
+            <a:ext cx="7271131" cy="4880472"/>
+          </a:xfrm>
+          <a:prstGeom prst="rect">
+            <a:avLst/>
+          </a:prstGeom>
+        </p:spPr>
+      </p:pic>
     </p:spTree>
     <p:extLst>
       <p:ext uri="{BB962C8B-B14F-4D97-AF65-F5344CB8AC3E}">
-        <p14:creationId xmlns:p14="http://schemas.microsoft.com/office/powerpoint/2010/main" val="1616430178"/>
+        <p14:creationId xmlns:p14="http://schemas.microsoft.com/office/powerpoint/2010/main" val="4111052191"/>
       </p:ext>
     </p:extLst>
   </p:cSld>
@@ -7025,42 +7036,276 @@
           <a:p>
             <a:r>
               <a:rPr lang="zh-CN" altLang="en-US" b="1" dirty="0"/>
-              <a:t>系统技术架构设计</a:t>
-            </a:r>
-            <a:endParaRPr lang="en-US" dirty="0"/>
-          </a:p>
-        </p:txBody>
-      </p:sp>
-      <p:pic>
-        <p:nvPicPr>
-          <p:cNvPr id="4" name="Content Placeholder 3"/>
-          <p:cNvPicPr>
-            <a:picLocks noGrp="1"/>
-          </p:cNvPicPr>
+              <a:t>系统技术架构</a:t>
+            </a:r>
+            <a:r>
+              <a:rPr lang="zh-CN" altLang="en-US" b="1" dirty="0" smtClean="0"/>
+              <a:t>设计与分析</a:t>
+            </a:r>
+            <a:endParaRPr lang="en-US" dirty="0"/>
+          </a:p>
+        </p:txBody>
+      </p:sp>
+      <p:sp>
+        <p:nvSpPr>
+          <p:cNvPr id="3" name="Content Placeholder 2"/>
+          <p:cNvSpPr>
+            <a:spLocks noGrp="1"/>
+          </p:cNvSpPr>
           <p:nvPr>
             <p:ph sz="quarter" idx="13"/>
           </p:nvPr>
-        </p:nvPicPr>
-        <p:blipFill>
-          <a:blip r:embed="rId2"/>
-          <a:stretch>
-            <a:fillRect/>
-          </a:stretch>
-        </p:blipFill>
-        <p:spPr>
-          <a:xfrm>
-            <a:off x="2478791" y="1388121"/>
-            <a:ext cx="7271131" cy="4880472"/>
-          </a:xfrm>
-          <a:prstGeom prst="rect">
-            <a:avLst/>
-          </a:prstGeom>
-        </p:spPr>
-      </p:pic>
+        </p:nvSpPr>
+        <p:spPr>
+          <a:xfrm>
+            <a:off x="914400" y="1452691"/>
+            <a:ext cx="10363826" cy="3987056"/>
+          </a:xfrm>
+        </p:spPr>
+        <p:txBody>
+          <a:bodyPr>
+            <a:noAutofit/>
+          </a:bodyPr>
+          <a:lstStyle/>
+          <a:p>
+            <a:r>
+              <a:rPr lang="zh-CN" altLang="en-US" sz="2400" dirty="0">
+                <a:latin typeface="SimSun" charset="-122"/>
+                <a:ea typeface="SimSun" charset="-122"/>
+                <a:cs typeface="SimSun" charset="-122"/>
+              </a:rPr>
+              <a:t>网络</a:t>
+            </a:r>
+            <a:r>
+              <a:rPr lang="zh-CN" altLang="en-US" sz="2400" dirty="0" smtClean="0">
+                <a:latin typeface="SimSun" charset="-122"/>
+                <a:ea typeface="SimSun" charset="-122"/>
+                <a:cs typeface="SimSun" charset="-122"/>
+              </a:rPr>
+              <a:t>层</a:t>
+            </a:r>
+            <a:endParaRPr lang="en-US" altLang="zh-CN" sz="2400" dirty="0" smtClean="0">
+              <a:latin typeface="SimSun" charset="-122"/>
+              <a:ea typeface="SimSun" charset="-122"/>
+              <a:cs typeface="SimSun" charset="-122"/>
+            </a:endParaRPr>
+          </a:p>
+          <a:p>
+            <a:pPr lvl="1"/>
+            <a:r>
+              <a:rPr lang="en-US" altLang="zh-CN" sz="2000" dirty="0" err="1" smtClean="0">
+                <a:latin typeface="SimSun" charset="-122"/>
+                <a:ea typeface="SimSun" charset="-122"/>
+                <a:cs typeface="SimSun" charset="-122"/>
+              </a:rPr>
+              <a:t>Nginx</a:t>
+            </a:r>
+            <a:r>
+              <a:rPr lang="zh-CN" altLang="en-US" sz="2000" dirty="0" smtClean="0">
+                <a:latin typeface="SimSun" charset="-122"/>
+                <a:ea typeface="SimSun" charset="-122"/>
+                <a:cs typeface="SimSun" charset="-122"/>
+              </a:rPr>
+              <a:t>：实现</a:t>
+            </a:r>
+            <a:r>
+              <a:rPr lang="zh-CN" altLang="en-US" sz="2000" dirty="0">
+                <a:latin typeface="SimSun" charset="-122"/>
+                <a:ea typeface="SimSun" charset="-122"/>
+                <a:cs typeface="SimSun" charset="-122"/>
+              </a:rPr>
+              <a:t>负载均衡</a:t>
+            </a:r>
+            <a:r>
+              <a:rPr lang="zh-CN" altLang="en-US" sz="2000" dirty="0" smtClean="0">
+                <a:latin typeface="SimSun" charset="-122"/>
+                <a:ea typeface="SimSun" charset="-122"/>
+                <a:cs typeface="SimSun" charset="-122"/>
+              </a:rPr>
+              <a:t>，实现</a:t>
+            </a:r>
+            <a:r>
+              <a:rPr lang="zh-CN" altLang="en-US" sz="2000" dirty="0">
+                <a:latin typeface="SimSun" charset="-122"/>
+                <a:ea typeface="SimSun" charset="-122"/>
+                <a:cs typeface="SimSun" charset="-122"/>
+              </a:rPr>
+              <a:t>反向代理，平均分担负载</a:t>
+            </a:r>
+            <a:r>
+              <a:rPr lang="en-US" sz="2000" dirty="0">
+                <a:latin typeface="SimSun" charset="-122"/>
+                <a:ea typeface="SimSun" charset="-122"/>
+                <a:cs typeface="SimSun" charset="-122"/>
+              </a:rPr>
+              <a:t> </a:t>
+            </a:r>
+            <a:endParaRPr lang="en-US" sz="2400" dirty="0" smtClean="0">
+              <a:latin typeface="SimSun" charset="-122"/>
+              <a:ea typeface="SimSun" charset="-122"/>
+              <a:cs typeface="SimSun" charset="-122"/>
+            </a:endParaRPr>
+          </a:p>
+          <a:p>
+            <a:pPr marL="457200" lvl="1" indent="0">
+              <a:buNone/>
+            </a:pPr>
+            <a:endParaRPr lang="en-US" sz="2000" dirty="0">
+              <a:latin typeface="SimSun" charset="-122"/>
+              <a:ea typeface="SimSun" charset="-122"/>
+              <a:cs typeface="SimSun" charset="-122"/>
+            </a:endParaRPr>
+          </a:p>
+          <a:p>
+            <a:r>
+              <a:rPr lang="zh-CN" altLang="en-US" sz="2400" dirty="0">
+                <a:latin typeface="SimSun" charset="-122"/>
+                <a:ea typeface="SimSun" charset="-122"/>
+                <a:cs typeface="SimSun" charset="-122"/>
+              </a:rPr>
+              <a:t>缓存</a:t>
+            </a:r>
+            <a:r>
+              <a:rPr lang="zh-CN" altLang="en-US" sz="2400" dirty="0" smtClean="0">
+                <a:latin typeface="SimSun" charset="-122"/>
+                <a:ea typeface="SimSun" charset="-122"/>
+                <a:cs typeface="SimSun" charset="-122"/>
+              </a:rPr>
+              <a:t>层</a:t>
+            </a:r>
+            <a:endParaRPr lang="en-US" altLang="zh-CN" sz="2400" dirty="0" smtClean="0">
+              <a:latin typeface="SimSun" charset="-122"/>
+              <a:ea typeface="SimSun" charset="-122"/>
+              <a:cs typeface="SimSun" charset="-122"/>
+            </a:endParaRPr>
+          </a:p>
+          <a:p>
+            <a:pPr lvl="1"/>
+            <a:r>
+              <a:rPr lang="en-US" altLang="zh-CN" sz="2000" dirty="0" err="1" smtClean="0">
+                <a:latin typeface="SimSun" charset="-122"/>
+                <a:ea typeface="SimSun" charset="-122"/>
+                <a:cs typeface="SimSun" charset="-122"/>
+              </a:rPr>
+              <a:t>Redis</a:t>
+            </a:r>
+            <a:r>
+              <a:rPr lang="zh-CN" altLang="en-US" sz="2000" dirty="0" smtClean="0">
+                <a:latin typeface="SimSun" charset="-122"/>
+                <a:ea typeface="SimSun" charset="-122"/>
+                <a:cs typeface="SimSun" charset="-122"/>
+              </a:rPr>
+              <a:t>：存储</a:t>
+            </a:r>
+            <a:r>
+              <a:rPr lang="zh-CN" altLang="en-US" sz="2000" dirty="0">
+                <a:latin typeface="SimSun" charset="-122"/>
+                <a:ea typeface="SimSun" charset="-122"/>
+                <a:cs typeface="SimSun" charset="-122"/>
+              </a:rPr>
+              <a:t>热</a:t>
+            </a:r>
+            <a:r>
+              <a:rPr lang="zh-CN" altLang="en-US" sz="2000" dirty="0" smtClean="0">
+                <a:latin typeface="SimSun" charset="-122"/>
+                <a:ea typeface="SimSun" charset="-122"/>
+                <a:cs typeface="SimSun" charset="-122"/>
+              </a:rPr>
+              <a:t>点数据，防数据穿透，对缓存查询加锁</a:t>
+            </a:r>
+            <a:r>
+              <a:rPr lang="en-US" sz="2000" dirty="0" smtClean="0">
+                <a:latin typeface="SimSun" charset="-122"/>
+                <a:ea typeface="SimSun" charset="-122"/>
+                <a:cs typeface="SimSun" charset="-122"/>
+              </a:rPr>
+              <a:t> </a:t>
+            </a:r>
+            <a:endParaRPr lang="en-US" sz="2400" dirty="0" smtClean="0">
+              <a:latin typeface="SimSun" charset="-122"/>
+              <a:ea typeface="SimSun" charset="-122"/>
+              <a:cs typeface="SimSun" charset="-122"/>
+            </a:endParaRPr>
+          </a:p>
+          <a:p>
+            <a:pPr marL="457200" lvl="1" indent="0">
+              <a:buNone/>
+            </a:pPr>
+            <a:endParaRPr lang="en-US" sz="2400" dirty="0">
+              <a:latin typeface="SimSun" charset="-122"/>
+              <a:ea typeface="SimSun" charset="-122"/>
+              <a:cs typeface="SimSun" charset="-122"/>
+            </a:endParaRPr>
+          </a:p>
+          <a:p>
+            <a:r>
+              <a:rPr lang="zh-CN" altLang="en-US" sz="2400" dirty="0">
+                <a:latin typeface="SimSun" charset="-122"/>
+                <a:ea typeface="SimSun" charset="-122"/>
+                <a:cs typeface="SimSun" charset="-122"/>
+              </a:rPr>
+              <a:t>应用</a:t>
+            </a:r>
+            <a:r>
+              <a:rPr lang="zh-CN" altLang="en-US" sz="2400" dirty="0" smtClean="0">
+                <a:latin typeface="SimSun" charset="-122"/>
+                <a:ea typeface="SimSun" charset="-122"/>
+                <a:cs typeface="SimSun" charset="-122"/>
+              </a:rPr>
+              <a:t>层</a:t>
+            </a:r>
+            <a:endParaRPr lang="en-US" altLang="zh-CN" sz="2400" dirty="0">
+              <a:latin typeface="SimSun" charset="-122"/>
+              <a:ea typeface="SimSun" charset="-122"/>
+              <a:cs typeface="SimSun" charset="-122"/>
+            </a:endParaRPr>
+          </a:p>
+          <a:p>
+            <a:pPr lvl="1"/>
+            <a:r>
+              <a:rPr lang="en-US" altLang="zh-CN" sz="2000" dirty="0" smtClean="0">
+                <a:latin typeface="SimSun" charset="-122"/>
+                <a:ea typeface="SimSun" charset="-122"/>
+                <a:cs typeface="SimSun" charset="-122"/>
+              </a:rPr>
+              <a:t>Spring boot</a:t>
+            </a:r>
+            <a:r>
+              <a:rPr lang="zh-CN" altLang="en-US" sz="2000" dirty="0" smtClean="0">
+                <a:latin typeface="SimSun" charset="-122"/>
+                <a:ea typeface="SimSun" charset="-122"/>
+                <a:cs typeface="SimSun" charset="-122"/>
+              </a:rPr>
+              <a:t>：独立</a:t>
+            </a:r>
+            <a:r>
+              <a:rPr lang="zh-CN" altLang="en-US" sz="2000" dirty="0">
+                <a:latin typeface="SimSun" charset="-122"/>
+                <a:ea typeface="SimSun" charset="-122"/>
+                <a:cs typeface="SimSun" charset="-122"/>
+              </a:rPr>
+              <a:t>部署、独立维护、独立扩展</a:t>
+            </a:r>
+            <a:r>
+              <a:rPr lang="en-US" sz="2000" dirty="0">
+                <a:latin typeface="SimSun" charset="-122"/>
+                <a:ea typeface="SimSun" charset="-122"/>
+                <a:cs typeface="SimSun" charset="-122"/>
+              </a:rPr>
+              <a:t> </a:t>
+            </a:r>
+            <a:endParaRPr lang="en-US" sz="2400" dirty="0">
+              <a:latin typeface="SimSun" charset="-122"/>
+              <a:ea typeface="SimSun" charset="-122"/>
+              <a:cs typeface="SimSun" charset="-122"/>
+            </a:endParaRPr>
+          </a:p>
+        </p:txBody>
+      </p:sp>
     </p:spTree>
     <p:extLst>
       <p:ext uri="{BB962C8B-B14F-4D97-AF65-F5344CB8AC3E}">
-        <p14:creationId xmlns:p14="http://schemas.microsoft.com/office/powerpoint/2010/main" val="4111052191"/>
+        <p14:creationId xmlns:p14="http://schemas.microsoft.com/office/powerpoint/2010/main" val="824021910"/>
       </p:ext>
     </p:extLst>
   </p:cSld>
@@ -7106,118 +7351,256 @@
         </p:nvSpPr>
         <p:spPr>
           <a:xfrm>
-            <a:off x="913775" y="618517"/>
-            <a:ext cx="10364451" cy="626389"/>
-          </a:xfrm>
-        </p:spPr>
-        <p:txBody>
-          <a:bodyPr/>
-          <a:lstStyle/>
-          <a:p>
-            <a:r>
-              <a:rPr lang="zh-CN" altLang="en-US" b="1" dirty="0"/>
-              <a:t>系统技术架构层次分析</a:t>
-            </a:r>
-            <a:endParaRPr lang="en-US" dirty="0"/>
-          </a:p>
-        </p:txBody>
-      </p:sp>
-      <p:sp>
-        <p:nvSpPr>
-          <p:cNvPr id="3" name="Content Placeholder 2"/>
-          <p:cNvSpPr>
-            <a:spLocks noGrp="1"/>
-          </p:cNvSpPr>
-          <p:nvPr>
-            <p:ph sz="quarter" idx="13"/>
-          </p:nvPr>
-        </p:nvSpPr>
-        <p:spPr>
-          <a:xfrm>
-            <a:off x="913774" y="1432193"/>
-            <a:ext cx="10363826" cy="4175392"/>
+            <a:off x="913775" y="618518"/>
+            <a:ext cx="10364451" cy="538254"/>
           </a:xfrm>
         </p:spPr>
         <p:txBody>
           <a:bodyPr>
-            <a:normAutofit/>
+            <a:normAutofit fontScale="90000"/>
           </a:bodyPr>
           <a:lstStyle/>
           <a:p>
             <a:r>
-              <a:rPr lang="zh-CN" altLang="en-US" dirty="0" smtClean="0"/>
-              <a:t>一、网络层</a:t>
-            </a:r>
-            <a:endParaRPr lang="en-US" altLang="zh-CN" dirty="0" smtClean="0"/>
-          </a:p>
-          <a:p>
-            <a:r>
-              <a:rPr lang="zh-CN" altLang="en-US" dirty="0" smtClean="0"/>
-              <a:t>二、缓存层</a:t>
-            </a:r>
-            <a:endParaRPr lang="en-US" altLang="zh-CN" dirty="0" smtClean="0"/>
-          </a:p>
-          <a:p>
-            <a:r>
-              <a:rPr lang="zh-CN" altLang="en-US" dirty="0" smtClean="0"/>
-              <a:t>三、应用层</a:t>
-            </a:r>
-            <a:endParaRPr lang="en-US" altLang="zh-CN" dirty="0" smtClean="0"/>
-          </a:p>
-          <a:p>
-            <a:r>
-              <a:rPr lang="zh-CN" altLang="en-US" dirty="0" smtClean="0"/>
-              <a:t>四、数据计算层</a:t>
-            </a:r>
-            <a:endParaRPr lang="en-US" altLang="zh-CN" dirty="0" smtClean="0"/>
+              <a:rPr lang="zh-CN" altLang="en-US" b="1" dirty="0"/>
+              <a:t>系统技术架构</a:t>
+            </a:r>
+            <a:r>
+              <a:rPr lang="zh-CN" altLang="en-US" b="1" dirty="0" smtClean="0"/>
+              <a:t>设计与分析</a:t>
+            </a:r>
+            <a:endParaRPr lang="en-US" dirty="0"/>
+          </a:p>
+        </p:txBody>
+      </p:sp>
+      <p:sp>
+        <p:nvSpPr>
+          <p:cNvPr id="3" name="Content Placeholder 2"/>
+          <p:cNvSpPr>
+            <a:spLocks noGrp="1"/>
+          </p:cNvSpPr>
+          <p:nvPr>
+            <p:ph sz="quarter" idx="13"/>
+          </p:nvPr>
+        </p:nvSpPr>
+        <p:spPr>
+          <a:xfrm>
+            <a:off x="914400" y="1452691"/>
+            <a:ext cx="10363826" cy="4780158"/>
+          </a:xfrm>
+        </p:spPr>
+        <p:txBody>
+          <a:bodyPr>
+            <a:noAutofit/>
+          </a:bodyPr>
+          <a:lstStyle/>
+          <a:p>
+            <a:r>
+              <a:rPr lang="zh-CN" altLang="en-US" sz="2400" dirty="0" smtClean="0">
+                <a:latin typeface="SimSun" charset="-122"/>
+                <a:ea typeface="SimSun" charset="-122"/>
+                <a:cs typeface="SimSun" charset="-122"/>
+              </a:rPr>
+              <a:t>数据计算层</a:t>
+            </a:r>
+            <a:endParaRPr lang="en-US" altLang="zh-CN" sz="2400" dirty="0" smtClean="0">
+              <a:latin typeface="SimSun" charset="-122"/>
+              <a:ea typeface="SimSun" charset="-122"/>
+              <a:cs typeface="SimSun" charset="-122"/>
+            </a:endParaRPr>
           </a:p>
           <a:p>
             <a:pPr lvl="1"/>
             <a:r>
-              <a:rPr lang="en-US" dirty="0" smtClean="0"/>
-              <a:t>1</a:t>
-            </a:r>
-            <a:r>
-              <a:rPr lang="zh-CN" altLang="en-US" dirty="0" smtClean="0"/>
-              <a:t>、实时计算</a:t>
-            </a:r>
-            <a:endParaRPr lang="en-US" altLang="zh-CN" dirty="0" smtClean="0"/>
+              <a:rPr lang="en-US" altLang="zh-CN" sz="2000" dirty="0" smtClean="0">
+                <a:latin typeface="SimSun" charset="-122"/>
+                <a:ea typeface="SimSun" charset="-122"/>
+                <a:cs typeface="SimSun" charset="-122"/>
+              </a:rPr>
+              <a:t>KAFKA</a:t>
+            </a:r>
+            <a:r>
+              <a:rPr lang="zh-CN" altLang="en-US" sz="2000" dirty="0" smtClean="0">
+                <a:latin typeface="SimSun" charset="-122"/>
+                <a:ea typeface="SimSun" charset="-122"/>
+                <a:cs typeface="SimSun" charset="-122"/>
+              </a:rPr>
+              <a:t>：数据持久性、高扩展、高吞吐、高可用、低延迟</a:t>
+            </a:r>
+            <a:r>
+              <a:rPr lang="en-US" sz="2000" dirty="0" smtClean="0">
+                <a:latin typeface="SimSun" charset="-122"/>
+                <a:ea typeface="SimSun" charset="-122"/>
+                <a:cs typeface="SimSun" charset="-122"/>
+              </a:rPr>
+              <a:t> </a:t>
+            </a:r>
+            <a:endParaRPr lang="en-US" altLang="zh-CN" sz="2000" dirty="0" smtClean="0">
+              <a:latin typeface="SimSun" charset="-122"/>
+              <a:ea typeface="SimSun" charset="-122"/>
+              <a:cs typeface="SimSun" charset="-122"/>
+            </a:endParaRPr>
           </a:p>
           <a:p>
             <a:pPr lvl="1"/>
             <a:r>
-              <a:rPr lang="en-US" altLang="zh-CN" dirty="0" smtClean="0"/>
-              <a:t>2</a:t>
-            </a:r>
-            <a:r>
-              <a:rPr lang="zh-CN" altLang="en-US" dirty="0" smtClean="0"/>
-              <a:t>、离线计算</a:t>
-            </a:r>
-            <a:endParaRPr lang="en-US" altLang="zh-CN" dirty="0" smtClean="0"/>
-          </a:p>
-          <a:p>
-            <a:r>
-              <a:rPr lang="zh-CN" altLang="en-US" dirty="0" smtClean="0"/>
-              <a:t>五、算法层</a:t>
-            </a:r>
-            <a:endParaRPr lang="en-US" altLang="zh-CN" dirty="0"/>
-          </a:p>
-          <a:p>
-            <a:r>
-              <a:rPr lang="zh-CN" altLang="en-US" dirty="0" smtClean="0"/>
-              <a:t>六、数据存储层</a:t>
-            </a:r>
-            <a:endParaRPr lang="en-US" altLang="zh-CN" dirty="0" smtClean="0"/>
-          </a:p>
-          <a:p>
-            <a:endParaRPr lang="en-US" altLang="zh-CN" dirty="0" smtClean="0"/>
+              <a:rPr lang="en-US" altLang="zh-CN" sz="2000" dirty="0" smtClean="0">
+                <a:latin typeface="SimSun" charset="-122"/>
+                <a:ea typeface="SimSun" charset="-122"/>
+                <a:cs typeface="SimSun" charset="-122"/>
+              </a:rPr>
+              <a:t>STORM</a:t>
+            </a:r>
+            <a:r>
+              <a:rPr lang="zh-CN" altLang="en-US" sz="2000" dirty="0" smtClean="0">
+                <a:latin typeface="SimSun" charset="-122"/>
+                <a:ea typeface="SimSun" charset="-122"/>
+                <a:cs typeface="SimSun" charset="-122"/>
+              </a:rPr>
+              <a:t>：实时处理，实现低延迟的处理效果</a:t>
+            </a:r>
+            <a:r>
+              <a:rPr lang="en-US" sz="2000" dirty="0" smtClean="0">
+                <a:latin typeface="SimSun" charset="-122"/>
+                <a:ea typeface="SimSun" charset="-122"/>
+                <a:cs typeface="SimSun" charset="-122"/>
+              </a:rPr>
+              <a:t> </a:t>
+            </a:r>
+            <a:endParaRPr lang="en-US" altLang="zh-CN" sz="2000" dirty="0" smtClean="0">
+              <a:latin typeface="SimSun" charset="-122"/>
+              <a:ea typeface="SimSun" charset="-122"/>
+              <a:cs typeface="SimSun" charset="-122"/>
+            </a:endParaRPr>
+          </a:p>
+          <a:p>
+            <a:pPr marL="457200" lvl="1" indent="0">
+              <a:buNone/>
+            </a:pPr>
+            <a:endParaRPr lang="en-US" altLang="zh-CN" sz="2000" dirty="0" smtClean="0">
+              <a:latin typeface="SimSun" charset="-122"/>
+              <a:ea typeface="SimSun" charset="-122"/>
+              <a:cs typeface="SimSun" charset="-122"/>
+            </a:endParaRPr>
+          </a:p>
+          <a:p>
+            <a:r>
+              <a:rPr lang="zh-CN" altLang="en-US" sz="2400" dirty="0" smtClean="0">
+                <a:latin typeface="SimSun" charset="-122"/>
+                <a:ea typeface="SimSun" charset="-122"/>
+                <a:cs typeface="SimSun" charset="-122"/>
+              </a:rPr>
+              <a:t>算法模型层</a:t>
+            </a:r>
+            <a:endParaRPr lang="en-US" altLang="zh-CN" sz="2400" dirty="0" smtClean="0">
+              <a:latin typeface="SimSun" charset="-122"/>
+              <a:ea typeface="SimSun" charset="-122"/>
+              <a:cs typeface="SimSun" charset="-122"/>
+            </a:endParaRPr>
+          </a:p>
+          <a:p>
+            <a:pPr lvl="1"/>
+            <a:r>
+              <a:rPr lang="zh-CN" altLang="en-US" sz="2000" dirty="0" smtClean="0">
+                <a:latin typeface="SimSun" charset="-122"/>
+                <a:ea typeface="SimSun" charset="-122"/>
+                <a:cs typeface="SimSun" charset="-122"/>
+              </a:rPr>
+              <a:t>特点：在数据挖掘中起着很大的作用，而且也是整个数据架构的关键点</a:t>
+            </a:r>
+            <a:r>
+              <a:rPr lang="en-US" sz="2000" dirty="0" smtClean="0">
+                <a:latin typeface="SimSun" charset="-122"/>
+                <a:ea typeface="SimSun" charset="-122"/>
+                <a:cs typeface="SimSun" charset="-122"/>
+              </a:rPr>
+              <a:t> </a:t>
+            </a:r>
+            <a:endParaRPr lang="en-US" altLang="zh-CN" sz="2000" dirty="0" smtClean="0">
+              <a:latin typeface="SimSun" charset="-122"/>
+              <a:ea typeface="SimSun" charset="-122"/>
+              <a:cs typeface="SimSun" charset="-122"/>
+            </a:endParaRPr>
+          </a:p>
+          <a:p>
+            <a:pPr marL="457200" lvl="1" indent="0">
+              <a:buNone/>
+            </a:pPr>
+            <a:endParaRPr lang="en-US" altLang="zh-CN" sz="2000" dirty="0" smtClean="0">
+              <a:latin typeface="SimSun" charset="-122"/>
+              <a:ea typeface="SimSun" charset="-122"/>
+              <a:cs typeface="SimSun" charset="-122"/>
+            </a:endParaRPr>
+          </a:p>
+          <a:p>
+            <a:r>
+              <a:rPr lang="zh-CN" altLang="en-US" sz="2400" dirty="0" smtClean="0">
+                <a:latin typeface="SimSun" charset="-122"/>
+                <a:ea typeface="SimSun" charset="-122"/>
+                <a:cs typeface="SimSun" charset="-122"/>
+              </a:rPr>
+              <a:t>数据存储层</a:t>
+            </a:r>
+            <a:endParaRPr lang="en-US" altLang="zh-CN" sz="2400" dirty="0" smtClean="0">
+              <a:latin typeface="SimSun" charset="-122"/>
+              <a:ea typeface="SimSun" charset="-122"/>
+              <a:cs typeface="SimSun" charset="-122"/>
+            </a:endParaRPr>
+          </a:p>
+          <a:p>
+            <a:pPr lvl="1"/>
+            <a:r>
+              <a:rPr lang="en-US" sz="2000" dirty="0" smtClean="0">
+                <a:latin typeface="SimSun" charset="-122"/>
+                <a:ea typeface="SimSun" charset="-122"/>
+                <a:cs typeface="SimSun" charset="-122"/>
+              </a:rPr>
+              <a:t>MySQL</a:t>
+            </a:r>
+            <a:r>
+              <a:rPr lang="zh-CN" altLang="en-US" sz="2000" dirty="0" smtClean="0">
+                <a:latin typeface="SimSun" charset="-122"/>
+                <a:ea typeface="SimSun" charset="-122"/>
+                <a:cs typeface="SimSun" charset="-122"/>
+              </a:rPr>
+              <a:t>：体积小 、使用成本低 、可移植性强 、适用用户范围广</a:t>
+            </a:r>
+            <a:endParaRPr lang="en-US" sz="2000" dirty="0" smtClean="0">
+              <a:latin typeface="SimSun" charset="-122"/>
+              <a:ea typeface="SimSun" charset="-122"/>
+              <a:cs typeface="SimSun" charset="-122"/>
+            </a:endParaRPr>
+          </a:p>
+          <a:p>
+            <a:pPr lvl="1"/>
+            <a:r>
+              <a:rPr lang="en-US" sz="2000" dirty="0" smtClean="0">
+                <a:latin typeface="SimSun" charset="-122"/>
+                <a:ea typeface="SimSun" charset="-122"/>
+                <a:cs typeface="SimSun" charset="-122"/>
+              </a:rPr>
+              <a:t>ELASTIC SEARCH</a:t>
+            </a:r>
+            <a:r>
+              <a:rPr lang="zh-CN" altLang="en-US" sz="2000" dirty="0" smtClean="0">
+                <a:latin typeface="SimSun" charset="-122"/>
+                <a:ea typeface="SimSun" charset="-122"/>
+                <a:cs typeface="SimSun" charset="-122"/>
+              </a:rPr>
+              <a:t>：实时分析的分布式搜索引擎，使用分片技术实现负载</a:t>
+            </a:r>
+            <a:endParaRPr lang="en-US" sz="2000" dirty="0">
+              <a:latin typeface="SimSun" charset="-122"/>
+              <a:ea typeface="SimSun" charset="-122"/>
+              <a:cs typeface="SimSun" charset="-122"/>
+            </a:endParaRPr>
           </a:p>
         </p:txBody>
       </p:sp>
     </p:spTree>
     <p:extLst>
       <p:ext uri="{BB962C8B-B14F-4D97-AF65-F5344CB8AC3E}">
-        <p14:creationId xmlns:p14="http://schemas.microsoft.com/office/powerpoint/2010/main" val="2636365021"/>
+        <p14:creationId xmlns:p14="http://schemas.microsoft.com/office/powerpoint/2010/main" val="2059529246"/>
       </p:ext>
     </p:extLst>
   </p:cSld>
@@ -7297,39 +7680,41 @@
         </p:nvSpPr>
         <p:spPr>
           <a:xfrm>
-            <a:off x="913775" y="1441676"/>
-            <a:ext cx="10363826" cy="3424107"/>
-          </a:xfrm>
-        </p:spPr>
-        <p:txBody>
-          <a:bodyPr/>
+            <a:off x="913775" y="1441677"/>
+            <a:ext cx="10363826" cy="1427216"/>
+          </a:xfrm>
+        </p:spPr>
+        <p:txBody>
+          <a:bodyPr>
+            <a:noAutofit/>
+          </a:bodyPr>
           <a:lstStyle/>
           <a:p>
             <a:r>
-              <a:rPr lang="zh-CN" altLang="en-US" dirty="0" smtClean="0"/>
-              <a:t>一、微服务</a:t>
-            </a:r>
-            <a:endParaRPr lang="en-US" altLang="zh-CN" dirty="0" smtClean="0"/>
+              <a:rPr lang="zh-CN" altLang="en-US" sz="2400" dirty="0" smtClean="0"/>
+              <a:t>微服务</a:t>
+            </a:r>
+            <a:endParaRPr lang="en-US" altLang="zh-CN" sz="2400" dirty="0" smtClean="0"/>
           </a:p>
           <a:p>
             <a:pPr lvl="1"/>
             <a:r>
-              <a:rPr lang="zh-CN" altLang="en-US" dirty="0"/>
+              <a:rPr lang="zh-CN" altLang="en-US" sz="2000" dirty="0"/>
               <a:t>技</a:t>
             </a:r>
             <a:r>
-              <a:rPr lang="zh-CN" altLang="en-US" dirty="0" smtClean="0"/>
+              <a:rPr lang="zh-CN" altLang="en-US" sz="2000" dirty="0" smtClean="0"/>
               <a:t>术特点</a:t>
             </a:r>
-            <a:endParaRPr lang="en-US" altLang="zh-CN" dirty="0" smtClean="0"/>
+            <a:endParaRPr lang="en-US" altLang="zh-CN" sz="2000" dirty="0" smtClean="0"/>
           </a:p>
           <a:p>
             <a:pPr lvl="1"/>
             <a:r>
-              <a:rPr lang="zh-CN" altLang="en-US" dirty="0"/>
+              <a:rPr lang="zh-CN" altLang="en-US" sz="2000" dirty="0"/>
               <a:t>实战</a:t>
             </a:r>
-            <a:endParaRPr lang="en-US" dirty="0"/>
+            <a:endParaRPr lang="en-US" sz="2000" dirty="0"/>
           </a:p>
         </p:txBody>
       </p:sp>
@@ -7347,7 +7732,7 @@
         </p:blipFill>
         <p:spPr>
           <a:xfrm>
-            <a:off x="1450086" y="2710266"/>
+            <a:off x="1450086" y="3027509"/>
             <a:ext cx="9324409" cy="2837026"/>
           </a:xfrm>
           <a:prstGeom prst="rect">
@@ -7439,57 +7824,119 @@
         <p:spPr>
           <a:xfrm>
             <a:off x="913775" y="1430659"/>
-            <a:ext cx="10363826" cy="3424107"/>
-          </a:xfrm>
-        </p:spPr>
-        <p:txBody>
-          <a:bodyPr/>
+            <a:ext cx="10363826" cy="1405847"/>
+          </a:xfrm>
+        </p:spPr>
+        <p:txBody>
+          <a:bodyPr>
+            <a:noAutofit/>
+          </a:bodyPr>
           <a:lstStyle/>
           <a:p>
             <a:r>
-              <a:rPr lang="zh-CN" altLang="en-US" dirty="0" smtClean="0"/>
-              <a:t>二、大数据</a:t>
-            </a:r>
-            <a:endParaRPr lang="en-US" altLang="zh-CN" dirty="0" smtClean="0"/>
+              <a:rPr lang="zh-CN" altLang="en-US" sz="2400" dirty="0" smtClean="0"/>
+              <a:t>大数据</a:t>
+            </a:r>
+            <a:endParaRPr lang="en-US" altLang="zh-CN" sz="2400" dirty="0" smtClean="0"/>
           </a:p>
           <a:p>
             <a:pPr lvl="1"/>
             <a:r>
-              <a:rPr lang="en-US" dirty="0"/>
+              <a:rPr lang="en-US" sz="2000" dirty="0" smtClean="0">
+                <a:latin typeface="SimSun" charset="-122"/>
+                <a:ea typeface="SimSun" charset="-122"/>
+                <a:cs typeface="SimSun" charset="-122"/>
+              </a:rPr>
               <a:t>Kafka</a:t>
             </a:r>
             <a:r>
-              <a:rPr lang="zh-CN" altLang="en-US" dirty="0"/>
-              <a:t>和</a:t>
-            </a:r>
-            <a:r>
-              <a:rPr lang="en-US" dirty="0"/>
+              <a:rPr lang="zh-CN" altLang="en-US" sz="2000" dirty="0" smtClean="0">
+                <a:latin typeface="SimSun" charset="-122"/>
+                <a:ea typeface="SimSun" charset="-122"/>
+                <a:cs typeface="SimSun" charset="-122"/>
+              </a:rPr>
+              <a:t> </a:t>
+            </a:r>
+            <a:r>
+              <a:rPr lang="zh-CN" altLang="en-US" sz="2000" dirty="0" smtClean="0"/>
+              <a:t>和 </a:t>
+            </a:r>
+            <a:r>
+              <a:rPr lang="en-US" sz="2000" dirty="0" smtClean="0">
+                <a:latin typeface="SimSun" charset="-122"/>
+                <a:ea typeface="SimSun" charset="-122"/>
+                <a:cs typeface="SimSun" charset="-122"/>
+              </a:rPr>
               <a:t>Storm</a:t>
             </a:r>
             <a:r>
-              <a:rPr lang="zh-CN" altLang="en-US" dirty="0"/>
-              <a:t>技术特点</a:t>
-            </a:r>
-            <a:r>
-              <a:rPr lang="zh-CN" altLang="en-US" dirty="0" smtClean="0"/>
-              <a:t>实战</a:t>
-            </a:r>
-            <a:endParaRPr lang="en-US" altLang="zh-CN" dirty="0" smtClean="0"/>
+              <a:rPr lang="zh-CN" altLang="en-US" sz="2000" dirty="0"/>
+              <a:t>技术</a:t>
+            </a:r>
+            <a:r>
+              <a:rPr lang="zh-CN" altLang="en-US" sz="2000" dirty="0" smtClean="0"/>
+              <a:t>特点</a:t>
+            </a:r>
+            <a:endParaRPr lang="en-US" altLang="zh-CN" sz="2000" dirty="0" smtClean="0"/>
           </a:p>
           <a:p>
             <a:pPr lvl="1"/>
             <a:r>
-              <a:rPr lang="zh-CN" altLang="en-US" dirty="0"/>
+              <a:rPr lang="zh-CN" altLang="en-US" sz="2000" dirty="0"/>
               <a:t>实</a:t>
             </a:r>
             <a:r>
-              <a:rPr lang="zh-CN" altLang="en-US" dirty="0" smtClean="0"/>
+              <a:rPr lang="zh-CN" altLang="en-US" sz="2000" dirty="0" smtClean="0"/>
               <a:t>践应用</a:t>
             </a:r>
-            <a:endParaRPr lang="en-US" dirty="0"/>
-          </a:p>
-        </p:txBody>
-      </p:sp>
+            <a:endParaRPr lang="en-US" sz="2000" dirty="0"/>
+          </a:p>
+        </p:txBody>
+      </p:sp>
+      <p:pic>
+        <p:nvPicPr>
+          <p:cNvPr id="4" name="Picture 3"/>
+          <p:cNvPicPr/>
+          <p:nvPr/>
+        </p:nvPicPr>
+        <p:blipFill>
+          <a:blip r:embed="rId2"/>
+          <a:stretch>
+            <a:fillRect/>
+          </a:stretch>
+        </p:blipFill>
+        <p:spPr>
+          <a:xfrm>
+            <a:off x="5913146" y="2962663"/>
+            <a:ext cx="4504170" cy="2443292"/>
+          </a:xfrm>
+          <a:prstGeom prst="rect">
+            <a:avLst/>
+          </a:prstGeom>
+        </p:spPr>
+      </p:pic>
+      <p:pic>
+        <p:nvPicPr>
+          <p:cNvPr id="5" name="Picture 4"/>
+          <p:cNvPicPr/>
+          <p:nvPr/>
+        </p:nvPicPr>
+        <p:blipFill>
+          <a:blip r:embed="rId3"/>
+          <a:stretch>
+            <a:fillRect/>
+          </a:stretch>
+        </p:blipFill>
+        <p:spPr>
+          <a:xfrm>
+            <a:off x="1431937" y="2962663"/>
+            <a:ext cx="4481209" cy="1948089"/>
+          </a:xfrm>
+          <a:prstGeom prst="rect">
+            <a:avLst/>
+          </a:prstGeom>
+        </p:spPr>
+      </p:pic>
     </p:spTree>
     <p:extLst>
       <p:ext uri="{BB962C8B-B14F-4D97-AF65-F5344CB8AC3E}">
@@ -7576,34 +8023,34 @@
             <p:spPr>
               <a:xfrm>
                 <a:off x="913774" y="1452692"/>
-                <a:ext cx="10363826" cy="3424107"/>
+                <a:ext cx="10363826" cy="4500239"/>
               </a:xfrm>
             </p:spPr>
             <p:txBody>
               <a:bodyPr>
-                <a:normAutofit fontScale="92500" lnSpcReduction="10000"/>
+                <a:normAutofit/>
               </a:bodyPr>
               <a:lstStyle/>
               <a:p>
                 <a:r>
-                  <a:rPr lang="zh-CN" altLang="en-US" dirty="0"/>
+                  <a:rPr lang="zh-CN" altLang="en-US" sz="2400" dirty="0" smtClean="0"/>
                   <a:t>三</a:t>
                 </a:r>
                 <a:r>
-                  <a:rPr lang="zh-CN" altLang="en-US" dirty="0" smtClean="0"/>
+                  <a:rPr lang="zh-CN" altLang="en-US" sz="2400" dirty="0" smtClean="0"/>
                   <a:t>、机器学习</a:t>
                 </a:r>
-                <a:endParaRPr lang="en-US" altLang="zh-CN" dirty="0" smtClean="0"/>
+                <a:endParaRPr lang="en-US" altLang="zh-CN" sz="2400" dirty="0" smtClean="0"/>
               </a:p>
               <a:p>
                 <a:pPr marL="457200" lvl="1" indent="0">
                   <a:buNone/>
                 </a:pPr>
                 <a:r>
-                  <a:rPr lang="zh-CN" altLang="en-US" dirty="0" smtClean="0"/>
+                  <a:rPr lang="zh-CN" altLang="en-US" sz="2000" dirty="0" smtClean="0"/>
                   <a:t>主成分分析法</a:t>
                 </a:r>
-                <a:endParaRPr lang="en-US" altLang="zh-CN" dirty="0" smtClean="0"/>
+                <a:endParaRPr lang="en-US" altLang="zh-CN" sz="2000" dirty="0" smtClean="0"/>
               </a:p>
               <a:p>
                 <a:pPr marL="457200" lvl="1" indent="0">
@@ -7616,31 +8063,41 @@
                     </m:oMathParaPr>
                     <m:oMath xmlns:m="http://schemas.openxmlformats.org/officeDocument/2006/math">
                       <m:r>
-                        <a:rPr lang="en-US" i="1"/>
+                        <a:rPr lang="en-US" sz="2000" i="1">
+                          <a:latin typeface="Cambria Math" charset="0"/>
+                        </a:rPr>
                         <m:t>𝑃</m:t>
                       </m:r>
                       <m:d>
                         <m:dPr>
                           <m:ctrlPr>
-                            <a:rPr lang="en-US" i="1"/>
+                            <a:rPr lang="en-US" sz="2000" i="1">
+                              <a:latin typeface="Cambria Math" charset="0"/>
+                            </a:rPr>
                           </m:ctrlPr>
                         </m:dPr>
                         <m:e>
                           <m:sSub>
                             <m:sSubPr>
                               <m:ctrlPr>
-                                <a:rPr lang="en-US" i="1"/>
+                                <a:rPr lang="en-US" sz="2000" i="1">
+                                  <a:latin typeface="Cambria Math" charset="0"/>
+                                </a:rPr>
                               </m:ctrlPr>
                             </m:sSubPr>
                             <m:e>
                               <m:r>
-                                <a:rPr lang="en-US" i="1"/>
+                                <a:rPr lang="en-US" sz="2000" i="1">
+                                  <a:latin typeface="Cambria Math" charset="0"/>
+                                </a:rPr>
                                 <m:t>𝑥</m:t>
                               </m:r>
                             </m:e>
                             <m:sub>
                               <m:r>
-                                <a:rPr lang="en-US" i="1"/>
+                                <a:rPr lang="en-US" sz="2000" i="1">
+                                  <a:latin typeface="Cambria Math" charset="0"/>
+                                </a:rPr>
                                 <m:t>𝑖</m:t>
                               </m:r>
                             </m:sub>
@@ -7648,7 +8105,9 @@
                         </m:e>
                       </m:d>
                       <m:r>
-                        <a:rPr lang="en-US" i="1"/>
+                        <a:rPr lang="en-US" sz="2000" i="1">
+                          <a:latin typeface="Cambria Math" charset="0"/>
+                        </a:rPr>
                         <m:t>=</m:t>
                       </m:r>
                       <m:nary>
@@ -7656,22 +8115,30 @@
                           <m:chr m:val="∑"/>
                           <m:limLoc m:val="undOvr"/>
                           <m:ctrlPr>
-                            <a:rPr lang="en-US" i="1"/>
+                            <a:rPr lang="en-US" sz="2000" i="1">
+                              <a:latin typeface="Cambria Math" charset="0"/>
+                            </a:rPr>
                           </m:ctrlPr>
                         </m:naryPr>
                         <m:sub>
                           <m:r>
-                            <a:rPr lang="en-US" i="1"/>
+                            <a:rPr lang="en-US" sz="2000" i="1">
+                              <a:latin typeface="Cambria Math" charset="0"/>
+                            </a:rPr>
                             <m:t>𝑖</m:t>
                           </m:r>
                           <m:r>
-                            <a:rPr lang="en-US" i="1"/>
+                            <a:rPr lang="en-US" sz="2000" i="1">
+                              <a:latin typeface="Cambria Math" charset="0"/>
+                            </a:rPr>
                             <m:t>=1</m:t>
                           </m:r>
                         </m:sub>
                         <m:sup>
                           <m:r>
-                            <a:rPr lang="en-US" i="1"/>
+                            <a:rPr lang="en-US" sz="2000" i="1">
+                              <a:latin typeface="Cambria Math" charset="0"/>
+                            </a:rPr>
                             <m:t>𝑛</m:t>
                           </m:r>
                         </m:sup>
@@ -7679,64 +8146,86 @@
                           <m:sSub>
                             <m:sSubPr>
                               <m:ctrlPr>
-                                <a:rPr lang="en-US" i="1"/>
+                                <a:rPr lang="en-US" sz="2000" i="1">
+                                  <a:latin typeface="Cambria Math" charset="0"/>
+                                </a:rPr>
                               </m:ctrlPr>
                             </m:sSubPr>
                             <m:e>
                               <m:r>
-                                <a:rPr lang="en-US" i="1"/>
+                                <a:rPr lang="en-US" sz="2000" i="1">
+                                  <a:latin typeface="Cambria Math" charset="0"/>
+                                </a:rPr>
                                 <m:t>𝑊</m:t>
                               </m:r>
                             </m:e>
                             <m:sub>
                               <m:r>
-                                <a:rPr lang="en-US" i="1"/>
+                                <a:rPr lang="en-US" sz="2000" i="1">
+                                  <a:latin typeface="Cambria Math" charset="0"/>
+                                </a:rPr>
                                 <m:t>𝑖</m:t>
                               </m:r>
                             </m:sub>
                           </m:sSub>
                           <m:r>
-                            <a:rPr lang="en-US" i="1"/>
+                            <a:rPr lang="en-US" sz="2000" i="1">
+                              <a:latin typeface="Cambria Math" charset="0"/>
+                            </a:rPr>
                             <m:t>∗(</m:t>
                           </m:r>
                           <m:sSub>
                             <m:sSubPr>
                               <m:ctrlPr>
-                                <a:rPr lang="en-US" i="1"/>
+                                <a:rPr lang="en-US" sz="2000" i="1">
+                                  <a:latin typeface="Cambria Math" charset="0"/>
+                                </a:rPr>
                               </m:ctrlPr>
                             </m:sSubPr>
                             <m:e>
                               <m:r>
-                                <a:rPr lang="en-US" i="1"/>
+                                <a:rPr lang="en-US" sz="2000" i="1">
+                                  <a:latin typeface="Cambria Math" charset="0"/>
+                                </a:rPr>
                                 <m:t>𝑋</m:t>
                               </m:r>
                             </m:e>
                             <m:sub>
                               <m:r>
-                                <a:rPr lang="en-US" i="1"/>
+                                <a:rPr lang="en-US" sz="2000" i="1">
+                                  <a:latin typeface="Cambria Math" charset="0"/>
+                                </a:rPr>
                                 <m:t>𝑖</m:t>
                               </m:r>
                             </m:sub>
                           </m:sSub>
                           <m:r>
-                            <a:rPr lang="en-US" i="1"/>
+                            <a:rPr lang="en-US" sz="2000" i="1">
+                              <a:latin typeface="Cambria Math" charset="0"/>
+                            </a:rPr>
                             <m:t>−</m:t>
                           </m:r>
                           <m:sSub>
                             <m:sSubPr>
                               <m:ctrlPr>
-                                <a:rPr lang="en-US" i="1"/>
+                                <a:rPr lang="en-US" sz="2000" i="1">
+                                  <a:latin typeface="Cambria Math" charset="0"/>
+                                </a:rPr>
                               </m:ctrlPr>
                             </m:sSubPr>
                             <m:e>
                               <m:r>
-                                <a:rPr lang="en-US" i="1"/>
+                                <a:rPr lang="en-US" sz="2000" i="1">
+                                  <a:latin typeface="Cambria Math" charset="0"/>
+                                </a:rPr>
                                 <m:t>𝑌</m:t>
                               </m:r>
                             </m:e>
                             <m:sub>
                               <m:r>
-                                <a:rPr lang="en-US" i="1"/>
+                                <a:rPr lang="en-US" sz="2000" i="1">
+                                  <a:latin typeface="Cambria Math" charset="0"/>
+                                </a:rPr>
                                 <m:t>𝑖</m:t>
                               </m:r>
                             </m:sub>
@@ -7744,23 +8233,33 @@
                         </m:e>
                       </m:nary>
                       <m:r>
-                        <a:rPr lang="en-US" i="1"/>
+                        <a:rPr lang="en-US" sz="2000" i="1">
+                          <a:latin typeface="Cambria Math" charset="0"/>
+                        </a:rPr>
                         <m:t>)</m:t>
                       </m:r>
                     </m:oMath>
                   </m:oMathPara>
                 </a14:m>
-                <a:endParaRPr lang="en-US" dirty="0"/>
+                <a:endParaRPr lang="en-US" sz="2000" dirty="0"/>
               </a:p>
               <a:p>
                 <a:pPr marL="457200" lvl="1" indent="0">
                   <a:buNone/>
                 </a:pPr>
                 <a:r>
-                  <a:rPr lang="zh-CN" altLang="en-US" dirty="0"/>
+                  <a:rPr lang="zh-CN" altLang="en-US" sz="2000" dirty="0">
+                    <a:latin typeface="SimSun" charset="-122"/>
+                    <a:ea typeface="SimSun" charset="-122"/>
+                    <a:cs typeface="SimSun" charset="-122"/>
+                  </a:rPr>
                   <a:t>参数说明如下：</a:t>
                 </a:r>
-                <a:endParaRPr lang="en-US" dirty="0"/>
+                <a:endParaRPr lang="en-US" sz="2000" dirty="0">
+                  <a:latin typeface="SimSun" charset="-122"/>
+                  <a:ea typeface="SimSun" charset="-122"/>
+                  <a:cs typeface="SimSun" charset="-122"/>
+                </a:endParaRPr>
               </a:p>
               <a:p>
                 <a:pPr marL="457200" lvl="1" indent="0">
@@ -7771,18 +8270,30 @@
                     <m:sSub>
                       <m:sSubPr>
                         <m:ctrlPr>
-                          <a:rPr lang="en-US" i="1"/>
+                          <a:rPr lang="en-US" sz="2000" i="1">
+                            <a:latin typeface="SimSun" charset="-122"/>
+                            <a:ea typeface="SimSun" charset="-122"/>
+                            <a:cs typeface="SimSun" charset="-122"/>
+                          </a:rPr>
                         </m:ctrlPr>
                       </m:sSubPr>
                       <m:e>
                         <m:r>
-                          <a:rPr lang="en-US" i="1"/>
+                          <a:rPr lang="en-US" sz="2000" i="1">
+                            <a:latin typeface="SimSun" charset="-122"/>
+                            <a:ea typeface="SimSun" charset="-122"/>
+                            <a:cs typeface="SimSun" charset="-122"/>
+                          </a:rPr>
                           <m:t>𝑥</m:t>
                         </m:r>
                       </m:e>
                       <m:sub>
                         <m:r>
-                          <a:rPr lang="en-US" i="1"/>
+                          <a:rPr lang="en-US" sz="2000" i="1">
+                            <a:latin typeface="SimSun" charset="-122"/>
+                            <a:ea typeface="SimSun" charset="-122"/>
+                            <a:cs typeface="SimSun" charset="-122"/>
+                          </a:rPr>
                           <m:t>𝑖</m:t>
                         </m:r>
                       </m:sub>
@@ -7790,28 +8301,62 @@
                   </m:oMath>
                 </a14:m>
                 <a:r>
-                  <a:rPr lang="zh-CN" altLang="en-US" dirty="0"/>
+                  <a:rPr lang="zh-CN" altLang="en-US" sz="2000" dirty="0">
+                    <a:latin typeface="SimSun" charset="-122"/>
+                    <a:ea typeface="SimSun" charset="-122"/>
+                    <a:cs typeface="SimSun" charset="-122"/>
+                  </a:rPr>
                   <a:t>为</a:t>
                 </a:r>
                 <a:r>
-                  <a:rPr lang="zh-CN" altLang="en-US" dirty="0" smtClean="0"/>
+                  <a:rPr lang="zh-CN" altLang="en-US" sz="2000" dirty="0" smtClean="0">
+                    <a:latin typeface="SimSun" charset="-122"/>
+                    <a:ea typeface="SimSun" charset="-122"/>
+                    <a:cs typeface="SimSun" charset="-122"/>
+                  </a:rPr>
                   <a:t>第</a:t>
                 </a:r>
+                <a14:m>
+                  <m:oMath xmlns:m="http://schemas.openxmlformats.org/officeDocument/2006/math">
+                    <m:r>
+                      <a:rPr lang="en-US" altLang="zh-CN" sz="2000" i="1" smtClean="0">
+                        <a:latin typeface="Cambria Math" charset="0"/>
+                        <a:ea typeface="SimSun" charset="-122"/>
+                        <a:cs typeface="SimSun" charset="-122"/>
+                      </a:rPr>
+                      <m:t>𝑖</m:t>
+                    </m:r>
+                  </m:oMath>
+                </a14:m>
                 <a:r>
-                  <a:rPr lang="en-US" altLang="zh-CN" dirty="0" err="1" smtClean="0">
-                    <a:latin typeface="Consolas" panose="020B0609020204030204" pitchFamily="49" charset="0"/>
+                  <a:rPr lang="zh-CN" altLang="en-US" sz="2000" dirty="0" smtClean="0">
+                    <a:latin typeface="SimSun" charset="-122"/>
+                    <a:ea typeface="SimSun" charset="-122"/>
+                    <a:cs typeface="SimSun" charset="-122"/>
                   </a:rPr>
-                  <a:t>i</a:t>
-                </a:r>
-                <a:r>
-                  <a:rPr lang="zh-CN" altLang="en-US" dirty="0" smtClean="0"/>
                   <a:t>个</a:t>
                 </a:r>
                 <a:r>
-                  <a:rPr lang="zh-CN" altLang="en-US" dirty="0"/>
-                  <a:t>检测样本报告</a:t>
+                  <a:rPr lang="zh-CN" altLang="en-US" sz="2000" dirty="0">
+                    <a:latin typeface="SimSun" charset="-122"/>
+                    <a:ea typeface="SimSun" charset="-122"/>
+                    <a:cs typeface="SimSun" charset="-122"/>
+                  </a:rPr>
+                  <a:t>检测样本</a:t>
                 </a:r>
-                <a:endParaRPr lang="en-US" dirty="0"/>
+                <a:r>
+                  <a:rPr lang="zh-CN" altLang="en-US" sz="2000" dirty="0" smtClean="0">
+                    <a:latin typeface="SimSun" charset="-122"/>
+                    <a:ea typeface="SimSun" charset="-122"/>
+                    <a:cs typeface="SimSun" charset="-122"/>
+                  </a:rPr>
+                  <a:t>报告</a:t>
+                </a:r>
+                <a:endParaRPr lang="en-US" sz="2000" dirty="0">
+                  <a:latin typeface="SimSun" charset="-122"/>
+                  <a:ea typeface="SimSun" charset="-122"/>
+                  <a:cs typeface="SimSun" charset="-122"/>
+                </a:endParaRPr>
               </a:p>
               <a:p>
                 <a:pPr marL="457200" lvl="1" indent="0">
@@ -7822,18 +8367,30 @@
                     <m:sSub>
                       <m:sSubPr>
                         <m:ctrlPr>
-                          <a:rPr lang="en-US" i="1"/>
+                          <a:rPr lang="en-US" sz="2000" i="1">
+                            <a:latin typeface="SimSun" charset="-122"/>
+                            <a:ea typeface="SimSun" charset="-122"/>
+                            <a:cs typeface="SimSun" charset="-122"/>
+                          </a:rPr>
                         </m:ctrlPr>
                       </m:sSubPr>
                       <m:e>
                         <m:r>
-                          <a:rPr lang="en-US" i="1"/>
+                          <a:rPr lang="en-US" sz="2000" i="1">
+                            <a:latin typeface="SimSun" charset="-122"/>
+                            <a:ea typeface="SimSun" charset="-122"/>
+                            <a:cs typeface="SimSun" charset="-122"/>
+                          </a:rPr>
                           <m:t>𝑊</m:t>
                         </m:r>
                       </m:e>
                       <m:sub>
                         <m:r>
-                          <a:rPr lang="en-US" i="1"/>
+                          <a:rPr lang="en-US" sz="2000" i="1">
+                            <a:latin typeface="SimSun" charset="-122"/>
+                            <a:ea typeface="SimSun" charset="-122"/>
+                            <a:cs typeface="SimSun" charset="-122"/>
+                          </a:rPr>
                           <m:t>𝑖</m:t>
                         </m:r>
                       </m:sub>
@@ -7841,34 +8398,86 @@
                   </m:oMath>
                 </a14:m>
                 <a:r>
-                  <a:rPr lang="zh-CN" altLang="en-US" dirty="0"/>
-                  <a:t>为第</a:t>
+                  <a:rPr lang="zh-CN" altLang="en-US" sz="2000" dirty="0">
+                    <a:latin typeface="SimSun" charset="-122"/>
+                    <a:ea typeface="SimSun" charset="-122"/>
+                    <a:cs typeface="SimSun" charset="-122"/>
+                  </a:rPr>
+                  <a:t>为</a:t>
                 </a:r>
                 <a:r>
-                  <a:rPr lang="en-US" dirty="0" err="1"/>
-                  <a:t>i</a:t>
+                  <a:rPr lang="zh-CN" altLang="en-US" sz="2000" dirty="0" smtClean="0">
+                    <a:latin typeface="SimSun" charset="-122"/>
+                    <a:ea typeface="SimSun" charset="-122"/>
+                    <a:cs typeface="SimSun" charset="-122"/>
+                  </a:rPr>
+                  <a:t>第</a:t>
+                </a:r>
+                <a14:m>
+                  <m:oMath xmlns:m="http://schemas.openxmlformats.org/officeDocument/2006/math">
+                    <m:r>
+                      <a:rPr lang="en-US" altLang="zh-CN" sz="2000" i="1">
+                        <a:latin typeface="Cambria Math" charset="0"/>
+                        <a:ea typeface="SimSun" charset="-122"/>
+                        <a:cs typeface="SimSun" charset="-122"/>
+                      </a:rPr>
+                      <m:t>𝑖</m:t>
+                    </m:r>
+                  </m:oMath>
+                </a14:m>
+                <a:r>
+                  <a:rPr lang="zh-CN" altLang="en-US" sz="2000" dirty="0" smtClean="0">
+                    <a:latin typeface="SimSun" charset="-122"/>
+                    <a:ea typeface="SimSun" charset="-122"/>
+                    <a:cs typeface="SimSun" charset="-122"/>
+                  </a:rPr>
+                  <a:t>个</a:t>
                 </a:r>
                 <a:r>
-                  <a:rPr lang="zh-CN" altLang="en-US" dirty="0"/>
-                  <a:t>个测试项的权重，取值范围为</a:t>
+                  <a:rPr lang="zh-CN" altLang="en-US" sz="2000" dirty="0">
+                    <a:latin typeface="SimSun" charset="-122"/>
+                    <a:ea typeface="SimSun" charset="-122"/>
+                    <a:cs typeface="SimSun" charset="-122"/>
+                  </a:rPr>
+                  <a:t>测试项的权重，取值范围为</a:t>
                 </a:r>
                 <a:r>
-                  <a:rPr lang="en-US" dirty="0"/>
+                  <a:rPr lang="en-US" sz="2000" dirty="0">
+                    <a:latin typeface="SimSun" charset="-122"/>
+                    <a:ea typeface="SimSun" charset="-122"/>
+                    <a:cs typeface="SimSun" charset="-122"/>
+                  </a:rPr>
                   <a:t>0–1</a:t>
                 </a:r>
                 <a:r>
-                  <a:rPr lang="zh-CN" altLang="en-US" dirty="0"/>
+                  <a:rPr lang="zh-CN" altLang="en-US" sz="2000" dirty="0">
+                    <a:latin typeface="SimSun" charset="-122"/>
+                    <a:ea typeface="SimSun" charset="-122"/>
+                    <a:cs typeface="SimSun" charset="-122"/>
+                  </a:rPr>
                   <a:t>，即所有测试项权重总和为</a:t>
                 </a:r>
                 <a:r>
-                  <a:rPr lang="en-US" dirty="0"/>
+                  <a:rPr lang="en-US" sz="2000" dirty="0">
+                    <a:latin typeface="SimSun" charset="-122"/>
+                    <a:ea typeface="SimSun" charset="-122"/>
+                    <a:cs typeface="SimSun" charset="-122"/>
+                  </a:rPr>
                   <a:t>1</a:t>
                 </a:r>
                 <a:r>
-                  <a:rPr lang="zh-CN" altLang="en-US" dirty="0"/>
+                  <a:rPr lang="zh-CN" altLang="en-US" sz="2000" dirty="0">
+                    <a:latin typeface="SimSun" charset="-122"/>
+                    <a:ea typeface="SimSun" charset="-122"/>
+                    <a:cs typeface="SimSun" charset="-122"/>
+                  </a:rPr>
                   <a:t>。</a:t>
                 </a:r>
-                <a:endParaRPr lang="en-US" dirty="0"/>
+                <a:endParaRPr lang="en-US" sz="2000" dirty="0">
+                  <a:latin typeface="SimSun" charset="-122"/>
+                  <a:ea typeface="SimSun" charset="-122"/>
+                  <a:cs typeface="SimSun" charset="-122"/>
+                </a:endParaRPr>
               </a:p>
               <a:p>
                 <a:pPr marL="457200" lvl="1" indent="0">
@@ -7879,18 +8488,30 @@
                     <m:sSub>
                       <m:sSubPr>
                         <m:ctrlPr>
-                          <a:rPr lang="en-US" i="1"/>
+                          <a:rPr lang="en-US" sz="2000" i="1">
+                            <a:latin typeface="SimSun" charset="-122"/>
+                            <a:ea typeface="SimSun" charset="-122"/>
+                            <a:cs typeface="SimSun" charset="-122"/>
+                          </a:rPr>
                         </m:ctrlPr>
                       </m:sSubPr>
                       <m:e>
                         <m:r>
-                          <a:rPr lang="en-US" i="1"/>
+                          <a:rPr lang="en-US" sz="2000" i="1">
+                            <a:latin typeface="SimSun" charset="-122"/>
+                            <a:ea typeface="SimSun" charset="-122"/>
+                            <a:cs typeface="SimSun" charset="-122"/>
+                          </a:rPr>
                           <m:t>𝑋</m:t>
                         </m:r>
                       </m:e>
                       <m:sub>
                         <m:r>
-                          <a:rPr lang="en-US" i="1"/>
+                          <a:rPr lang="en-US" sz="2000" i="1">
+                            <a:latin typeface="SimSun" charset="-122"/>
+                            <a:ea typeface="SimSun" charset="-122"/>
+                            <a:cs typeface="SimSun" charset="-122"/>
+                          </a:rPr>
                           <m:t>𝑖</m:t>
                         </m:r>
                       </m:sub>
@@ -7898,18 +8519,38 @@
                   </m:oMath>
                 </a14:m>
                 <a:r>
-                  <a:rPr lang="zh-CN" altLang="en-US" dirty="0"/>
+                  <a:rPr lang="zh-CN" altLang="en-US" sz="2000" dirty="0">
+                    <a:latin typeface="SimSun" charset="-122"/>
+                    <a:ea typeface="SimSun" charset="-122"/>
+                    <a:cs typeface="SimSun" charset="-122"/>
+                  </a:rPr>
                   <a:t>为第</a:t>
                 </a:r>
+                <a14:m>
+                  <m:oMath xmlns:m="http://schemas.openxmlformats.org/officeDocument/2006/math">
+                    <m:r>
+                      <a:rPr lang="en-US" altLang="zh-CN" sz="2000" i="1">
+                        <a:latin typeface="Cambria Math" charset="0"/>
+                        <a:ea typeface="SimSun" charset="-122"/>
+                        <a:cs typeface="SimSun" charset="-122"/>
+                      </a:rPr>
+                      <m:t>𝑖</m:t>
+                    </m:r>
+                  </m:oMath>
+                </a14:m>
                 <a:r>
-                  <a:rPr lang="en-US" dirty="0" err="1"/>
-                  <a:t>i</a:t>
-                </a:r>
-                <a:r>
-                  <a:rPr lang="zh-CN" altLang="en-US" dirty="0"/>
+                  <a:rPr lang="zh-CN" altLang="en-US" sz="2000" dirty="0">
+                    <a:latin typeface="SimSun" charset="-122"/>
+                    <a:ea typeface="SimSun" charset="-122"/>
+                    <a:cs typeface="SimSun" charset="-122"/>
+                  </a:rPr>
                   <a:t>个测试项的标准值，即为正常范围</a:t>
                 </a:r>
-                <a:endParaRPr lang="en-US" dirty="0"/>
+                <a:endParaRPr lang="en-US" sz="2000" dirty="0">
+                  <a:latin typeface="SimSun" charset="-122"/>
+                  <a:ea typeface="SimSun" charset="-122"/>
+                  <a:cs typeface="SimSun" charset="-122"/>
+                </a:endParaRPr>
               </a:p>
               <a:p>
                 <a:pPr marL="457200" lvl="1" indent="0">
@@ -7920,18 +8561,30 @@
                     <m:sSub>
                       <m:sSubPr>
                         <m:ctrlPr>
-                          <a:rPr lang="en-US" i="1"/>
+                          <a:rPr lang="en-US" sz="2000" i="1">
+                            <a:latin typeface="SimSun" charset="-122"/>
+                            <a:ea typeface="SimSun" charset="-122"/>
+                            <a:cs typeface="SimSun" charset="-122"/>
+                          </a:rPr>
                         </m:ctrlPr>
                       </m:sSubPr>
                       <m:e>
                         <m:r>
-                          <a:rPr lang="en-US" i="1"/>
+                          <a:rPr lang="en-US" sz="2000" i="1">
+                            <a:latin typeface="SimSun" charset="-122"/>
+                            <a:ea typeface="SimSun" charset="-122"/>
+                            <a:cs typeface="SimSun" charset="-122"/>
+                          </a:rPr>
                           <m:t>𝑌</m:t>
                         </m:r>
                       </m:e>
                       <m:sub>
                         <m:r>
-                          <a:rPr lang="en-US" i="1"/>
+                          <a:rPr lang="en-US" sz="2000" i="1">
+                            <a:latin typeface="SimSun" charset="-122"/>
+                            <a:ea typeface="SimSun" charset="-122"/>
+                            <a:cs typeface="SimSun" charset="-122"/>
+                          </a:rPr>
                           <m:t>𝑖</m:t>
                         </m:r>
                       </m:sub>
@@ -7939,24 +8592,44 @@
                   </m:oMath>
                 </a14:m>
                 <a:r>
-                  <a:rPr lang="zh-CN" altLang="en-US" dirty="0"/>
+                  <a:rPr lang="zh-CN" altLang="en-US" sz="2000" dirty="0">
+                    <a:latin typeface="SimSun" charset="-122"/>
+                    <a:ea typeface="SimSun" charset="-122"/>
+                    <a:cs typeface="SimSun" charset="-122"/>
+                  </a:rPr>
                   <a:t>为第</a:t>
                 </a:r>
+                <a14:m>
+                  <m:oMath xmlns:m="http://schemas.openxmlformats.org/officeDocument/2006/math">
+                    <m:r>
+                      <a:rPr lang="en-US" altLang="zh-CN" sz="2000" i="1">
+                        <a:latin typeface="Cambria Math" charset="0"/>
+                        <a:ea typeface="SimSun" charset="-122"/>
+                        <a:cs typeface="SimSun" charset="-122"/>
+                      </a:rPr>
+                      <m:t>𝑖</m:t>
+                    </m:r>
+                  </m:oMath>
+                </a14:m>
                 <a:r>
-                  <a:rPr lang="en-US" dirty="0" err="1"/>
-                  <a:t>i</a:t>
-                </a:r>
-                <a:r>
-                  <a:rPr lang="zh-CN" altLang="en-US" dirty="0"/>
+                  <a:rPr lang="zh-CN" altLang="en-US" sz="2000" dirty="0">
+                    <a:latin typeface="SimSun" charset="-122"/>
+                    <a:ea typeface="SimSun" charset="-122"/>
+                    <a:cs typeface="SimSun" charset="-122"/>
+                  </a:rPr>
                   <a:t>个测试项的结果值，即为实际检查结果</a:t>
                 </a:r>
-                <a:endParaRPr lang="en-US" dirty="0"/>
+                <a:endParaRPr lang="en-US" sz="2000" dirty="0">
+                  <a:latin typeface="SimSun" charset="-122"/>
+                  <a:ea typeface="SimSun" charset="-122"/>
+                  <a:cs typeface="SimSun" charset="-122"/>
+                </a:endParaRPr>
               </a:p>
               <a:p>
                 <a:pPr marL="457200" lvl="1" indent="0">
                   <a:buNone/>
                 </a:pPr>
-                <a:endParaRPr lang="en-US" altLang="zh-CN" dirty="0" smtClean="0"/>
+                <a:endParaRPr lang="en-US" altLang="zh-CN" sz="2000" dirty="0" smtClean="0"/>
               </a:p>
             </p:txBody>
           </p:sp>
@@ -7975,12 +8648,12 @@
             <p:spPr>
               <a:xfrm>
                 <a:off x="913774" y="1452692"/>
-                <a:ext cx="10363826" cy="3424107"/>
+                <a:ext cx="10363826" cy="4500239"/>
               </a:xfrm>
-              <a:blipFill>
+              <a:blipFill rotWithShape="0">
                 <a:blip r:embed="rId2"/>
                 <a:stretch>
-                  <a:fillRect l="-471" t="-1246"/>
+                  <a:fillRect l="-824" t="-812"/>
                 </a:stretch>
               </a:blipFill>
             </p:spPr>
@@ -8070,8 +8743,8 @@
           </a:p>
         </p:txBody>
       </p:sp>
-      <mc:AlternateContent xmlns:mc="http://schemas.openxmlformats.org/markup-compatibility/2006">
-        <mc:Choice xmlns:a14="http://schemas.microsoft.com/office/drawing/2010/main" Requires="a14">
+      <mc:AlternateContent xmlns:mc="http://schemas.openxmlformats.org/markup-compatibility/2006" xmlns:a14="http://schemas.microsoft.com/office/drawing/2010/main">
+        <mc:Choice Requires="a14">
           <p:sp>
             <p:nvSpPr>
               <p:cNvPr id="3" name="Content Placeholder 2"/>
@@ -8084,8 +8757,8 @@
             </p:nvSpPr>
             <p:spPr>
               <a:xfrm>
-                <a:off x="913774" y="1463710"/>
-                <a:ext cx="10363826" cy="3424107"/>
+                <a:off x="913774" y="1463709"/>
+                <a:ext cx="4917859" cy="4161709"/>
               </a:xfrm>
             </p:spPr>
             <p:txBody>
@@ -8095,71 +8768,65 @@
               <a:lstStyle/>
               <a:p>
                 <a:r>
-                  <a:rPr lang="zh-CN" altLang="en-US" dirty="0" smtClean="0"/>
-                  <a:t>三、机器学习</a:t>
+                  <a:rPr lang="zh-CN" altLang="en-US" sz="2400" dirty="0" smtClean="0"/>
+                  <a:t>机器学习</a:t>
                 </a:r>
-                <a:endParaRPr lang="en-US" altLang="zh-CN" dirty="0" smtClean="0"/>
+                <a:endParaRPr lang="en-US" altLang="zh-CN" sz="2400" dirty="0" smtClean="0"/>
               </a:p>
               <a:p>
                 <a:pPr marL="457200" lvl="1" indent="0">
                   <a:buNone/>
                 </a:pPr>
                 <a:r>
-                  <a:rPr lang="zh-CN" altLang="en-US" dirty="0" smtClean="0"/>
+                  <a:rPr lang="zh-CN" altLang="en-US" sz="2000" dirty="0" smtClean="0"/>
                   <a:t>实践</a:t>
                 </a:r>
                 <a14:m>
                   <m:oMath xmlns:m="http://schemas.openxmlformats.org/officeDocument/2006/math">
                     <m:r>
-                      <a:rPr lang="zh-CN" altLang="en-US" i="1" dirty="0">
+                      <a:rPr lang="zh-CN" altLang="en-US" sz="2000" i="1" dirty="0">
                         <a:latin typeface="Cambria Math" panose="02040503050406030204" pitchFamily="18" charset="0"/>
                       </a:rPr>
                       <m:t>应用</m:t>
                     </m:r>
-                    <m:r>
-                      <a:rPr lang="en-US" altLang="zh-CN" b="0" i="1" dirty="0" smtClean="0">
-                        <a:latin typeface="Cambria Math" panose="02040503050406030204" pitchFamily="18" charset="0"/>
-                      </a:rPr>
-                      <m:t> </m:t>
-                    </m:r>
-                    <m:r>
-                      <a:rPr lang="en-US" altLang="zh-CN" i="1" dirty="0" smtClean="0">
-                        <a:latin typeface="Cambria Math" panose="02040503050406030204" pitchFamily="18" charset="0"/>
-                      </a:rPr>
-                      <m:t>–</m:t>
-                    </m:r>
                   </m:oMath>
                 </a14:m>
+                <a:endParaRPr lang="en-US" altLang="zh-CN" sz="2000" dirty="0" smtClean="0"/>
+              </a:p>
+              <a:p>
+                <a:pPr marL="457200" lvl="1" indent="0">
+                  <a:buNone/>
+                </a:pPr>
                 <a:r>
-                  <a:rPr lang="zh-CN" altLang="en-US" dirty="0" smtClean="0"/>
-                  <a:t> </a:t>
+                  <a:rPr lang="zh-CN" altLang="en-US" sz="2000" dirty="0" smtClean="0"/>
+                  <a:t>显示</a:t>
                 </a:r>
                 <a:r>
-                  <a:rPr lang="zh-CN" altLang="en-US" dirty="0"/>
-                  <a:t>显示为我爱人从怀孕</a:t>
+                  <a:rPr lang="zh-CN" altLang="en-US" sz="2000" dirty="0"/>
+                  <a:t>为我爱人从怀孕</a:t>
                 </a:r>
                 <a:r>
-                  <a:rPr lang="en-US" dirty="0"/>
+                  <a:rPr lang="en-US" sz="2000" dirty="0"/>
                   <a:t>4.5</a:t>
                 </a:r>
                 <a:r>
-                  <a:rPr lang="zh-CN" altLang="en-US" dirty="0"/>
+                  <a:rPr lang="zh-CN" altLang="en-US" sz="2000" dirty="0"/>
                   <a:t>个月至</a:t>
                 </a:r>
                 <a:r>
-                  <a:rPr lang="en-US" dirty="0"/>
+                  <a:rPr lang="en-US" sz="2000" dirty="0"/>
                   <a:t>6</a:t>
                 </a:r>
                 <a:r>
-                  <a:rPr lang="zh-CN" altLang="en-US" dirty="0"/>
+                  <a:rPr lang="zh-CN" altLang="en-US" sz="2000" dirty="0"/>
                   <a:t>个月每次血常规检查报告结果的综合值趋势</a:t>
                 </a:r>
-                <a:endParaRPr lang="en-US" altLang="zh-CN" dirty="0" smtClean="0"/>
+                <a:endParaRPr lang="en-US" altLang="zh-CN" sz="2000" dirty="0" smtClean="0"/>
               </a:p>
             </p:txBody>
           </p:sp>
         </mc:Choice>
-        <mc:Fallback>
+        <mc:Fallback xmlns="">
           <p:sp>
             <p:nvSpPr>
               <p:cNvPr id="3" name="Content Placeholder 2"/>
@@ -8172,13 +8839,13 @@
             </p:nvSpPr>
             <p:spPr>
               <a:xfrm>
-                <a:off x="913774" y="1463710"/>
-                <a:ext cx="10363826" cy="3424107"/>
+                <a:off x="913774" y="1463709"/>
+                <a:ext cx="4917859" cy="4161709"/>
               </a:xfrm>
-              <a:blipFill>
+              <a:blipFill rotWithShape="0">
                 <a:blip r:embed="rId2"/>
                 <a:stretch>
-                  <a:fillRect l="-529" t="-534"/>
+                  <a:fillRect l="-1735" t="-878"/>
                 </a:stretch>
               </a:blipFill>
             </p:spPr>
@@ -8211,7 +8878,7 @@
         </p:blipFill>
         <p:spPr>
           <a:xfrm>
-            <a:off x="3985723" y="2300991"/>
+            <a:off x="6096000" y="1463710"/>
             <a:ext cx="4219927" cy="4161709"/>
           </a:xfrm>
           <a:prstGeom prst="rect">

--- a/graduation_design/my_paper/计算机-雷明-毕业答辩.pptx
+++ b/graduation_design/my_paper/计算机-雷明-毕业答辩.pptx
@@ -294,7 +294,7 @@
           <a:p>
             <a:fld id="{48A87A34-81AB-432B-8DAE-1953F412C126}" type="datetimeFigureOut">
               <a:rPr lang="en-US" dirty="0"/>
-              <a:t>11/7/18</a:t>
+              <a:t>2018-11-08</a:t>
             </a:fld>
             <a:endParaRPr lang="en-US" dirty="0"/>
           </a:p>
@@ -601,7 +601,7 @@
           <a:p>
             <a:fld id="{48A87A34-81AB-432B-8DAE-1953F412C126}" type="datetimeFigureOut">
               <a:rPr lang="en-US" dirty="0"/>
-              <a:t>11/7/18</a:t>
+              <a:t>2018-11-08</a:t>
             </a:fld>
             <a:endParaRPr lang="en-US" dirty="0"/>
           </a:p>
@@ -818,7 +818,7 @@
           <a:p>
             <a:fld id="{48A87A34-81AB-432B-8DAE-1953F412C126}" type="datetimeFigureOut">
               <a:rPr lang="en-US" dirty="0"/>
-              <a:t>11/7/18</a:t>
+              <a:t>2018-11-08</a:t>
             </a:fld>
             <a:endParaRPr lang="en-US" dirty="0"/>
           </a:p>
@@ -1104,7 +1104,7 @@
           <a:p>
             <a:fld id="{48A87A34-81AB-432B-8DAE-1953F412C126}" type="datetimeFigureOut">
               <a:rPr lang="en-US" dirty="0"/>
-              <a:t>11/7/18</a:t>
+              <a:t>2018-11-08</a:t>
             </a:fld>
             <a:endParaRPr lang="en-US" dirty="0"/>
           </a:p>
@@ -1553,7 +1553,7 @@
           <a:p>
             <a:fld id="{48A87A34-81AB-432B-8DAE-1953F412C126}" type="datetimeFigureOut">
               <a:rPr lang="en-US" dirty="0"/>
-              <a:t>11/7/18</a:t>
+              <a:t>2018-11-08</a:t>
             </a:fld>
             <a:endParaRPr lang="en-US" dirty="0"/>
           </a:p>
@@ -2124,7 +2124,7 @@
           <a:p>
             <a:fld id="{48A87A34-81AB-432B-8DAE-1953F412C126}" type="datetimeFigureOut">
               <a:rPr lang="en-US" dirty="0"/>
-              <a:t>11/7/18</a:t>
+              <a:t>2018-11-08</a:t>
             </a:fld>
             <a:endParaRPr lang="en-US" dirty="0"/>
           </a:p>
@@ -2971,7 +2971,7 @@
           <a:p>
             <a:fld id="{48A87A34-81AB-432B-8DAE-1953F412C126}" type="datetimeFigureOut">
               <a:rPr lang="en-US" dirty="0"/>
-              <a:t>11/7/18</a:t>
+              <a:t>2018-11-08</a:t>
             </a:fld>
             <a:endParaRPr lang="en-US" dirty="0"/>
           </a:p>
@@ -3171,7 +3171,7 @@
           <a:p>
             <a:fld id="{48A87A34-81AB-432B-8DAE-1953F412C126}" type="datetimeFigureOut">
               <a:rPr lang="en-US" dirty="0"/>
-              <a:t>11/7/18</a:t>
+              <a:t>2018-11-08</a:t>
             </a:fld>
             <a:endParaRPr lang="en-US" dirty="0"/>
           </a:p>
@@ -3380,7 +3380,7 @@
           <a:p>
             <a:fld id="{48A87A34-81AB-432B-8DAE-1953F412C126}" type="datetimeFigureOut">
               <a:rPr lang="en-US" dirty="0"/>
-              <a:t>11/7/18</a:t>
+              <a:t>2018-11-08</a:t>
             </a:fld>
             <a:endParaRPr lang="en-US" dirty="0"/>
           </a:p>
@@ -3580,7 +3580,7 @@
           <a:p>
             <a:fld id="{48A87A34-81AB-432B-8DAE-1953F412C126}" type="datetimeFigureOut">
               <a:rPr lang="en-US" dirty="0"/>
-              <a:t>11/7/18</a:t>
+              <a:t>2018-11-08</a:t>
             </a:fld>
             <a:endParaRPr lang="en-US" dirty="0"/>
           </a:p>
@@ -3855,7 +3855,7 @@
           <a:p>
             <a:fld id="{48A87A34-81AB-432B-8DAE-1953F412C126}" type="datetimeFigureOut">
               <a:rPr lang="en-US" dirty="0"/>
-              <a:t>11/7/18</a:t>
+              <a:t>2018-11-08</a:t>
             </a:fld>
             <a:endParaRPr lang="en-US" dirty="0"/>
           </a:p>
@@ -4117,7 +4117,7 @@
           <a:p>
             <a:fld id="{48A87A34-81AB-432B-8DAE-1953F412C126}" type="datetimeFigureOut">
               <a:rPr lang="en-US" dirty="0"/>
-              <a:t>11/7/18</a:t>
+              <a:t>2018-11-08</a:t>
             </a:fld>
             <a:endParaRPr lang="en-US" dirty="0"/>
           </a:p>
@@ -4527,7 +4527,7 @@
           <a:p>
             <a:fld id="{48A87A34-81AB-432B-8DAE-1953F412C126}" type="datetimeFigureOut">
               <a:rPr lang="en-US" dirty="0"/>
-              <a:t>11/7/18</a:t>
+              <a:t>2018-11-08</a:t>
             </a:fld>
             <a:endParaRPr lang="en-US" dirty="0"/>
           </a:p>
@@ -4670,7 +4670,7 @@
           <a:p>
             <a:fld id="{48A87A34-81AB-432B-8DAE-1953F412C126}" type="datetimeFigureOut">
               <a:rPr lang="en-US" dirty="0"/>
-              <a:t>11/7/18</a:t>
+              <a:t>2018-11-08</a:t>
             </a:fld>
             <a:endParaRPr lang="en-US" dirty="0"/>
           </a:p>
@@ -4790,7 +4790,7 @@
           <a:p>
             <a:fld id="{48A87A34-81AB-432B-8DAE-1953F412C126}" type="datetimeFigureOut">
               <a:rPr lang="en-US" dirty="0"/>
-              <a:t>11/7/18</a:t>
+              <a:t>2018-11-08</a:t>
             </a:fld>
             <a:endParaRPr lang="en-US" dirty="0"/>
           </a:p>
@@ -5064,7 +5064,7 @@
           <a:p>
             <a:fld id="{48A87A34-81AB-432B-8DAE-1953F412C126}" type="datetimeFigureOut">
               <a:rPr lang="en-US" dirty="0"/>
-              <a:t>11/7/18</a:t>
+              <a:t>2018-11-08</a:t>
             </a:fld>
             <a:endParaRPr lang="en-US" dirty="0"/>
           </a:p>
@@ -5371,7 +5371,7 @@
           <a:p>
             <a:fld id="{48A87A34-81AB-432B-8DAE-1953F412C126}" type="datetimeFigureOut">
               <a:rPr lang="en-US" dirty="0"/>
-              <a:t>11/7/18</a:t>
+              <a:t>2018-11-08</a:t>
             </a:fld>
             <a:endParaRPr lang="en-US" dirty="0"/>
           </a:p>
@@ -5620,7 +5620,7 @@
             <a:fld id="{48A87A34-81AB-432B-8DAE-1953F412C126}" type="datetimeFigureOut">
               <a:rPr lang="en-US" dirty="0"/>
               <a:pPr/>
-              <a:t>11/7/18</a:t>
+              <a:t>2018-11-08</a:t>
             </a:fld>
             <a:endParaRPr lang="en-US" dirty="0"/>
           </a:p>
@@ -6116,14 +6116,14 @@
                 <a:gridCol w="4064000">
                   <a:extLst>
                     <a:ext uri="{9D8B030D-6E8A-4147-A177-3AD203B41FA5}">
-                      <a16:colId xmlns:a16="http://schemas.microsoft.com/office/drawing/2014/main" xmlns="" val="2419921925"/>
+                      <a16:colId xmlns:a16="http://schemas.microsoft.com/office/drawing/2014/main" val="2419921925"/>
                     </a:ext>
                   </a:extLst>
                 </a:gridCol>
                 <a:gridCol w="4064000">
                   <a:extLst>
                     <a:ext uri="{9D8B030D-6E8A-4147-A177-3AD203B41FA5}">
-                      <a16:colId xmlns:a16="http://schemas.microsoft.com/office/drawing/2014/main" xmlns="" val="2243509427"/>
+                      <a16:colId xmlns:a16="http://schemas.microsoft.com/office/drawing/2014/main" val="2243509427"/>
                     </a:ext>
                   </a:extLst>
                 </a:gridCol>
@@ -6168,7 +6168,7 @@
                 </a:tc>
                 <a:extLst>
                   <a:ext uri="{0D108BD9-81ED-4DB2-BD59-A6C34878D82A}">
-                    <a16:rowId xmlns:a16="http://schemas.microsoft.com/office/drawing/2014/main" xmlns="" val="4147310124"/>
+                    <a16:rowId xmlns:a16="http://schemas.microsoft.com/office/drawing/2014/main" val="4147310124"/>
                   </a:ext>
                 </a:extLst>
               </a:tr>
@@ -6205,7 +6205,7 @@
                 </a:tc>
                 <a:extLst>
                   <a:ext uri="{0D108BD9-81ED-4DB2-BD59-A6C34878D82A}">
-                    <a16:rowId xmlns:a16="http://schemas.microsoft.com/office/drawing/2014/main" xmlns="" val="1090463524"/>
+                    <a16:rowId xmlns:a16="http://schemas.microsoft.com/office/drawing/2014/main" val="1090463524"/>
                   </a:ext>
                 </a:extLst>
               </a:tr>
@@ -6242,7 +6242,7 @@
                 </a:tc>
                 <a:extLst>
                   <a:ext uri="{0D108BD9-81ED-4DB2-BD59-A6C34878D82A}">
-                    <a16:rowId xmlns:a16="http://schemas.microsoft.com/office/drawing/2014/main" xmlns="" val="363472524"/>
+                    <a16:rowId xmlns:a16="http://schemas.microsoft.com/office/drawing/2014/main" val="363472524"/>
                   </a:ext>
                 </a:extLst>
               </a:tr>
@@ -6279,7 +6279,7 @@
                 </a:tc>
                 <a:extLst>
                   <a:ext uri="{0D108BD9-81ED-4DB2-BD59-A6C34878D82A}">
-                    <a16:rowId xmlns:a16="http://schemas.microsoft.com/office/drawing/2014/main" xmlns="" val="232697873"/>
+                    <a16:rowId xmlns:a16="http://schemas.microsoft.com/office/drawing/2014/main" val="232697873"/>
                   </a:ext>
                 </a:extLst>
               </a:tr>
@@ -6730,7 +6730,31 @@
             </a:r>
             <a:r>
               <a:rPr lang="zh-CN" altLang="en-US" dirty="0"/>
-              <a:t>课题的设计以及论文的撰写自始至终都是在张丽娜老师的悉心指导下进行。张丽娜老师在学习和科研过程中给予我无微不至的关怀和指导，使我能够迅速地掌握本专业知识，并解决一个个实际的工程问题，能够迅速地给出处理流程和分析思路，对各方向知识的涉猎</a:t>
+              <a:t>课题的设计以及论文的撰写自始至终都是在张丽娜老师的悉心指导下进行。张丽娜老师在学习和科研过程中给予我无微不至的关怀和指导，使我能够迅速地掌握本专业知识，并解决一个个实际的工程问题，能够迅速地给</a:t>
+            </a:r>
+            <a:r>
+              <a:rPr lang="zh-CN" altLang="en-US" dirty="0" smtClean="0"/>
+              <a:t>出合理地分</a:t>
+            </a:r>
+            <a:r>
+              <a:rPr lang="zh-CN" altLang="en-US" dirty="0"/>
+              <a:t>析思</a:t>
+            </a:r>
+            <a:r>
+              <a:rPr lang="zh-CN" altLang="en-US" dirty="0" smtClean="0"/>
+              <a:t>路，指出处理流程中的问题，并指导我对</a:t>
+            </a:r>
+            <a:r>
+              <a:rPr lang="zh-CN" altLang="en-US" dirty="0"/>
+              <a:t>各方向知识</a:t>
+            </a:r>
+            <a:r>
+              <a:rPr lang="zh-CN" altLang="en-US" dirty="0" smtClean="0"/>
+              <a:t>的涉</a:t>
+            </a:r>
+            <a:r>
+              <a:rPr lang="zh-CN" altLang="en-US" dirty="0"/>
+              <a:t>猎</a:t>
             </a:r>
             <a:r>
               <a:rPr lang="zh-CN" altLang="en-US" dirty="0" smtClean="0"/>
@@ -7268,7 +7292,15 @@
                 <a:ea typeface="SimSun" charset="-122"/>
                 <a:cs typeface="SimSun" charset="-122"/>
               </a:rPr>
-              <a:t>Spring boot</a:t>
+              <a:t>Spring </a:t>
+            </a:r>
+            <a:r>
+              <a:rPr lang="en-US" altLang="zh-CN" sz="2000" dirty="0" smtClean="0">
+                <a:latin typeface="SimSun" charset="-122"/>
+                <a:ea typeface="SimSun" charset="-122"/>
+                <a:cs typeface="SimSun" charset="-122"/>
+              </a:rPr>
+              <a:t>BOOT / CLOUD</a:t>
             </a:r>
             <a:r>
               <a:rPr lang="zh-CN" altLang="en-US" sz="2000" dirty="0" smtClean="0">
@@ -7276,7 +7308,15 @@
                 <a:ea typeface="SimSun" charset="-122"/>
                 <a:cs typeface="SimSun" charset="-122"/>
               </a:rPr>
-              <a:t>：独立</a:t>
+              <a:t>：</a:t>
+            </a:r>
+            <a:r>
+              <a:rPr lang="zh-CN" altLang="en-US" sz="2000" dirty="0" smtClean="0">
+                <a:latin typeface="SimSun" charset="-122"/>
+                <a:ea typeface="SimSun" charset="-122"/>
+                <a:cs typeface="SimSun" charset="-122"/>
+              </a:rPr>
+              <a:t>独立</a:t>
             </a:r>
             <a:r>
               <a:rPr lang="zh-CN" altLang="en-US" sz="2000" dirty="0">
@@ -7386,7 +7426,7 @@
         <p:spPr>
           <a:xfrm>
             <a:off x="914400" y="1452691"/>
-            <a:ext cx="10363826" cy="4780158"/>
+            <a:ext cx="10363826" cy="4981160"/>
           </a:xfrm>
         </p:spPr>
         <p:txBody>
@@ -7506,7 +7546,39 @@
                 <a:ea typeface="SimSun" charset="-122"/>
                 <a:cs typeface="SimSun" charset="-122"/>
               </a:rPr>
-              <a:t>特点：在数据挖掘中起着很大的作用，而且也是整个数据架构的关键点</a:t>
+              <a:t>特点：</a:t>
+            </a:r>
+            <a:r>
+              <a:rPr lang="zh-CN" altLang="en-US" sz="2000" dirty="0">
+                <a:latin typeface="SimSun" charset="-122"/>
+                <a:ea typeface="SimSun" charset="-122"/>
+                <a:cs typeface="SimSun" charset="-122"/>
+              </a:rPr>
+              <a:t>挖</a:t>
+            </a:r>
+            <a:r>
+              <a:rPr lang="zh-CN" altLang="en-US" sz="2000" dirty="0" smtClean="0">
+                <a:latin typeface="SimSun" charset="-122"/>
+                <a:ea typeface="SimSun" charset="-122"/>
+                <a:cs typeface="SimSun" charset="-122"/>
+              </a:rPr>
+              <a:t>掘数据中潜在价值，</a:t>
+            </a:r>
+            <a:r>
+              <a:rPr lang="zh-CN" altLang="en-US" sz="2000" dirty="0" smtClean="0">
+                <a:latin typeface="SimSun" charset="-122"/>
+                <a:ea typeface="SimSun" charset="-122"/>
+                <a:cs typeface="SimSun" charset="-122"/>
+              </a:rPr>
+              <a:t>在</a:t>
+            </a:r>
+            <a:r>
+              <a:rPr lang="zh-CN" altLang="en-US" sz="2000" dirty="0" smtClean="0">
+                <a:latin typeface="SimSun" charset="-122"/>
+                <a:ea typeface="SimSun" charset="-122"/>
+                <a:cs typeface="SimSun" charset="-122"/>
+              </a:rPr>
+              <a:t>数据挖掘中起着很大的作用，而且也是整个数据架构的关键点</a:t>
             </a:r>
             <a:r>
               <a:rPr lang="en-US" sz="2000" dirty="0" smtClean="0">
@@ -8008,8 +8080,8 @@
           </a:p>
         </p:txBody>
       </p:sp>
-      <mc:AlternateContent xmlns:mc="http://schemas.openxmlformats.org/markup-compatibility/2006">
-        <mc:Choice xmlns:a14="http://schemas.microsoft.com/office/drawing/2010/main" Requires="a14">
+      <mc:AlternateContent xmlns:mc="http://schemas.openxmlformats.org/markup-compatibility/2006" xmlns:a14="http://schemas.microsoft.com/office/drawing/2010/main">
+        <mc:Choice Requires="a14">
           <p:sp>
             <p:nvSpPr>
               <p:cNvPr id="3" name="Content Placeholder 2"/>
@@ -8034,11 +8106,7 @@
               <a:p>
                 <a:r>
                   <a:rPr lang="zh-CN" altLang="en-US" sz="2400" dirty="0" smtClean="0"/>
-                  <a:t>三</a:t>
-                </a:r>
-                <a:r>
-                  <a:rPr lang="zh-CN" altLang="en-US" sz="2400" dirty="0" smtClean="0"/>
-                  <a:t>、机器学习</a:t>
+                  <a:t>三、机器学习</a:t>
                 </a:r>
                 <a:endParaRPr lang="en-US" altLang="zh-CN" sz="2400" dirty="0" smtClean="0"/>
               </a:p>
@@ -8072,7 +8140,7 @@
                         <m:dPr>
                           <m:ctrlPr>
                             <a:rPr lang="en-US" sz="2000" i="1">
-                              <a:latin typeface="Cambria Math" charset="0"/>
+                              <a:latin typeface="Cambria Math" panose="02040503050406030204" pitchFamily="18" charset="0"/>
                             </a:rPr>
                           </m:ctrlPr>
                         </m:dPr>
@@ -8081,7 +8149,7 @@
                             <m:sSubPr>
                               <m:ctrlPr>
                                 <a:rPr lang="en-US" sz="2000" i="1">
-                                  <a:latin typeface="Cambria Math" charset="0"/>
+                                  <a:latin typeface="Cambria Math" panose="02040503050406030204" pitchFamily="18" charset="0"/>
                                 </a:rPr>
                               </m:ctrlPr>
                             </m:sSubPr>
@@ -8116,7 +8184,7 @@
                           <m:limLoc m:val="undOvr"/>
                           <m:ctrlPr>
                             <a:rPr lang="en-US" sz="2000" i="1">
-                              <a:latin typeface="Cambria Math" charset="0"/>
+                              <a:latin typeface="Cambria Math" panose="02040503050406030204" pitchFamily="18" charset="0"/>
                             </a:rPr>
                           </m:ctrlPr>
                         </m:naryPr>
@@ -8147,7 +8215,7 @@
                             <m:sSubPr>
                               <m:ctrlPr>
                                 <a:rPr lang="en-US" sz="2000" i="1">
-                                  <a:latin typeface="Cambria Math" charset="0"/>
+                                  <a:latin typeface="Cambria Math" panose="02040503050406030204" pitchFamily="18" charset="0"/>
                                 </a:rPr>
                               </m:ctrlPr>
                             </m:sSubPr>
@@ -8178,7 +8246,7 @@
                             <m:sSubPr>
                               <m:ctrlPr>
                                 <a:rPr lang="en-US" sz="2000" i="1">
-                                  <a:latin typeface="Cambria Math" charset="0"/>
+                                  <a:latin typeface="Cambria Math" panose="02040503050406030204" pitchFamily="18" charset="0"/>
                                 </a:rPr>
                               </m:ctrlPr>
                             </m:sSubPr>
@@ -8209,7 +8277,7 @@
                             <m:sSubPr>
                               <m:ctrlPr>
                                 <a:rPr lang="en-US" sz="2000" i="1">
-                                  <a:latin typeface="Cambria Math" charset="0"/>
+                                  <a:latin typeface="Cambria Math" panose="02040503050406030204" pitchFamily="18" charset="0"/>
                                 </a:rPr>
                               </m:ctrlPr>
                             </m:sSubPr>
@@ -8271,7 +8339,7 @@
                       <m:sSubPr>
                         <m:ctrlPr>
                           <a:rPr lang="en-US" sz="2000" i="1">
-                            <a:latin typeface="SimSun" charset="-122"/>
+                            <a:latin typeface="Cambria Math" panose="02040503050406030204" pitchFamily="18" charset="0"/>
                             <a:ea typeface="SimSun" charset="-122"/>
                             <a:cs typeface="SimSun" charset="-122"/>
                           </a:rPr>
@@ -8280,7 +8348,7 @@
                       <m:e>
                         <m:r>
                           <a:rPr lang="en-US" sz="2000" i="1">
-                            <a:latin typeface="SimSun" charset="-122"/>
+                            <a:latin typeface="Cambria Math" panose="02040503050406030204" pitchFamily="18" charset="0"/>
                             <a:ea typeface="SimSun" charset="-122"/>
                             <a:cs typeface="SimSun" charset="-122"/>
                           </a:rPr>
@@ -8290,7 +8358,7 @@
                       <m:sub>
                         <m:r>
                           <a:rPr lang="en-US" sz="2000" i="1">
-                            <a:latin typeface="SimSun" charset="-122"/>
+                            <a:latin typeface="Cambria Math" panose="02040503050406030204" pitchFamily="18" charset="0"/>
                             <a:ea typeface="SimSun" charset="-122"/>
                             <a:cs typeface="SimSun" charset="-122"/>
                           </a:rPr>
@@ -8368,7 +8436,7 @@
                       <m:sSubPr>
                         <m:ctrlPr>
                           <a:rPr lang="en-US" sz="2000" i="1">
-                            <a:latin typeface="SimSun" charset="-122"/>
+                            <a:latin typeface="Cambria Math" panose="02040503050406030204" pitchFamily="18" charset="0"/>
                             <a:ea typeface="SimSun" charset="-122"/>
                             <a:cs typeface="SimSun" charset="-122"/>
                           </a:rPr>
@@ -8377,7 +8445,7 @@
                       <m:e>
                         <m:r>
                           <a:rPr lang="en-US" sz="2000" i="1">
-                            <a:latin typeface="SimSun" charset="-122"/>
+                            <a:latin typeface="Cambria Math" panose="02040503050406030204" pitchFamily="18" charset="0"/>
                             <a:ea typeface="SimSun" charset="-122"/>
                             <a:cs typeface="SimSun" charset="-122"/>
                           </a:rPr>
@@ -8387,7 +8455,7 @@
                       <m:sub>
                         <m:r>
                           <a:rPr lang="en-US" sz="2000" i="1">
-                            <a:latin typeface="SimSun" charset="-122"/>
+                            <a:latin typeface="Cambria Math" panose="02040503050406030204" pitchFamily="18" charset="0"/>
                             <a:ea typeface="SimSun" charset="-122"/>
                             <a:cs typeface="SimSun" charset="-122"/>
                           </a:rPr>
@@ -8489,7 +8557,7 @@
                       <m:sSubPr>
                         <m:ctrlPr>
                           <a:rPr lang="en-US" sz="2000" i="1">
-                            <a:latin typeface="SimSun" charset="-122"/>
+                            <a:latin typeface="Cambria Math" panose="02040503050406030204" pitchFamily="18" charset="0"/>
                             <a:ea typeface="SimSun" charset="-122"/>
                             <a:cs typeface="SimSun" charset="-122"/>
                           </a:rPr>
@@ -8498,7 +8566,7 @@
                       <m:e>
                         <m:r>
                           <a:rPr lang="en-US" sz="2000" i="1">
-                            <a:latin typeface="SimSun" charset="-122"/>
+                            <a:latin typeface="Cambria Math" panose="02040503050406030204" pitchFamily="18" charset="0"/>
                             <a:ea typeface="SimSun" charset="-122"/>
                             <a:cs typeface="SimSun" charset="-122"/>
                           </a:rPr>
@@ -8508,7 +8576,7 @@
                       <m:sub>
                         <m:r>
                           <a:rPr lang="en-US" sz="2000" i="1">
-                            <a:latin typeface="SimSun" charset="-122"/>
+                            <a:latin typeface="Cambria Math" panose="02040503050406030204" pitchFamily="18" charset="0"/>
                             <a:ea typeface="SimSun" charset="-122"/>
                             <a:cs typeface="SimSun" charset="-122"/>
                           </a:rPr>
@@ -8562,7 +8630,7 @@
                       <m:sSubPr>
                         <m:ctrlPr>
                           <a:rPr lang="en-US" sz="2000" i="1">
-                            <a:latin typeface="SimSun" charset="-122"/>
+                            <a:latin typeface="Cambria Math" panose="02040503050406030204" pitchFamily="18" charset="0"/>
                             <a:ea typeface="SimSun" charset="-122"/>
                             <a:cs typeface="SimSun" charset="-122"/>
                           </a:rPr>
@@ -8571,7 +8639,7 @@
                       <m:e>
                         <m:r>
                           <a:rPr lang="en-US" sz="2000" i="1">
-                            <a:latin typeface="SimSun" charset="-122"/>
+                            <a:latin typeface="Cambria Math" panose="02040503050406030204" pitchFamily="18" charset="0"/>
                             <a:ea typeface="SimSun" charset="-122"/>
                             <a:cs typeface="SimSun" charset="-122"/>
                           </a:rPr>
@@ -8581,7 +8649,7 @@
                       <m:sub>
                         <m:r>
                           <a:rPr lang="en-US" sz="2000" i="1">
-                            <a:latin typeface="SimSun" charset="-122"/>
+                            <a:latin typeface="Cambria Math" panose="02040503050406030204" pitchFamily="18" charset="0"/>
                             <a:ea typeface="SimSun" charset="-122"/>
                             <a:cs typeface="SimSun" charset="-122"/>
                           </a:rPr>
@@ -8634,7 +8702,7 @@
             </p:txBody>
           </p:sp>
         </mc:Choice>
-        <mc:Fallback>
+        <mc:Fallback xmlns="">
           <p:sp>
             <p:nvSpPr>
               <p:cNvPr id="3" name="Content Placeholder 2"/>

--- a/graduation_design/my_paper/计算机-雷明-毕业答辩.pptx
+++ b/graduation_design/my_paper/计算机-雷明-毕业答辩.pptx
@@ -294,7 +294,7 @@
           <a:p>
             <a:fld id="{48A87A34-81AB-432B-8DAE-1953F412C126}" type="datetimeFigureOut">
               <a:rPr lang="en-US" dirty="0"/>
-              <a:t>2018-11-08</a:t>
+              <a:t>11/9/18</a:t>
             </a:fld>
             <a:endParaRPr lang="en-US" dirty="0"/>
           </a:p>
@@ -601,7 +601,7 @@
           <a:p>
             <a:fld id="{48A87A34-81AB-432B-8DAE-1953F412C126}" type="datetimeFigureOut">
               <a:rPr lang="en-US" dirty="0"/>
-              <a:t>2018-11-08</a:t>
+              <a:t>11/9/18</a:t>
             </a:fld>
             <a:endParaRPr lang="en-US" dirty="0"/>
           </a:p>
@@ -818,7 +818,7 @@
           <a:p>
             <a:fld id="{48A87A34-81AB-432B-8DAE-1953F412C126}" type="datetimeFigureOut">
               <a:rPr lang="en-US" dirty="0"/>
-              <a:t>2018-11-08</a:t>
+              <a:t>11/9/18</a:t>
             </a:fld>
             <a:endParaRPr lang="en-US" dirty="0"/>
           </a:p>
@@ -1104,7 +1104,7 @@
           <a:p>
             <a:fld id="{48A87A34-81AB-432B-8DAE-1953F412C126}" type="datetimeFigureOut">
               <a:rPr lang="en-US" dirty="0"/>
-              <a:t>2018-11-08</a:t>
+              <a:t>11/9/18</a:t>
             </a:fld>
             <a:endParaRPr lang="en-US" dirty="0"/>
           </a:p>
@@ -1553,7 +1553,7 @@
           <a:p>
             <a:fld id="{48A87A34-81AB-432B-8DAE-1953F412C126}" type="datetimeFigureOut">
               <a:rPr lang="en-US" dirty="0"/>
-              <a:t>2018-11-08</a:t>
+              <a:t>11/9/18</a:t>
             </a:fld>
             <a:endParaRPr lang="en-US" dirty="0"/>
           </a:p>
@@ -2124,7 +2124,7 @@
           <a:p>
             <a:fld id="{48A87A34-81AB-432B-8DAE-1953F412C126}" type="datetimeFigureOut">
               <a:rPr lang="en-US" dirty="0"/>
-              <a:t>2018-11-08</a:t>
+              <a:t>11/9/18</a:t>
             </a:fld>
             <a:endParaRPr lang="en-US" dirty="0"/>
           </a:p>
@@ -2971,7 +2971,7 @@
           <a:p>
             <a:fld id="{48A87A34-81AB-432B-8DAE-1953F412C126}" type="datetimeFigureOut">
               <a:rPr lang="en-US" dirty="0"/>
-              <a:t>2018-11-08</a:t>
+              <a:t>11/9/18</a:t>
             </a:fld>
             <a:endParaRPr lang="en-US" dirty="0"/>
           </a:p>
@@ -3171,7 +3171,7 @@
           <a:p>
             <a:fld id="{48A87A34-81AB-432B-8DAE-1953F412C126}" type="datetimeFigureOut">
               <a:rPr lang="en-US" dirty="0"/>
-              <a:t>2018-11-08</a:t>
+              <a:t>11/9/18</a:t>
             </a:fld>
             <a:endParaRPr lang="en-US" dirty="0"/>
           </a:p>
@@ -3380,7 +3380,7 @@
           <a:p>
             <a:fld id="{48A87A34-81AB-432B-8DAE-1953F412C126}" type="datetimeFigureOut">
               <a:rPr lang="en-US" dirty="0"/>
-              <a:t>2018-11-08</a:t>
+              <a:t>11/9/18</a:t>
             </a:fld>
             <a:endParaRPr lang="en-US" dirty="0"/>
           </a:p>
@@ -3580,7 +3580,7 @@
           <a:p>
             <a:fld id="{48A87A34-81AB-432B-8DAE-1953F412C126}" type="datetimeFigureOut">
               <a:rPr lang="en-US" dirty="0"/>
-              <a:t>2018-11-08</a:t>
+              <a:t>11/9/18</a:t>
             </a:fld>
             <a:endParaRPr lang="en-US" dirty="0"/>
           </a:p>
@@ -3855,7 +3855,7 @@
           <a:p>
             <a:fld id="{48A87A34-81AB-432B-8DAE-1953F412C126}" type="datetimeFigureOut">
               <a:rPr lang="en-US" dirty="0"/>
-              <a:t>2018-11-08</a:t>
+              <a:t>11/9/18</a:t>
             </a:fld>
             <a:endParaRPr lang="en-US" dirty="0"/>
           </a:p>
@@ -4117,7 +4117,7 @@
           <a:p>
             <a:fld id="{48A87A34-81AB-432B-8DAE-1953F412C126}" type="datetimeFigureOut">
               <a:rPr lang="en-US" dirty="0"/>
-              <a:t>2018-11-08</a:t>
+              <a:t>11/9/18</a:t>
             </a:fld>
             <a:endParaRPr lang="en-US" dirty="0"/>
           </a:p>
@@ -4527,7 +4527,7 @@
           <a:p>
             <a:fld id="{48A87A34-81AB-432B-8DAE-1953F412C126}" type="datetimeFigureOut">
               <a:rPr lang="en-US" dirty="0"/>
-              <a:t>2018-11-08</a:t>
+              <a:t>11/9/18</a:t>
             </a:fld>
             <a:endParaRPr lang="en-US" dirty="0"/>
           </a:p>
@@ -4670,7 +4670,7 @@
           <a:p>
             <a:fld id="{48A87A34-81AB-432B-8DAE-1953F412C126}" type="datetimeFigureOut">
               <a:rPr lang="en-US" dirty="0"/>
-              <a:t>2018-11-08</a:t>
+              <a:t>11/9/18</a:t>
             </a:fld>
             <a:endParaRPr lang="en-US" dirty="0"/>
           </a:p>
@@ -4790,7 +4790,7 @@
           <a:p>
             <a:fld id="{48A87A34-81AB-432B-8DAE-1953F412C126}" type="datetimeFigureOut">
               <a:rPr lang="en-US" dirty="0"/>
-              <a:t>2018-11-08</a:t>
+              <a:t>11/9/18</a:t>
             </a:fld>
             <a:endParaRPr lang="en-US" dirty="0"/>
           </a:p>
@@ -5064,7 +5064,7 @@
           <a:p>
             <a:fld id="{48A87A34-81AB-432B-8DAE-1953F412C126}" type="datetimeFigureOut">
               <a:rPr lang="en-US" dirty="0"/>
-              <a:t>2018-11-08</a:t>
+              <a:t>11/9/18</a:t>
             </a:fld>
             <a:endParaRPr lang="en-US" dirty="0"/>
           </a:p>
@@ -5371,7 +5371,7 @@
           <a:p>
             <a:fld id="{48A87A34-81AB-432B-8DAE-1953F412C126}" type="datetimeFigureOut">
               <a:rPr lang="en-US" dirty="0"/>
-              <a:t>2018-11-08</a:t>
+              <a:t>11/9/18</a:t>
             </a:fld>
             <a:endParaRPr lang="en-US" dirty="0"/>
           </a:p>
@@ -5620,7 +5620,7 @@
             <a:fld id="{48A87A34-81AB-432B-8DAE-1953F412C126}" type="datetimeFigureOut">
               <a:rPr lang="en-US" dirty="0"/>
               <a:pPr/>
-              <a:t>2018-11-08</a:t>
+              <a:t>11/9/18</a:t>
             </a:fld>
             <a:endParaRPr lang="en-US" dirty="0"/>
           </a:p>
@@ -6097,14 +6097,14 @@
           <p:nvPr>
             <p:extLst>
               <p:ext uri="{D42A27DB-BD31-4B8C-83A1-F6EECF244321}">
-                <p14:modId xmlns:p14="http://schemas.microsoft.com/office/powerpoint/2010/main" val="2636290461"/>
+                <p14:modId xmlns:p14="http://schemas.microsoft.com/office/powerpoint/2010/main" val="98247743"/>
               </p:ext>
             </p:extLst>
           </p:nvPr>
         </p:nvGraphicFramePr>
         <p:xfrm>
           <a:off x="1877764" y="3363714"/>
-          <a:ext cx="8128000" cy="1483360"/>
+          <a:ext cx="8128000" cy="1854200"/>
         </p:xfrm>
         <a:graphic>
           <a:graphicData uri="http://schemas.openxmlformats.org/drawingml/2006/table">
@@ -6116,14 +6116,14 @@
                 <a:gridCol w="4064000">
                   <a:extLst>
                     <a:ext uri="{9D8B030D-6E8A-4147-A177-3AD203B41FA5}">
-                      <a16:colId xmlns:a16="http://schemas.microsoft.com/office/drawing/2014/main" val="2419921925"/>
+                      <a16:colId xmlns:a16="http://schemas.microsoft.com/office/drawing/2014/main" xmlns="" val="2419921925"/>
                     </a:ext>
                   </a:extLst>
                 </a:gridCol>
                 <a:gridCol w="4064000">
                   <a:extLst>
                     <a:ext uri="{9D8B030D-6E8A-4147-A177-3AD203B41FA5}">
-                      <a16:colId xmlns:a16="http://schemas.microsoft.com/office/drawing/2014/main" val="2243509427"/>
+                      <a16:colId xmlns:a16="http://schemas.microsoft.com/office/drawing/2014/main" xmlns="" val="2243509427"/>
                     </a:ext>
                   </a:extLst>
                 </a:gridCol>
@@ -6168,7 +6168,7 @@
                 </a:tc>
                 <a:extLst>
                   <a:ext uri="{0D108BD9-81ED-4DB2-BD59-A6C34878D82A}">
-                    <a16:rowId xmlns:a16="http://schemas.microsoft.com/office/drawing/2014/main" val="4147310124"/>
+                    <a16:rowId xmlns:a16="http://schemas.microsoft.com/office/drawing/2014/main" xmlns="" val="4147310124"/>
                   </a:ext>
                 </a:extLst>
               </a:tr>
@@ -6205,7 +6205,7 @@
                 </a:tc>
                 <a:extLst>
                   <a:ext uri="{0D108BD9-81ED-4DB2-BD59-A6C34878D82A}">
-                    <a16:rowId xmlns:a16="http://schemas.microsoft.com/office/drawing/2014/main" val="1090463524"/>
+                    <a16:rowId xmlns:a16="http://schemas.microsoft.com/office/drawing/2014/main" xmlns="" val="1090463524"/>
                   </a:ext>
                 </a:extLst>
               </a:tr>
@@ -6242,7 +6242,7 @@
                 </a:tc>
                 <a:extLst>
                   <a:ext uri="{0D108BD9-81ED-4DB2-BD59-A6C34878D82A}">
-                    <a16:rowId xmlns:a16="http://schemas.microsoft.com/office/drawing/2014/main" val="363472524"/>
+                    <a16:rowId xmlns:a16="http://schemas.microsoft.com/office/drawing/2014/main" xmlns="" val="363472524"/>
                   </a:ext>
                 </a:extLst>
               </a:tr>
@@ -6279,9 +6279,41 @@
                 </a:tc>
                 <a:extLst>
                   <a:ext uri="{0D108BD9-81ED-4DB2-BD59-A6C34878D82A}">
-                    <a16:rowId xmlns:a16="http://schemas.microsoft.com/office/drawing/2014/main" val="232697873"/>
+                    <a16:rowId xmlns:a16="http://schemas.microsoft.com/office/drawing/2014/main" xmlns="" val="232697873"/>
                   </a:ext>
                 </a:extLst>
+              </a:tr>
+              <a:tr h="370840">
+                <a:tc>
+                  <a:txBody>
+                    <a:bodyPr/>
+                    <a:lstStyle/>
+                    <a:p>
+                      <a:pPr algn="ctr"/>
+                      <a:r>
+                        <a:rPr lang="zh-CN" altLang="en-US" dirty="0" smtClean="0"/>
+                        <a:t>学号</a:t>
+                      </a:r>
+                      <a:endParaRPr lang="en-US" dirty="0"/>
+                    </a:p>
+                  </a:txBody>
+                  <a:tcPr/>
+                </a:tc>
+                <a:tc>
+                  <a:txBody>
+                    <a:bodyPr/>
+                    <a:lstStyle/>
+                    <a:p>
+                      <a:pPr algn="ctr"/>
+                      <a:r>
+                        <a:rPr lang="en-US" altLang="zh-CN" dirty="0" smtClean="0"/>
+                        <a:t>201600030110090</a:t>
+                      </a:r>
+                      <a:endParaRPr lang="en-US" dirty="0"/>
+                    </a:p>
+                  </a:txBody>
+                  <a:tcPr/>
+                </a:tc>
               </a:tr>
             </a:tbl>
           </a:graphicData>
@@ -7292,15 +7324,7 @@
                 <a:ea typeface="SimSun" charset="-122"/>
                 <a:cs typeface="SimSun" charset="-122"/>
               </a:rPr>
-              <a:t>Spring </a:t>
-            </a:r>
-            <a:r>
-              <a:rPr lang="en-US" altLang="zh-CN" sz="2000" dirty="0" smtClean="0">
-                <a:latin typeface="SimSun" charset="-122"/>
-                <a:ea typeface="SimSun" charset="-122"/>
-                <a:cs typeface="SimSun" charset="-122"/>
-              </a:rPr>
-              <a:t>BOOT / CLOUD</a:t>
+              <a:t>Spring BOOT / CLOUD</a:t>
             </a:r>
             <a:r>
               <a:rPr lang="zh-CN" altLang="en-US" sz="2000" dirty="0" smtClean="0">
@@ -7308,15 +7332,7 @@
                 <a:ea typeface="SimSun" charset="-122"/>
                 <a:cs typeface="SimSun" charset="-122"/>
               </a:rPr>
-              <a:t>：</a:t>
-            </a:r>
-            <a:r>
-              <a:rPr lang="zh-CN" altLang="en-US" sz="2000" dirty="0" smtClean="0">
-                <a:latin typeface="SimSun" charset="-122"/>
-                <a:ea typeface="SimSun" charset="-122"/>
-                <a:cs typeface="SimSun" charset="-122"/>
-              </a:rPr>
-              <a:t>独立</a:t>
+              <a:t>：独立</a:t>
             </a:r>
             <a:r>
               <a:rPr lang="zh-CN" altLang="en-US" sz="2000" dirty="0">
@@ -7562,23 +7578,7 @@
                 <a:ea typeface="SimSun" charset="-122"/>
                 <a:cs typeface="SimSun" charset="-122"/>
               </a:rPr>
-              <a:t>掘数据中潜在价值，</a:t>
-            </a:r>
-            <a:r>
-              <a:rPr lang="zh-CN" altLang="en-US" sz="2000" dirty="0" smtClean="0">
-                <a:latin typeface="SimSun" charset="-122"/>
-                <a:ea typeface="SimSun" charset="-122"/>
-                <a:cs typeface="SimSun" charset="-122"/>
-              </a:rPr>
-              <a:t>在</a:t>
-            </a:r>
-            <a:r>
-              <a:rPr lang="zh-CN" altLang="en-US" sz="2000" dirty="0" smtClean="0">
-                <a:latin typeface="SimSun" charset="-122"/>
-                <a:ea typeface="SimSun" charset="-122"/>
-                <a:cs typeface="SimSun" charset="-122"/>
-              </a:rPr>
-              <a:t>数据挖掘中起着很大的作用，而且也是整个数据架构的关键点</a:t>
+              <a:t>掘数据中潜在价值，在数据挖掘中起着很大的作用，而且也是整个数据架构的关键点</a:t>
             </a:r>
             <a:r>
               <a:rPr lang="en-US" sz="2000" dirty="0" smtClean="0">
@@ -8140,7 +8140,7 @@
                         <m:dPr>
                           <m:ctrlPr>
                             <a:rPr lang="en-US" sz="2000" i="1">
-                              <a:latin typeface="Cambria Math" panose="02040503050406030204" pitchFamily="18" charset="0"/>
+                              <a:latin typeface="Cambria Math" charset="0"/>
                             </a:rPr>
                           </m:ctrlPr>
                         </m:dPr>
@@ -8149,7 +8149,7 @@
                             <m:sSubPr>
                               <m:ctrlPr>
                                 <a:rPr lang="en-US" sz="2000" i="1">
-                                  <a:latin typeface="Cambria Math" panose="02040503050406030204" pitchFamily="18" charset="0"/>
+                                  <a:latin typeface="Cambria Math" charset="0"/>
                                 </a:rPr>
                               </m:ctrlPr>
                             </m:sSubPr>
@@ -8184,7 +8184,7 @@
                           <m:limLoc m:val="undOvr"/>
                           <m:ctrlPr>
                             <a:rPr lang="en-US" sz="2000" i="1">
-                              <a:latin typeface="Cambria Math" panose="02040503050406030204" pitchFamily="18" charset="0"/>
+                              <a:latin typeface="Cambria Math" charset="0"/>
                             </a:rPr>
                           </m:ctrlPr>
                         </m:naryPr>
@@ -8215,7 +8215,7 @@
                             <m:sSubPr>
                               <m:ctrlPr>
                                 <a:rPr lang="en-US" sz="2000" i="1">
-                                  <a:latin typeface="Cambria Math" panose="02040503050406030204" pitchFamily="18" charset="0"/>
+                                  <a:latin typeface="Cambria Math" charset="0"/>
                                 </a:rPr>
                               </m:ctrlPr>
                             </m:sSubPr>
@@ -8246,7 +8246,7 @@
                             <m:sSubPr>
                               <m:ctrlPr>
                                 <a:rPr lang="en-US" sz="2000" i="1">
-                                  <a:latin typeface="Cambria Math" panose="02040503050406030204" pitchFamily="18" charset="0"/>
+                                  <a:latin typeface="Cambria Math" charset="0"/>
                                 </a:rPr>
                               </m:ctrlPr>
                             </m:sSubPr>
@@ -8277,7 +8277,7 @@
                             <m:sSubPr>
                               <m:ctrlPr>
                                 <a:rPr lang="en-US" sz="2000" i="1">
-                                  <a:latin typeface="Cambria Math" panose="02040503050406030204" pitchFamily="18" charset="0"/>
+                                  <a:latin typeface="Cambria Math" charset="0"/>
                                 </a:rPr>
                               </m:ctrlPr>
                             </m:sSubPr>
@@ -8339,7 +8339,7 @@
                       <m:sSubPr>
                         <m:ctrlPr>
                           <a:rPr lang="en-US" sz="2000" i="1">
-                            <a:latin typeface="Cambria Math" panose="02040503050406030204" pitchFamily="18" charset="0"/>
+                            <a:latin typeface="Cambria Math" charset="0"/>
                             <a:ea typeface="SimSun" charset="-122"/>
                             <a:cs typeface="SimSun" charset="-122"/>
                           </a:rPr>
@@ -8436,7 +8436,7 @@
                       <m:sSubPr>
                         <m:ctrlPr>
                           <a:rPr lang="en-US" sz="2000" i="1">
-                            <a:latin typeface="Cambria Math" panose="02040503050406030204" pitchFamily="18" charset="0"/>
+                            <a:latin typeface="Cambria Math" charset="0"/>
                             <a:ea typeface="SimSun" charset="-122"/>
                             <a:cs typeface="SimSun" charset="-122"/>
                           </a:rPr>
@@ -8557,7 +8557,7 @@
                       <m:sSubPr>
                         <m:ctrlPr>
                           <a:rPr lang="en-US" sz="2000" i="1">
-                            <a:latin typeface="Cambria Math" panose="02040503050406030204" pitchFamily="18" charset="0"/>
+                            <a:latin typeface="Cambria Math" charset="0"/>
                             <a:ea typeface="SimSun" charset="-122"/>
                             <a:cs typeface="SimSun" charset="-122"/>
                           </a:rPr>
@@ -8630,7 +8630,7 @@
                       <m:sSubPr>
                         <m:ctrlPr>
                           <a:rPr lang="en-US" sz="2000" i="1">
-                            <a:latin typeface="Cambria Math" panose="02040503050406030204" pitchFamily="18" charset="0"/>
+                            <a:latin typeface="Cambria Math" charset="0"/>
                             <a:ea typeface="SimSun" charset="-122"/>
                             <a:cs typeface="SimSun" charset="-122"/>
                           </a:rPr>
